--- a/Task 3/Muhammad Cikal Merdeka_Mini_Project_3_Task_3.pptx
+++ b/Task 3/Muhammad Cikal Merdeka_Mini_Project_3_Task_3.pptx
@@ -1,28 +1,36 @@
 
 <file path=ppt/presentation.xml><?xml version="1.0" encoding="utf-8"?>
-<p:presentation xmlns:a="http://schemas.openxmlformats.org/drawingml/2006/main" xmlns:r="http://schemas.openxmlformats.org/officeDocument/2006/relationships" xmlns:mc="http://schemas.openxmlformats.org/markup-compatibility/2006" xmlns:mv="urn:schemas-microsoft-com:mac:vml" xmlns:p="http://schemas.openxmlformats.org/presentationml/2006/main" xmlns:c="http://schemas.openxmlformats.org/drawingml/2006/chart" xmlns:dgm="http://schemas.openxmlformats.org/drawingml/2006/diagram" xmlns:o="urn:schemas-microsoft-com:office:office" xmlns:v="urn:schemas-microsoft-com:vml" xmlns:pvml="urn:schemas-microsoft-com:office:powerpoint" xmlns:com="http://schemas.openxmlformats.org/drawingml/2006/compatibility" xmlns:p14="http://schemas.microsoft.com/office/powerpoint/2010/main" xmlns:p15="http://schemas.microsoft.com/office/powerpoint/2012/main" xmlns:ahyp="http://schemas.microsoft.com/office/drawing/2018/hyperlinkcolor" autoCompressPictures="0" embedTrueTypeFonts="1" strictFirstAndLastChars="0" saveSubsetFonts="1">
+<p:presentation xmlns:a="http://schemas.openxmlformats.org/drawingml/2006/main" xmlns:r="http://schemas.openxmlformats.org/officeDocument/2006/relationships" xmlns:p="http://schemas.openxmlformats.org/presentationml/2006/main" strictFirstAndLastChars="0" embedTrueTypeFonts="1" saveSubsetFonts="1" autoCompressPictures="0">
   <p:sldMasterIdLst>
-    <p:sldMasterId id="2147483659" r:id="rId4"/>
+    <p:sldMasterId id="2147483659" r:id="rId1"/>
   </p:sldMasterIdLst>
   <p:notesMasterIdLst>
-    <p:notesMasterId r:id="rId5"/>
+    <p:notesMasterId r:id="rId6"/>
   </p:notesMasterIdLst>
   <p:sldIdLst>
-    <p:sldId id="256" r:id="rId6"/>
+    <p:sldId id="257" r:id="rId2"/>
+    <p:sldId id="260" r:id="rId3"/>
+    <p:sldId id="259" r:id="rId4"/>
+    <p:sldId id="261" r:id="rId5"/>
   </p:sldIdLst>
-  <p:sldSz cy="5143500" cx="9144000"/>
+  <p:sldSz cx="9144000" cy="5143500" type="screen16x9"/>
   <p:notesSz cx="6858000" cy="9144000"/>
   <p:embeddedFontLst>
     <p:embeddedFont>
-      <p:font typeface="Roboto"/>
+      <p:font typeface="Dosis" pitchFamily="2" charset="0"/>
       <p:regular r:id="rId7"/>
       <p:bold r:id="rId8"/>
-      <p:italic r:id="rId9"/>
-      <p:boldItalic r:id="rId10"/>
+    </p:embeddedFont>
+    <p:embeddedFont>
+      <p:font typeface="Roboto" panose="02000000000000000000" pitchFamily="2" charset="0"/>
+      <p:regular r:id="rId9"/>
+      <p:bold r:id="rId10"/>
+      <p:italic r:id="rId11"/>
+      <p:boldItalic r:id="rId12"/>
     </p:embeddedFont>
   </p:embeddedFontLst>
   <p:defaultTextStyle>
-    <a:defPPr lvl="0" marR="0" rtl="0" algn="l">
+    <a:defPPr marR="0" lvl="0" algn="l" rtl="0">
       <a:lnSpc>
         <a:spcPct val="100000"/>
       </a:lnSpc>
@@ -33,7 +41,7 @@
         <a:spcPts val="0"/>
       </a:spcAft>
     </a:defPPr>
-    <a:lvl1pPr lvl="0" marR="0" rtl="0" algn="l">
+    <a:lvl1pPr marR="0" lvl="0" algn="l" rtl="0">
       <a:lnSpc>
         <a:spcPct val="100000"/>
       </a:lnSpc>
@@ -47,7 +55,7 @@
         <a:srgbClr val="000000"/>
       </a:buClr>
       <a:buFont typeface="Arial"/>
-      <a:defRPr b="0" i="0" sz="1400" u="none" cap="none" strike="noStrike">
+      <a:defRPr sz="1400" b="0" i="0" u="none" strike="noStrike" cap="none">
         <a:solidFill>
           <a:srgbClr val="000000"/>
         </a:solidFill>
@@ -57,7 +65,7 @@
         <a:sym typeface="Arial"/>
       </a:defRPr>
     </a:lvl1pPr>
-    <a:lvl2pPr lvl="1" marR="0" rtl="0" algn="l">
+    <a:lvl2pPr marR="0" lvl="1" algn="l" rtl="0">
       <a:lnSpc>
         <a:spcPct val="100000"/>
       </a:lnSpc>
@@ -71,7 +79,7 @@
         <a:srgbClr val="000000"/>
       </a:buClr>
       <a:buFont typeface="Arial"/>
-      <a:defRPr b="0" i="0" sz="1400" u="none" cap="none" strike="noStrike">
+      <a:defRPr sz="1400" b="0" i="0" u="none" strike="noStrike" cap="none">
         <a:solidFill>
           <a:srgbClr val="000000"/>
         </a:solidFill>
@@ -81,7 +89,7 @@
         <a:sym typeface="Arial"/>
       </a:defRPr>
     </a:lvl2pPr>
-    <a:lvl3pPr lvl="2" marR="0" rtl="0" algn="l">
+    <a:lvl3pPr marR="0" lvl="2" algn="l" rtl="0">
       <a:lnSpc>
         <a:spcPct val="100000"/>
       </a:lnSpc>
@@ -95,7 +103,7 @@
         <a:srgbClr val="000000"/>
       </a:buClr>
       <a:buFont typeface="Arial"/>
-      <a:defRPr b="0" i="0" sz="1400" u="none" cap="none" strike="noStrike">
+      <a:defRPr sz="1400" b="0" i="0" u="none" strike="noStrike" cap="none">
         <a:solidFill>
           <a:srgbClr val="000000"/>
         </a:solidFill>
@@ -105,7 +113,7 @@
         <a:sym typeface="Arial"/>
       </a:defRPr>
     </a:lvl3pPr>
-    <a:lvl4pPr lvl="3" marR="0" rtl="0" algn="l">
+    <a:lvl4pPr marR="0" lvl="3" algn="l" rtl="0">
       <a:lnSpc>
         <a:spcPct val="100000"/>
       </a:lnSpc>
@@ -119,7 +127,7 @@
         <a:srgbClr val="000000"/>
       </a:buClr>
       <a:buFont typeface="Arial"/>
-      <a:defRPr b="0" i="0" sz="1400" u="none" cap="none" strike="noStrike">
+      <a:defRPr sz="1400" b="0" i="0" u="none" strike="noStrike" cap="none">
         <a:solidFill>
           <a:srgbClr val="000000"/>
         </a:solidFill>
@@ -129,7 +137,7 @@
         <a:sym typeface="Arial"/>
       </a:defRPr>
     </a:lvl4pPr>
-    <a:lvl5pPr lvl="4" marR="0" rtl="0" algn="l">
+    <a:lvl5pPr marR="0" lvl="4" algn="l" rtl="0">
       <a:lnSpc>
         <a:spcPct val="100000"/>
       </a:lnSpc>
@@ -143,7 +151,7 @@
         <a:srgbClr val="000000"/>
       </a:buClr>
       <a:buFont typeface="Arial"/>
-      <a:defRPr b="0" i="0" sz="1400" u="none" cap="none" strike="noStrike">
+      <a:defRPr sz="1400" b="0" i="0" u="none" strike="noStrike" cap="none">
         <a:solidFill>
           <a:srgbClr val="000000"/>
         </a:solidFill>
@@ -153,7 +161,7 @@
         <a:sym typeface="Arial"/>
       </a:defRPr>
     </a:lvl5pPr>
-    <a:lvl6pPr lvl="5" marR="0" rtl="0" algn="l">
+    <a:lvl6pPr marR="0" lvl="5" algn="l" rtl="0">
       <a:lnSpc>
         <a:spcPct val="100000"/>
       </a:lnSpc>
@@ -167,7 +175,7 @@
         <a:srgbClr val="000000"/>
       </a:buClr>
       <a:buFont typeface="Arial"/>
-      <a:defRPr b="0" i="0" sz="1400" u="none" cap="none" strike="noStrike">
+      <a:defRPr sz="1400" b="0" i="0" u="none" strike="noStrike" cap="none">
         <a:solidFill>
           <a:srgbClr val="000000"/>
         </a:solidFill>
@@ -177,7 +185,7 @@
         <a:sym typeface="Arial"/>
       </a:defRPr>
     </a:lvl6pPr>
-    <a:lvl7pPr lvl="6" marR="0" rtl="0" algn="l">
+    <a:lvl7pPr marR="0" lvl="6" algn="l" rtl="0">
       <a:lnSpc>
         <a:spcPct val="100000"/>
       </a:lnSpc>
@@ -191,7 +199,7 @@
         <a:srgbClr val="000000"/>
       </a:buClr>
       <a:buFont typeface="Arial"/>
-      <a:defRPr b="0" i="0" sz="1400" u="none" cap="none" strike="noStrike">
+      <a:defRPr sz="1400" b="0" i="0" u="none" strike="noStrike" cap="none">
         <a:solidFill>
           <a:srgbClr val="000000"/>
         </a:solidFill>
@@ -201,7 +209,7 @@
         <a:sym typeface="Arial"/>
       </a:defRPr>
     </a:lvl7pPr>
-    <a:lvl8pPr lvl="7" marR="0" rtl="0" algn="l">
+    <a:lvl8pPr marR="0" lvl="7" algn="l" rtl="0">
       <a:lnSpc>
         <a:spcPct val="100000"/>
       </a:lnSpc>
@@ -215,7 +223,7 @@
         <a:srgbClr val="000000"/>
       </a:buClr>
       <a:buFont typeface="Arial"/>
-      <a:defRPr b="0" i="0" sz="1400" u="none" cap="none" strike="noStrike">
+      <a:defRPr sz="1400" b="0" i="0" u="none" strike="noStrike" cap="none">
         <a:solidFill>
           <a:srgbClr val="000000"/>
         </a:solidFill>
@@ -225,7 +233,7 @@
         <a:sym typeface="Arial"/>
       </a:defRPr>
     </a:lvl8pPr>
-    <a:lvl9pPr lvl="8" marR="0" rtl="0" algn="l">
+    <a:lvl9pPr marR="0" lvl="8" algn="l" rtl="0">
       <a:lnSpc>
         <a:spcPct val="100000"/>
       </a:lnSpc>
@@ -239,7 +247,7 @@
         <a:srgbClr val="000000"/>
       </a:buClr>
       <a:buFont typeface="Arial"/>
-      <a:defRPr b="0" i="0" sz="1400" u="none" cap="none" strike="noStrike">
+      <a:defRPr sz="1400" b="0" i="0" u="none" strike="noStrike" cap="none">
         <a:solidFill>
           <a:srgbClr val="000000"/>
         </a:solidFill>
@@ -252,7 +260,7 @@
   </p:defaultTextStyle>
   <p:extLst>
     <p:ext uri="{EFAFB233-063F-42B5-8137-9DF3F51BA10A}">
-      <p15:sldGuideLst>
+      <p15:sldGuideLst xmlns:p15="http://schemas.microsoft.com/office/powerpoint/2012/main">
         <p15:guide id="1" orient="horz" pos="1620">
           <p15:clr>
             <a:srgbClr val="A4A3A4"/>
@@ -270,11 +278,16 @@
 </file>
 
 <file path=ppt/notesMasters/notesMaster1.xml><?xml version="1.0" encoding="utf-8"?>
-<p:notesMaster xmlns:a="http://schemas.openxmlformats.org/drawingml/2006/main" xmlns:r="http://schemas.openxmlformats.org/officeDocument/2006/relationships" xmlns:mc="http://schemas.openxmlformats.org/markup-compatibility/2006" xmlns:mv="urn:schemas-microsoft-com:mac:vml" xmlns:p="http://schemas.openxmlformats.org/presentationml/2006/main" xmlns:c="http://schemas.openxmlformats.org/drawingml/2006/chart" xmlns:dgm="http://schemas.openxmlformats.org/drawingml/2006/diagram" xmlns:o="urn:schemas-microsoft-com:office:office" xmlns:v="urn:schemas-microsoft-com:vml" xmlns:pvml="urn:schemas-microsoft-com:office:powerpoint" xmlns:com="http://schemas.openxmlformats.org/drawingml/2006/compatibility" xmlns:p14="http://schemas.microsoft.com/office/powerpoint/2010/main" xmlns:p15="http://schemas.microsoft.com/office/powerpoint/2012/main" xmlns:ahyp="http://schemas.microsoft.com/office/drawing/2018/hyperlinkcolor">
+<p:notesMaster xmlns:a="http://schemas.openxmlformats.org/drawingml/2006/main" xmlns:r="http://schemas.openxmlformats.org/officeDocument/2006/relationships" xmlns:p="http://schemas.openxmlformats.org/presentationml/2006/main">
   <p:cSld>
+    <p:bg>
+      <p:bgRef idx="1001">
+        <a:schemeClr val="bg1"/>
+      </p:bgRef>
+    </p:bg>
     <p:spTree>
       <p:nvGrpSpPr>
-        <p:cNvPr id="2" name="Shape 2"/>
+        <p:cNvPr id="1" name="Shape 2"/>
         <p:cNvGrpSpPr/>
         <p:nvPr/>
       </p:nvGrpSpPr>
@@ -289,9 +302,11 @@
       <p:sp>
         <p:nvSpPr>
           <p:cNvPr id="3" name="Google Shape;3;n"/>
-          <p:cNvSpPr/>
+          <p:cNvSpPr>
+            <a:spLocks noGrp="1" noRot="1" noChangeAspect="1"/>
+          </p:cNvSpPr>
           <p:nvPr>
-            <p:ph idx="2" type="sldImg"/>
+            <p:ph type="sldImg" idx="2"/>
           </p:nvPr>
         </p:nvSpPr>
         <p:spPr>
@@ -300,9 +315,13 @@
             <a:ext cx="6096075" cy="3429000"/>
           </a:xfrm>
           <a:custGeom>
-            <a:rect b="b" l="l" r="r" t="t"/>
+            <a:avLst/>
+            <a:gdLst/>
+            <a:ahLst/>
+            <a:cxnLst/>
+            <a:rect l="l" t="t" r="r" b="b"/>
             <a:pathLst>
-              <a:path extrusionOk="0" h="120000" w="120000">
+              <a:path w="120000" h="120000" extrusionOk="0">
                 <a:moveTo>
                   <a:pt x="0" y="0"/>
                 </a:moveTo>
@@ -320,23 +339,25 @@
             </a:pathLst>
           </a:custGeom>
           <a:noFill/>
-          <a:ln cap="flat" cmpd="sng" w="9525">
+          <a:ln w="9525" cap="flat" cmpd="sng">
             <a:solidFill>
               <a:srgbClr val="000000"/>
             </a:solidFill>
             <a:prstDash val="solid"/>
             <a:round/>
-            <a:headEnd len="sm" w="sm" type="none"/>
-            <a:tailEnd len="sm" w="sm" type="none"/>
+            <a:headEnd type="none" w="sm" len="sm"/>
+            <a:tailEnd type="none" w="sm" len="sm"/>
           </a:ln>
         </p:spPr>
       </p:sp>
       <p:sp>
         <p:nvSpPr>
           <p:cNvPr id="4" name="Google Shape;4;n"/>
-          <p:cNvSpPr txBox="1"/>
+          <p:cNvSpPr txBox="1">
+            <a:spLocks noGrp="1"/>
+          </p:cNvSpPr>
           <p:nvPr>
-            <p:ph idx="1" type="body"/>
+            <p:ph type="body" idx="1"/>
           </p:nvPr>
         </p:nvSpPr>
         <p:spPr>
@@ -353,11 +374,11 @@
           </a:ln>
         </p:spPr>
         <p:txBody>
-          <a:bodyPr anchorCtr="0" anchor="t" bIns="91425" lIns="91425" spcFirstLastPara="1" rIns="91425" wrap="square" tIns="91425">
+          <a:bodyPr spcFirstLastPara="1" wrap="square" lIns="91425" tIns="91425" rIns="91425" bIns="91425" anchor="t" anchorCtr="0">
             <a:noAutofit/>
           </a:bodyPr>
           <a:lstStyle>
-            <a:lvl1pPr indent="-298450" lvl="0" marL="457200">
+            <a:lvl1pPr marL="457200" lvl="0" indent="-298450">
               <a:spcBef>
                 <a:spcPts val="0"/>
               </a:spcBef>
@@ -368,7 +389,7 @@
               <a:buChar char="●"/>
               <a:defRPr sz="1100"/>
             </a:lvl1pPr>
-            <a:lvl2pPr indent="-298450" lvl="1" marL="914400">
+            <a:lvl2pPr marL="914400" lvl="1" indent="-298450">
               <a:spcBef>
                 <a:spcPts val="0"/>
               </a:spcBef>
@@ -379,7 +400,7 @@
               <a:buChar char="○"/>
               <a:defRPr sz="1100"/>
             </a:lvl2pPr>
-            <a:lvl3pPr indent="-298450" lvl="2" marL="1371600">
+            <a:lvl3pPr marL="1371600" lvl="2" indent="-298450">
               <a:spcBef>
                 <a:spcPts val="0"/>
               </a:spcBef>
@@ -390,7 +411,7 @@
               <a:buChar char="■"/>
               <a:defRPr sz="1100"/>
             </a:lvl3pPr>
-            <a:lvl4pPr indent="-298450" lvl="3" marL="1828800">
+            <a:lvl4pPr marL="1828800" lvl="3" indent="-298450">
               <a:spcBef>
                 <a:spcPts val="0"/>
               </a:spcBef>
@@ -401,7 +422,7 @@
               <a:buChar char="●"/>
               <a:defRPr sz="1100"/>
             </a:lvl4pPr>
-            <a:lvl5pPr indent="-298450" lvl="4" marL="2286000">
+            <a:lvl5pPr marL="2286000" lvl="4" indent="-298450">
               <a:spcBef>
                 <a:spcPts val="0"/>
               </a:spcBef>
@@ -412,7 +433,7 @@
               <a:buChar char="○"/>
               <a:defRPr sz="1100"/>
             </a:lvl5pPr>
-            <a:lvl6pPr indent="-298450" lvl="5" marL="2743200">
+            <a:lvl6pPr marL="2743200" lvl="5" indent="-298450">
               <a:spcBef>
                 <a:spcPts val="0"/>
               </a:spcBef>
@@ -423,7 +444,7 @@
               <a:buChar char="■"/>
               <a:defRPr sz="1100"/>
             </a:lvl6pPr>
-            <a:lvl7pPr indent="-298450" lvl="6" marL="3200400">
+            <a:lvl7pPr marL="3200400" lvl="6" indent="-298450">
               <a:spcBef>
                 <a:spcPts val="0"/>
               </a:spcBef>
@@ -434,7 +455,7 @@
               <a:buChar char="●"/>
               <a:defRPr sz="1100"/>
             </a:lvl7pPr>
-            <a:lvl8pPr indent="-298450" lvl="7" marL="3657600">
+            <a:lvl8pPr marL="3657600" lvl="7" indent="-298450">
               <a:spcBef>
                 <a:spcPts val="0"/>
               </a:spcBef>
@@ -445,7 +466,7 @@
               <a:buChar char="○"/>
               <a:defRPr sz="1100"/>
             </a:lvl8pPr>
-            <a:lvl9pPr indent="-298450" lvl="8" marL="4114800">
+            <a:lvl9pPr marL="4114800" lvl="8" indent="-298450">
               <a:spcBef>
                 <a:spcPts val="0"/>
               </a:spcBef>
@@ -457,14 +478,16 @@
               <a:defRPr sz="1100"/>
             </a:lvl9pPr>
           </a:lstStyle>
-          <a:p/>
+          <a:p>
+            <a:endParaRPr/>
+          </a:p>
         </p:txBody>
       </p:sp>
     </p:spTree>
   </p:cSld>
-  <p:clrMap accent1="accent1" accent2="accent2" accent3="accent3" accent4="accent4" accent5="accent5" accent6="accent6" bg1="lt1" bg2="dk2" tx1="dk1" tx2="lt2" folHlink="folHlink" hlink="hlink"/>
+  <p:clrMap bg1="lt1" tx1="dk1" bg2="dk2" tx2="lt2" accent1="accent1" accent2="accent2" accent3="accent3" accent4="accent4" accent5="accent5" accent6="accent6" hlink="hlink" folHlink="folHlink"/>
   <p:notesStyle>
-    <a:defPPr lvl="0" marR="0" rtl="0" algn="l">
+    <a:defPPr marR="0" lvl="0" algn="l" rtl="0">
       <a:lnSpc>
         <a:spcPct val="100000"/>
       </a:lnSpc>
@@ -475,7 +498,7 @@
         <a:spcPts val="0"/>
       </a:spcAft>
     </a:defPPr>
-    <a:lvl1pPr lvl="0" marR="0" rtl="0" algn="l">
+    <a:lvl1pPr marR="0" lvl="0" algn="l" rtl="0">
       <a:lnSpc>
         <a:spcPct val="100000"/>
       </a:lnSpc>
@@ -489,7 +512,7 @@
         <a:srgbClr val="000000"/>
       </a:buClr>
       <a:buFont typeface="Arial"/>
-      <a:defRPr b="0" i="0" sz="1400" u="none" cap="none" strike="noStrike">
+      <a:defRPr sz="1400" b="0" i="0" u="none" strike="noStrike" cap="none">
         <a:solidFill>
           <a:srgbClr val="000000"/>
         </a:solidFill>
@@ -499,7 +522,7 @@
         <a:sym typeface="Arial"/>
       </a:defRPr>
     </a:lvl1pPr>
-    <a:lvl2pPr lvl="1" marR="0" rtl="0" algn="l">
+    <a:lvl2pPr marR="0" lvl="1" algn="l" rtl="0">
       <a:lnSpc>
         <a:spcPct val="100000"/>
       </a:lnSpc>
@@ -513,7 +536,7 @@
         <a:srgbClr val="000000"/>
       </a:buClr>
       <a:buFont typeface="Arial"/>
-      <a:defRPr b="0" i="0" sz="1400" u="none" cap="none" strike="noStrike">
+      <a:defRPr sz="1400" b="0" i="0" u="none" strike="noStrike" cap="none">
         <a:solidFill>
           <a:srgbClr val="000000"/>
         </a:solidFill>
@@ -523,7 +546,7 @@
         <a:sym typeface="Arial"/>
       </a:defRPr>
     </a:lvl2pPr>
-    <a:lvl3pPr lvl="2" marR="0" rtl="0" algn="l">
+    <a:lvl3pPr marR="0" lvl="2" algn="l" rtl="0">
       <a:lnSpc>
         <a:spcPct val="100000"/>
       </a:lnSpc>
@@ -537,7 +560,7 @@
         <a:srgbClr val="000000"/>
       </a:buClr>
       <a:buFont typeface="Arial"/>
-      <a:defRPr b="0" i="0" sz="1400" u="none" cap="none" strike="noStrike">
+      <a:defRPr sz="1400" b="0" i="0" u="none" strike="noStrike" cap="none">
         <a:solidFill>
           <a:srgbClr val="000000"/>
         </a:solidFill>
@@ -547,7 +570,7 @@
         <a:sym typeface="Arial"/>
       </a:defRPr>
     </a:lvl3pPr>
-    <a:lvl4pPr lvl="3" marR="0" rtl="0" algn="l">
+    <a:lvl4pPr marR="0" lvl="3" algn="l" rtl="0">
       <a:lnSpc>
         <a:spcPct val="100000"/>
       </a:lnSpc>
@@ -561,7 +584,7 @@
         <a:srgbClr val="000000"/>
       </a:buClr>
       <a:buFont typeface="Arial"/>
-      <a:defRPr b="0" i="0" sz="1400" u="none" cap="none" strike="noStrike">
+      <a:defRPr sz="1400" b="0" i="0" u="none" strike="noStrike" cap="none">
         <a:solidFill>
           <a:srgbClr val="000000"/>
         </a:solidFill>
@@ -571,7 +594,7 @@
         <a:sym typeface="Arial"/>
       </a:defRPr>
     </a:lvl4pPr>
-    <a:lvl5pPr lvl="4" marR="0" rtl="0" algn="l">
+    <a:lvl5pPr marR="0" lvl="4" algn="l" rtl="0">
       <a:lnSpc>
         <a:spcPct val="100000"/>
       </a:lnSpc>
@@ -585,7 +608,7 @@
         <a:srgbClr val="000000"/>
       </a:buClr>
       <a:buFont typeface="Arial"/>
-      <a:defRPr b="0" i="0" sz="1400" u="none" cap="none" strike="noStrike">
+      <a:defRPr sz="1400" b="0" i="0" u="none" strike="noStrike" cap="none">
         <a:solidFill>
           <a:srgbClr val="000000"/>
         </a:solidFill>
@@ -595,7 +618,7 @@
         <a:sym typeface="Arial"/>
       </a:defRPr>
     </a:lvl5pPr>
-    <a:lvl6pPr lvl="5" marR="0" rtl="0" algn="l">
+    <a:lvl6pPr marR="0" lvl="5" algn="l" rtl="0">
       <a:lnSpc>
         <a:spcPct val="100000"/>
       </a:lnSpc>
@@ -609,7 +632,7 @@
         <a:srgbClr val="000000"/>
       </a:buClr>
       <a:buFont typeface="Arial"/>
-      <a:defRPr b="0" i="0" sz="1400" u="none" cap="none" strike="noStrike">
+      <a:defRPr sz="1400" b="0" i="0" u="none" strike="noStrike" cap="none">
         <a:solidFill>
           <a:srgbClr val="000000"/>
         </a:solidFill>
@@ -619,7 +642,7 @@
         <a:sym typeface="Arial"/>
       </a:defRPr>
     </a:lvl6pPr>
-    <a:lvl7pPr lvl="6" marR="0" rtl="0" algn="l">
+    <a:lvl7pPr marR="0" lvl="6" algn="l" rtl="0">
       <a:lnSpc>
         <a:spcPct val="100000"/>
       </a:lnSpc>
@@ -633,7 +656,7 @@
         <a:srgbClr val="000000"/>
       </a:buClr>
       <a:buFont typeface="Arial"/>
-      <a:defRPr b="0" i="0" sz="1400" u="none" cap="none" strike="noStrike">
+      <a:defRPr sz="1400" b="0" i="0" u="none" strike="noStrike" cap="none">
         <a:solidFill>
           <a:srgbClr val="000000"/>
         </a:solidFill>
@@ -643,7 +666,7 @@
         <a:sym typeface="Arial"/>
       </a:defRPr>
     </a:lvl7pPr>
-    <a:lvl8pPr lvl="7" marR="0" rtl="0" algn="l">
+    <a:lvl8pPr marR="0" lvl="7" algn="l" rtl="0">
       <a:lnSpc>
         <a:spcPct val="100000"/>
       </a:lnSpc>
@@ -657,7 +680,7 @@
         <a:srgbClr val="000000"/>
       </a:buClr>
       <a:buFont typeface="Arial"/>
-      <a:defRPr b="0" i="0" sz="1400" u="none" cap="none" strike="noStrike">
+      <a:defRPr sz="1400" b="0" i="0" u="none" strike="noStrike" cap="none">
         <a:solidFill>
           <a:srgbClr val="000000"/>
         </a:solidFill>
@@ -667,7 +690,7 @@
         <a:sym typeface="Arial"/>
       </a:defRPr>
     </a:lvl8pPr>
-    <a:lvl9pPr lvl="8" marR="0" rtl="0" algn="l">
+    <a:lvl9pPr marR="0" lvl="8" algn="l" rtl="0">
       <a:lnSpc>
         <a:spcPct val="100000"/>
       </a:lnSpc>
@@ -681,7 +704,7 @@
         <a:srgbClr val="000000"/>
       </a:buClr>
       <a:buFont typeface="Arial"/>
-      <a:defRPr b="0" i="0" sz="1400" u="none" cap="none" strike="noStrike">
+      <a:defRPr sz="1400" b="0" i="0" u="none" strike="noStrike" cap="none">
         <a:solidFill>
           <a:srgbClr val="000000"/>
         </a:solidFill>
@@ -696,11 +719,115 @@
 </file>
 
 <file path=ppt/notesSlides/notesSlide1.xml><?xml version="1.0" encoding="utf-8"?>
-<p:notes xmlns:a="http://schemas.openxmlformats.org/drawingml/2006/main" xmlns:r="http://schemas.openxmlformats.org/officeDocument/2006/relationships" xmlns:mc="http://schemas.openxmlformats.org/markup-compatibility/2006" xmlns:mv="urn:schemas-microsoft-com:mac:vml" xmlns:p="http://schemas.openxmlformats.org/presentationml/2006/main" xmlns:c="http://schemas.openxmlformats.org/drawingml/2006/chart" xmlns:dgm="http://schemas.openxmlformats.org/drawingml/2006/diagram" xmlns:o="urn:schemas-microsoft-com:office:office" xmlns:v="urn:schemas-microsoft-com:vml" xmlns:pvml="urn:schemas-microsoft-com:office:powerpoint" xmlns:com="http://schemas.openxmlformats.org/drawingml/2006/compatibility" xmlns:p14="http://schemas.microsoft.com/office/powerpoint/2010/main" xmlns:p15="http://schemas.microsoft.com/office/powerpoint/2012/main" xmlns:ahyp="http://schemas.microsoft.com/office/drawing/2018/hyperlinkcolor" showMasterPhAnim="0" showMasterSp="0">
+<p:notes xmlns:a="http://schemas.openxmlformats.org/drawingml/2006/main" xmlns:r="http://schemas.openxmlformats.org/officeDocument/2006/relationships" xmlns:p="http://schemas.openxmlformats.org/presentationml/2006/main" showMasterSp="0" showMasterPhAnim="0">
   <p:cSld>
     <p:spTree>
       <p:nvGrpSpPr>
-        <p:cNvPr id="50" name="Shape 50"/>
+        <p:cNvPr id="1" name="Shape 95"/>
+        <p:cNvGrpSpPr/>
+        <p:nvPr/>
+      </p:nvGrpSpPr>
+      <p:grpSpPr>
+        <a:xfrm>
+          <a:off x="0" y="0"/>
+          <a:ext cx="0" cy="0"/>
+          <a:chOff x="0" y="0"/>
+          <a:chExt cx="0" cy="0"/>
+        </a:xfrm>
+      </p:grpSpPr>
+      <p:sp>
+        <p:nvSpPr>
+          <p:cNvPr id="96" name="Google Shape;96;gf84eb88aa7_0_0:notes"/>
+          <p:cNvSpPr>
+            <a:spLocks noGrp="1" noRot="1" noChangeAspect="1"/>
+          </p:cNvSpPr>
+          <p:nvPr>
+            <p:ph type="sldImg" idx="2"/>
+          </p:nvPr>
+        </p:nvSpPr>
+        <p:spPr>
+          <a:xfrm>
+            <a:off x="381000" y="685800"/>
+            <a:ext cx="6096000" cy="3429000"/>
+          </a:xfrm>
+          <a:custGeom>
+            <a:avLst/>
+            <a:gdLst/>
+            <a:ahLst/>
+            <a:cxnLst/>
+            <a:rect l="l" t="t" r="r" b="b"/>
+            <a:pathLst>
+              <a:path w="120000" h="120000" extrusionOk="0">
+                <a:moveTo>
+                  <a:pt x="0" y="0"/>
+                </a:moveTo>
+                <a:lnTo>
+                  <a:pt x="120000" y="0"/>
+                </a:lnTo>
+                <a:lnTo>
+                  <a:pt x="120000" y="120000"/>
+                </a:lnTo>
+                <a:lnTo>
+                  <a:pt x="0" y="120000"/>
+                </a:lnTo>
+                <a:close/>
+              </a:path>
+            </a:pathLst>
+          </a:custGeom>
+        </p:spPr>
+      </p:sp>
+      <p:sp>
+        <p:nvSpPr>
+          <p:cNvPr id="97" name="Google Shape;97;gf84eb88aa7_0_0:notes"/>
+          <p:cNvSpPr txBox="1">
+            <a:spLocks noGrp="1"/>
+          </p:cNvSpPr>
+          <p:nvPr>
+            <p:ph type="body" idx="1"/>
+          </p:nvPr>
+        </p:nvSpPr>
+        <p:spPr>
+          <a:xfrm>
+            <a:off x="685800" y="4343400"/>
+            <a:ext cx="5486400" cy="4114800"/>
+          </a:xfrm>
+          <a:prstGeom prst="rect">
+            <a:avLst/>
+          </a:prstGeom>
+        </p:spPr>
+        <p:txBody>
+          <a:bodyPr spcFirstLastPara="1" wrap="square" lIns="91425" tIns="91425" rIns="91425" bIns="91425" anchor="t" anchorCtr="0">
+            <a:noAutofit/>
+          </a:bodyPr>
+          <a:lstStyle/>
+          <a:p>
+            <a:pPr marL="0" lvl="0" indent="0" algn="l" rtl="0">
+              <a:spcBef>
+                <a:spcPts val="0"/>
+              </a:spcBef>
+              <a:spcAft>
+                <a:spcPts val="0"/>
+              </a:spcAft>
+              <a:buNone/>
+            </a:pPr>
+            <a:endParaRPr/>
+          </a:p>
+        </p:txBody>
+      </p:sp>
+    </p:spTree>
+  </p:cSld>
+  <p:clrMapOvr>
+    <a:masterClrMapping/>
+  </p:clrMapOvr>
+</p:notes>
+</file>
+
+<file path=ppt/notesSlides/notesSlide2.xml><?xml version="1.0" encoding="utf-8"?>
+<p:notes xmlns:a="http://schemas.openxmlformats.org/drawingml/2006/main" xmlns:r="http://schemas.openxmlformats.org/officeDocument/2006/relationships" xmlns:p="http://schemas.openxmlformats.org/presentationml/2006/main" showMasterSp="0" showMasterPhAnim="0">
+  <p:cSld>
+    <p:spTree>
+      <p:nvGrpSpPr>
+        <p:cNvPr id="1" name="Shape 50"/>
         <p:cNvGrpSpPr/>
         <p:nvPr/>
       </p:nvGrpSpPr>
@@ -715,20 +842,26 @@
       <p:sp>
         <p:nvSpPr>
           <p:cNvPr id="51" name="Google Shape;51;g109baabb656_0_0:notes"/>
-          <p:cNvSpPr/>
+          <p:cNvSpPr>
+            <a:spLocks noGrp="1" noRot="1" noChangeAspect="1"/>
+          </p:cNvSpPr>
           <p:nvPr>
-            <p:ph idx="2" type="sldImg"/>
+            <p:ph type="sldImg" idx="2"/>
           </p:nvPr>
         </p:nvSpPr>
         <p:spPr>
           <a:xfrm>
-            <a:off x="381300" y="685800"/>
+            <a:off x="381000" y="685800"/>
             <a:ext cx="6096000" cy="3429000"/>
           </a:xfrm>
           <a:custGeom>
-            <a:rect b="b" l="l" r="r" t="t"/>
+            <a:avLst/>
+            <a:gdLst/>
+            <a:ahLst/>
+            <a:cxnLst/>
+            <a:rect l="l" t="t" r="r" b="b"/>
             <a:pathLst>
-              <a:path extrusionOk="0" h="120000" w="120000">
+              <a:path w="120000" h="120000" extrusionOk="0">
                 <a:moveTo>
                   <a:pt x="0" y="0"/>
                 </a:moveTo>
@@ -750,9 +883,11 @@
       <p:sp>
         <p:nvSpPr>
           <p:cNvPr id="52" name="Google Shape;52;g109baabb656_0_0:notes"/>
-          <p:cNvSpPr txBox="1"/>
+          <p:cNvSpPr txBox="1">
+            <a:spLocks noGrp="1"/>
+          </p:cNvSpPr>
           <p:nvPr>
-            <p:ph idx="1" type="body"/>
+            <p:ph type="body" idx="1"/>
           </p:nvPr>
         </p:nvSpPr>
         <p:spPr>
@@ -765,12 +900,12 @@
           </a:prstGeom>
         </p:spPr>
         <p:txBody>
-          <a:bodyPr anchorCtr="0" anchor="t" bIns="91425" lIns="91425" spcFirstLastPara="1" rIns="91425" wrap="square" tIns="91425">
+          <a:bodyPr spcFirstLastPara="1" wrap="square" lIns="91425" tIns="91425" rIns="91425" bIns="91425" anchor="t" anchorCtr="0">
             <a:noAutofit/>
           </a:bodyPr>
           <a:lstStyle/>
           <a:p>
-            <a:pPr indent="0" lvl="0" marL="0" rtl="0" algn="l">
+            <a:pPr marL="0" lvl="0" indent="0" algn="l" rtl="0">
               <a:spcBef>
                 <a:spcPts val="0"/>
               </a:spcBef>
@@ -779,14 +914,234 @@
               </a:spcAft>
               <a:buNone/>
             </a:pPr>
-            <a:r>
-              <a:t/>
-            </a:r>
             <a:endParaRPr/>
           </a:p>
         </p:txBody>
       </p:sp>
     </p:spTree>
+    <p:extLst>
+      <p:ext uri="{BB962C8B-B14F-4D97-AF65-F5344CB8AC3E}">
+        <p14:creationId xmlns:p14="http://schemas.microsoft.com/office/powerpoint/2010/main" val="2773306585"/>
+      </p:ext>
+    </p:extLst>
+  </p:cSld>
+  <p:clrMapOvr>
+    <a:masterClrMapping/>
+  </p:clrMapOvr>
+</p:notes>
+</file>
+
+<file path=ppt/notesSlides/notesSlide3.xml><?xml version="1.0" encoding="utf-8"?>
+<p:notes xmlns:a="http://schemas.openxmlformats.org/drawingml/2006/main" xmlns:r="http://schemas.openxmlformats.org/officeDocument/2006/relationships" xmlns:p="http://schemas.openxmlformats.org/presentationml/2006/main" showMasterSp="0" showMasterPhAnim="0">
+  <p:cSld>
+    <p:spTree>
+      <p:nvGrpSpPr>
+        <p:cNvPr id="1" name="Shape 50"/>
+        <p:cNvGrpSpPr/>
+        <p:nvPr/>
+      </p:nvGrpSpPr>
+      <p:grpSpPr>
+        <a:xfrm>
+          <a:off x="0" y="0"/>
+          <a:ext cx="0" cy="0"/>
+          <a:chOff x="0" y="0"/>
+          <a:chExt cx="0" cy="0"/>
+        </a:xfrm>
+      </p:grpSpPr>
+      <p:sp>
+        <p:nvSpPr>
+          <p:cNvPr id="51" name="Google Shape;51;g109baabb656_0_0:notes"/>
+          <p:cNvSpPr>
+            <a:spLocks noGrp="1" noRot="1" noChangeAspect="1"/>
+          </p:cNvSpPr>
+          <p:nvPr>
+            <p:ph type="sldImg" idx="2"/>
+          </p:nvPr>
+        </p:nvSpPr>
+        <p:spPr>
+          <a:xfrm>
+            <a:off x="381000" y="685800"/>
+            <a:ext cx="6096000" cy="3429000"/>
+          </a:xfrm>
+          <a:custGeom>
+            <a:avLst/>
+            <a:gdLst/>
+            <a:ahLst/>
+            <a:cxnLst/>
+            <a:rect l="l" t="t" r="r" b="b"/>
+            <a:pathLst>
+              <a:path w="120000" h="120000" extrusionOk="0">
+                <a:moveTo>
+                  <a:pt x="0" y="0"/>
+                </a:moveTo>
+                <a:lnTo>
+                  <a:pt x="120000" y="0"/>
+                </a:lnTo>
+                <a:lnTo>
+                  <a:pt x="120000" y="120000"/>
+                </a:lnTo>
+                <a:lnTo>
+                  <a:pt x="0" y="120000"/>
+                </a:lnTo>
+                <a:close/>
+              </a:path>
+            </a:pathLst>
+          </a:custGeom>
+        </p:spPr>
+      </p:sp>
+      <p:sp>
+        <p:nvSpPr>
+          <p:cNvPr id="52" name="Google Shape;52;g109baabb656_0_0:notes"/>
+          <p:cNvSpPr txBox="1">
+            <a:spLocks noGrp="1"/>
+          </p:cNvSpPr>
+          <p:nvPr>
+            <p:ph type="body" idx="1"/>
+          </p:nvPr>
+        </p:nvSpPr>
+        <p:spPr>
+          <a:xfrm>
+            <a:off x="685800" y="4343400"/>
+            <a:ext cx="5486400" cy="4114800"/>
+          </a:xfrm>
+          <a:prstGeom prst="rect">
+            <a:avLst/>
+          </a:prstGeom>
+        </p:spPr>
+        <p:txBody>
+          <a:bodyPr spcFirstLastPara="1" wrap="square" lIns="91425" tIns="91425" rIns="91425" bIns="91425" anchor="t" anchorCtr="0">
+            <a:noAutofit/>
+          </a:bodyPr>
+          <a:lstStyle/>
+          <a:p>
+            <a:pPr marL="0" lvl="0" indent="0" algn="l" rtl="0">
+              <a:spcBef>
+                <a:spcPts val="0"/>
+              </a:spcBef>
+              <a:spcAft>
+                <a:spcPts val="0"/>
+              </a:spcAft>
+              <a:buNone/>
+            </a:pPr>
+            <a:endParaRPr/>
+          </a:p>
+        </p:txBody>
+      </p:sp>
+    </p:spTree>
+    <p:extLst>
+      <p:ext uri="{BB962C8B-B14F-4D97-AF65-F5344CB8AC3E}">
+        <p14:creationId xmlns:p14="http://schemas.microsoft.com/office/powerpoint/2010/main" val="805339065"/>
+      </p:ext>
+    </p:extLst>
+  </p:cSld>
+  <p:clrMapOvr>
+    <a:masterClrMapping/>
+  </p:clrMapOvr>
+</p:notes>
+</file>
+
+<file path=ppt/notesSlides/notesSlide4.xml><?xml version="1.0" encoding="utf-8"?>
+<p:notes xmlns:a="http://schemas.openxmlformats.org/drawingml/2006/main" xmlns:r="http://schemas.openxmlformats.org/officeDocument/2006/relationships" xmlns:p="http://schemas.openxmlformats.org/presentationml/2006/main" showMasterSp="0" showMasterPhAnim="0">
+  <p:cSld>
+    <p:spTree>
+      <p:nvGrpSpPr>
+        <p:cNvPr id="1" name="Shape 50"/>
+        <p:cNvGrpSpPr/>
+        <p:nvPr/>
+      </p:nvGrpSpPr>
+      <p:grpSpPr>
+        <a:xfrm>
+          <a:off x="0" y="0"/>
+          <a:ext cx="0" cy="0"/>
+          <a:chOff x="0" y="0"/>
+          <a:chExt cx="0" cy="0"/>
+        </a:xfrm>
+      </p:grpSpPr>
+      <p:sp>
+        <p:nvSpPr>
+          <p:cNvPr id="51" name="Google Shape;51;g109baabb656_0_0:notes"/>
+          <p:cNvSpPr>
+            <a:spLocks noGrp="1" noRot="1" noChangeAspect="1"/>
+          </p:cNvSpPr>
+          <p:nvPr>
+            <p:ph type="sldImg" idx="2"/>
+          </p:nvPr>
+        </p:nvSpPr>
+        <p:spPr>
+          <a:xfrm>
+            <a:off x="381000" y="685800"/>
+            <a:ext cx="6096000" cy="3429000"/>
+          </a:xfrm>
+          <a:custGeom>
+            <a:avLst/>
+            <a:gdLst/>
+            <a:ahLst/>
+            <a:cxnLst/>
+            <a:rect l="l" t="t" r="r" b="b"/>
+            <a:pathLst>
+              <a:path w="120000" h="120000" extrusionOk="0">
+                <a:moveTo>
+                  <a:pt x="0" y="0"/>
+                </a:moveTo>
+                <a:lnTo>
+                  <a:pt x="120000" y="0"/>
+                </a:lnTo>
+                <a:lnTo>
+                  <a:pt x="120000" y="120000"/>
+                </a:lnTo>
+                <a:lnTo>
+                  <a:pt x="0" y="120000"/>
+                </a:lnTo>
+                <a:close/>
+              </a:path>
+            </a:pathLst>
+          </a:custGeom>
+        </p:spPr>
+      </p:sp>
+      <p:sp>
+        <p:nvSpPr>
+          <p:cNvPr id="52" name="Google Shape;52;g109baabb656_0_0:notes"/>
+          <p:cNvSpPr txBox="1">
+            <a:spLocks noGrp="1"/>
+          </p:cNvSpPr>
+          <p:nvPr>
+            <p:ph type="body" idx="1"/>
+          </p:nvPr>
+        </p:nvSpPr>
+        <p:spPr>
+          <a:xfrm>
+            <a:off x="685800" y="4343400"/>
+            <a:ext cx="5486400" cy="4114800"/>
+          </a:xfrm>
+          <a:prstGeom prst="rect">
+            <a:avLst/>
+          </a:prstGeom>
+        </p:spPr>
+        <p:txBody>
+          <a:bodyPr spcFirstLastPara="1" wrap="square" lIns="91425" tIns="91425" rIns="91425" bIns="91425" anchor="t" anchorCtr="0">
+            <a:noAutofit/>
+          </a:bodyPr>
+          <a:lstStyle/>
+          <a:p>
+            <a:pPr marL="0" lvl="0" indent="0" algn="l" rtl="0">
+              <a:spcBef>
+                <a:spcPts val="0"/>
+              </a:spcBef>
+              <a:spcAft>
+                <a:spcPts val="0"/>
+              </a:spcAft>
+              <a:buNone/>
+            </a:pPr>
+            <a:endParaRPr/>
+          </a:p>
+        </p:txBody>
+      </p:sp>
+    </p:spTree>
+    <p:extLst>
+      <p:ext uri="{BB962C8B-B14F-4D97-AF65-F5344CB8AC3E}">
+        <p14:creationId xmlns:p14="http://schemas.microsoft.com/office/powerpoint/2010/main" val="404449270"/>
+      </p:ext>
+    </p:extLst>
   </p:cSld>
   <p:clrMapOvr>
     <a:masterClrMapping/>
@@ -795,7 +1150,7 @@
 </file>
 
 <file path=ppt/slideLayouts/slideLayout1.xml><?xml version="1.0" encoding="utf-8"?>
-<p:sldLayout xmlns:a="http://schemas.openxmlformats.org/drawingml/2006/main" xmlns:r="http://schemas.openxmlformats.org/officeDocument/2006/relationships" xmlns:mc="http://schemas.openxmlformats.org/markup-compatibility/2006" xmlns:mv="urn:schemas-microsoft-com:mac:vml" xmlns:p="http://schemas.openxmlformats.org/presentationml/2006/main" xmlns:c="http://schemas.openxmlformats.org/drawingml/2006/chart" xmlns:dgm="http://schemas.openxmlformats.org/drawingml/2006/diagram" xmlns:o="urn:schemas-microsoft-com:office:office" xmlns:v="urn:schemas-microsoft-com:vml" xmlns:pvml="urn:schemas-microsoft-com:office:powerpoint" xmlns:com="http://schemas.openxmlformats.org/drawingml/2006/compatibility" xmlns:p14="http://schemas.microsoft.com/office/powerpoint/2010/main" xmlns:p15="http://schemas.microsoft.com/office/powerpoint/2012/main" xmlns:ahyp="http://schemas.microsoft.com/office/drawing/2018/hyperlinkcolor" matchingName="Title slide" type="title">
+<p:sldLayout xmlns:a="http://schemas.openxmlformats.org/drawingml/2006/main" xmlns:r="http://schemas.openxmlformats.org/officeDocument/2006/relationships" xmlns:p="http://schemas.openxmlformats.org/presentationml/2006/main" matchingName="Title slide" type="title">
   <p:cSld name="TITLE">
     <p:bg>
       <p:bgPr>
@@ -807,11 +1162,12 @@
             <a:fillRect/>
           </a:stretch>
         </a:blipFill>
+        <a:effectLst/>
       </p:bgPr>
     </p:bg>
     <p:spTree>
       <p:nvGrpSpPr>
-        <p:cNvPr id="9" name="Shape 9"/>
+        <p:cNvPr id="1" name="Shape 9"/>
         <p:cNvGrpSpPr/>
         <p:nvPr/>
       </p:nvGrpSpPr>
@@ -826,7 +1182,9 @@
       <p:sp>
         <p:nvSpPr>
           <p:cNvPr id="10" name="Google Shape;10;p2"/>
-          <p:cNvSpPr txBox="1"/>
+          <p:cNvSpPr txBox="1">
+            <a:spLocks noGrp="1"/>
+          </p:cNvSpPr>
           <p:nvPr>
             <p:ph type="ctrTitle"/>
           </p:nvPr>
@@ -841,7 +1199,7 @@
           </a:prstGeom>
         </p:spPr>
         <p:txBody>
-          <a:bodyPr anchorCtr="0" anchor="b" bIns="91425" lIns="91425" spcFirstLastPara="1" rIns="91425" wrap="square" tIns="91425">
+          <a:bodyPr spcFirstLastPara="1" wrap="square" lIns="91425" tIns="91425" rIns="91425" bIns="91425" anchor="b" anchorCtr="0">
             <a:normAutofit/>
           </a:bodyPr>
           <a:lstStyle>
@@ -857,7 +1215,7 @@
               </a:buClr>
               <a:buSzPts val="3300"/>
               <a:buNone/>
-              <a:defRPr b="1" sz="3300">
+              <a:defRPr sz="3300" b="1">
                 <a:solidFill>
                   <a:schemeClr val="lt1"/>
                 </a:solidFill>
@@ -875,7 +1233,7 @@
               </a:buClr>
               <a:buSzPts val="3300"/>
               <a:buNone/>
-              <a:defRPr b="1" sz="3300">
+              <a:defRPr sz="3300" b="1">
                 <a:solidFill>
                   <a:schemeClr val="lt1"/>
                 </a:solidFill>
@@ -893,7 +1251,7 @@
               </a:buClr>
               <a:buSzPts val="3300"/>
               <a:buNone/>
-              <a:defRPr b="1" sz="3300">
+              <a:defRPr sz="3300" b="1">
                 <a:solidFill>
                   <a:schemeClr val="lt1"/>
                 </a:solidFill>
@@ -911,7 +1269,7 @@
               </a:buClr>
               <a:buSzPts val="3300"/>
               <a:buNone/>
-              <a:defRPr b="1" sz="3300">
+              <a:defRPr sz="3300" b="1">
                 <a:solidFill>
                   <a:schemeClr val="lt1"/>
                 </a:solidFill>
@@ -929,7 +1287,7 @@
               </a:buClr>
               <a:buSzPts val="3300"/>
               <a:buNone/>
-              <a:defRPr b="1" sz="3300">
+              <a:defRPr sz="3300" b="1">
                 <a:solidFill>
                   <a:schemeClr val="lt1"/>
                 </a:solidFill>
@@ -947,7 +1305,7 @@
               </a:buClr>
               <a:buSzPts val="3300"/>
               <a:buNone/>
-              <a:defRPr b="1" sz="3300">
+              <a:defRPr sz="3300" b="1">
                 <a:solidFill>
                   <a:schemeClr val="lt1"/>
                 </a:solidFill>
@@ -965,7 +1323,7 @@
               </a:buClr>
               <a:buSzPts val="3300"/>
               <a:buNone/>
-              <a:defRPr b="1" sz="3300">
+              <a:defRPr sz="3300" b="1">
                 <a:solidFill>
                   <a:schemeClr val="lt1"/>
                 </a:solidFill>
@@ -983,7 +1341,7 @@
               </a:buClr>
               <a:buSzPts val="3300"/>
               <a:buNone/>
-              <a:defRPr b="1" sz="3300">
+              <a:defRPr sz="3300" b="1">
                 <a:solidFill>
                   <a:schemeClr val="lt1"/>
                 </a:solidFill>
@@ -1001,22 +1359,26 @@
               </a:buClr>
               <a:buSzPts val="3300"/>
               <a:buNone/>
-              <a:defRPr b="1" sz="3300">
+              <a:defRPr sz="3300" b="1">
                 <a:solidFill>
                   <a:schemeClr val="lt1"/>
                 </a:solidFill>
               </a:defRPr>
             </a:lvl9pPr>
           </a:lstStyle>
-          <a:p/>
+          <a:p>
+            <a:endParaRPr/>
+          </a:p>
         </p:txBody>
       </p:sp>
       <p:sp>
         <p:nvSpPr>
           <p:cNvPr id="11" name="Google Shape;11;p2"/>
-          <p:cNvSpPr txBox="1"/>
+          <p:cNvSpPr txBox="1">
+            <a:spLocks noGrp="1"/>
+          </p:cNvSpPr>
           <p:nvPr>
-            <p:ph idx="1" type="subTitle"/>
+            <p:ph type="subTitle" idx="1"/>
           </p:nvPr>
         </p:nvSpPr>
         <p:spPr>
@@ -1029,7 +1391,7 @@
           </a:prstGeom>
         </p:spPr>
         <p:txBody>
-          <a:bodyPr anchorCtr="0" anchor="t" bIns="91425" lIns="91425" spcFirstLastPara="1" rIns="91425" wrap="square" tIns="91425">
+          <a:bodyPr spcFirstLastPara="1" wrap="square" lIns="91425" tIns="91425" rIns="91425" bIns="91425" anchor="t" anchorCtr="0">
             <a:normAutofit/>
           </a:bodyPr>
           <a:lstStyle>
@@ -1223,15 +1585,19 @@
               </a:defRPr>
             </a:lvl9pPr>
           </a:lstStyle>
-          <a:p/>
+          <a:p>
+            <a:endParaRPr/>
+          </a:p>
         </p:txBody>
       </p:sp>
       <p:sp>
         <p:nvSpPr>
           <p:cNvPr id="12" name="Google Shape;12;p2"/>
-          <p:cNvSpPr txBox="1"/>
+          <p:cNvSpPr txBox="1">
+            <a:spLocks noGrp="1"/>
+          </p:cNvSpPr>
           <p:nvPr>
-            <p:ph idx="12" type="sldNum"/>
+            <p:ph type="sldNum" idx="12"/>
           </p:nvPr>
         </p:nvSpPr>
         <p:spPr>
@@ -1244,7 +1610,7 @@
           </a:prstGeom>
         </p:spPr>
         <p:txBody>
-          <a:bodyPr anchorCtr="0" anchor="ctr" bIns="91425" lIns="91425" spcFirstLastPara="1" rIns="91425" wrap="square" tIns="91425">
+          <a:bodyPr spcFirstLastPara="1" wrap="square" lIns="91425" tIns="91425" rIns="91425" bIns="91425" anchor="ctr" anchorCtr="0">
             <a:normAutofit/>
           </a:bodyPr>
           <a:lstStyle>
@@ -1286,7 +1652,7 @@
             </a:lvl9pPr>
           </a:lstStyle>
           <a:p>
-            <a:pPr indent="0" lvl="0" marL="0" rtl="0" algn="r">
+            <a:pPr marL="0" lvl="0" indent="0" algn="r" rtl="0">
               <a:spcBef>
                 <a:spcPts val="0"/>
               </a:spcBef>
@@ -1312,11 +1678,11 @@
 </file>
 
 <file path=ppt/slideLayouts/slideLayout10.xml><?xml version="1.0" encoding="utf-8"?>
-<p:sldLayout xmlns:a="http://schemas.openxmlformats.org/drawingml/2006/main" xmlns:r="http://schemas.openxmlformats.org/officeDocument/2006/relationships" xmlns:mc="http://schemas.openxmlformats.org/markup-compatibility/2006" xmlns:mv="urn:schemas-microsoft-com:mac:vml" xmlns:p="http://schemas.openxmlformats.org/presentationml/2006/main" xmlns:c="http://schemas.openxmlformats.org/drawingml/2006/chart" xmlns:dgm="http://schemas.openxmlformats.org/drawingml/2006/diagram" xmlns:o="urn:schemas-microsoft-com:office:office" xmlns:v="urn:schemas-microsoft-com:vml" xmlns:pvml="urn:schemas-microsoft-com:office:powerpoint" xmlns:com="http://schemas.openxmlformats.org/drawingml/2006/compatibility" xmlns:p14="http://schemas.microsoft.com/office/powerpoint/2010/main" xmlns:p15="http://schemas.microsoft.com/office/powerpoint/2012/main" xmlns:ahyp="http://schemas.microsoft.com/office/drawing/2018/hyperlinkcolor" matchingName="Big number">
+<p:sldLayout xmlns:a="http://schemas.openxmlformats.org/drawingml/2006/main" xmlns:r="http://schemas.openxmlformats.org/officeDocument/2006/relationships" xmlns:p="http://schemas.openxmlformats.org/presentationml/2006/main" matchingName="Big number">
   <p:cSld name="BIG_NUMBER">
     <p:spTree>
       <p:nvGrpSpPr>
-        <p:cNvPr id="44" name="Shape 44"/>
+        <p:cNvPr id="1" name="Shape 44"/>
         <p:cNvGrpSpPr/>
         <p:nvPr/>
       </p:nvGrpSpPr>
@@ -1331,9 +1697,11 @@
       <p:sp>
         <p:nvSpPr>
           <p:cNvPr id="45" name="Google Shape;45;p11"/>
-          <p:cNvSpPr txBox="1"/>
+          <p:cNvSpPr txBox="1">
+            <a:spLocks noGrp="1"/>
+          </p:cNvSpPr>
           <p:nvPr>
-            <p:ph hasCustomPrompt="1" type="title"/>
+            <p:ph type="title" hasCustomPrompt="1"/>
           </p:nvPr>
         </p:nvSpPr>
         <p:spPr>
@@ -1346,7 +1714,7 @@
           </a:prstGeom>
         </p:spPr>
         <p:txBody>
-          <a:bodyPr anchorCtr="0" anchor="b" bIns="91425" lIns="91425" spcFirstLastPara="1" rIns="91425" wrap="square" tIns="91425">
+          <a:bodyPr spcFirstLastPara="1" wrap="square" lIns="91425" tIns="91425" rIns="91425" bIns="91425" anchor="b" anchorCtr="0">
             <a:normAutofit/>
           </a:bodyPr>
           <a:lstStyle>
@@ -1460,9 +1828,11 @@
       <p:sp>
         <p:nvSpPr>
           <p:cNvPr id="46" name="Google Shape;46;p11"/>
-          <p:cNvSpPr txBox="1"/>
+          <p:cNvSpPr txBox="1">
+            <a:spLocks noGrp="1"/>
+          </p:cNvSpPr>
           <p:nvPr>
-            <p:ph idx="1" type="body"/>
+            <p:ph type="body" idx="1"/>
           </p:nvPr>
         </p:nvSpPr>
         <p:spPr>
@@ -1475,11 +1845,11 @@
           </a:prstGeom>
         </p:spPr>
         <p:txBody>
-          <a:bodyPr anchorCtr="0" anchor="t" bIns="91425" lIns="91425" spcFirstLastPara="1" rIns="91425" wrap="square" tIns="91425">
+          <a:bodyPr spcFirstLastPara="1" wrap="square" lIns="91425" tIns="91425" rIns="91425" bIns="91425" anchor="t" anchorCtr="0">
             <a:normAutofit/>
           </a:bodyPr>
           <a:lstStyle>
-            <a:lvl1pPr indent="-342900" lvl="0" marL="457200" algn="ctr">
+            <a:lvl1pPr marL="457200" lvl="0" indent="-342900" algn="ctr">
               <a:spcBef>
                 <a:spcPts val="0"/>
               </a:spcBef>
@@ -1490,7 +1860,7 @@
               <a:buChar char="●"/>
               <a:defRPr/>
             </a:lvl1pPr>
-            <a:lvl2pPr indent="-317500" lvl="1" marL="914400" algn="ctr">
+            <a:lvl2pPr marL="914400" lvl="1" indent="-317500" algn="ctr">
               <a:spcBef>
                 <a:spcPts val="0"/>
               </a:spcBef>
@@ -1501,7 +1871,7 @@
               <a:buChar char="○"/>
               <a:defRPr/>
             </a:lvl2pPr>
-            <a:lvl3pPr indent="-317500" lvl="2" marL="1371600" algn="ctr">
+            <a:lvl3pPr marL="1371600" lvl="2" indent="-317500" algn="ctr">
               <a:spcBef>
                 <a:spcPts val="0"/>
               </a:spcBef>
@@ -1512,7 +1882,7 @@
               <a:buChar char="■"/>
               <a:defRPr/>
             </a:lvl3pPr>
-            <a:lvl4pPr indent="-317500" lvl="3" marL="1828800" algn="ctr">
+            <a:lvl4pPr marL="1828800" lvl="3" indent="-317500" algn="ctr">
               <a:spcBef>
                 <a:spcPts val="0"/>
               </a:spcBef>
@@ -1523,7 +1893,7 @@
               <a:buChar char="●"/>
               <a:defRPr/>
             </a:lvl4pPr>
-            <a:lvl5pPr indent="-317500" lvl="4" marL="2286000" algn="ctr">
+            <a:lvl5pPr marL="2286000" lvl="4" indent="-317500" algn="ctr">
               <a:spcBef>
                 <a:spcPts val="0"/>
               </a:spcBef>
@@ -1534,7 +1904,7 @@
               <a:buChar char="○"/>
               <a:defRPr/>
             </a:lvl5pPr>
-            <a:lvl6pPr indent="-317500" lvl="5" marL="2743200" algn="ctr">
+            <a:lvl6pPr marL="2743200" lvl="5" indent="-317500" algn="ctr">
               <a:spcBef>
                 <a:spcPts val="0"/>
               </a:spcBef>
@@ -1545,7 +1915,7 @@
               <a:buChar char="■"/>
               <a:defRPr/>
             </a:lvl6pPr>
-            <a:lvl7pPr indent="-317500" lvl="6" marL="3200400" algn="ctr">
+            <a:lvl7pPr marL="3200400" lvl="6" indent="-317500" algn="ctr">
               <a:spcBef>
                 <a:spcPts val="0"/>
               </a:spcBef>
@@ -1556,7 +1926,7 @@
               <a:buChar char="●"/>
               <a:defRPr/>
             </a:lvl7pPr>
-            <a:lvl8pPr indent="-317500" lvl="7" marL="3657600" algn="ctr">
+            <a:lvl8pPr marL="3657600" lvl="7" indent="-317500" algn="ctr">
               <a:spcBef>
                 <a:spcPts val="0"/>
               </a:spcBef>
@@ -1567,7 +1937,7 @@
               <a:buChar char="○"/>
               <a:defRPr/>
             </a:lvl8pPr>
-            <a:lvl9pPr indent="-317500" lvl="8" marL="4114800" algn="ctr">
+            <a:lvl9pPr marL="4114800" lvl="8" indent="-317500" algn="ctr">
               <a:spcBef>
                 <a:spcPts val="0"/>
               </a:spcBef>
@@ -1579,15 +1949,19 @@
               <a:defRPr/>
             </a:lvl9pPr>
           </a:lstStyle>
-          <a:p/>
+          <a:p>
+            <a:endParaRPr/>
+          </a:p>
         </p:txBody>
       </p:sp>
       <p:sp>
         <p:nvSpPr>
           <p:cNvPr id="47" name="Google Shape;47;p11"/>
-          <p:cNvSpPr txBox="1"/>
+          <p:cNvSpPr txBox="1">
+            <a:spLocks noGrp="1"/>
+          </p:cNvSpPr>
           <p:nvPr>
-            <p:ph idx="12" type="sldNum"/>
+            <p:ph type="sldNum" idx="12"/>
           </p:nvPr>
         </p:nvSpPr>
         <p:spPr>
@@ -1600,7 +1974,7 @@
           </a:prstGeom>
         </p:spPr>
         <p:txBody>
-          <a:bodyPr anchorCtr="0" anchor="ctr" bIns="91425" lIns="91425" spcFirstLastPara="1" rIns="91425" wrap="square" tIns="91425">
+          <a:bodyPr spcFirstLastPara="1" wrap="square" lIns="91425" tIns="91425" rIns="91425" bIns="91425" anchor="ctr" anchorCtr="0">
             <a:normAutofit/>
           </a:bodyPr>
           <a:lstStyle>
@@ -1642,7 +2016,7 @@
             </a:lvl9pPr>
           </a:lstStyle>
           <a:p>
-            <a:pPr indent="0" lvl="0" marL="0" rtl="0" algn="r">
+            <a:pPr marL="0" lvl="0" indent="0" algn="r" rtl="0">
               <a:spcBef>
                 <a:spcPts val="0"/>
               </a:spcBef>
@@ -1668,11 +2042,11 @@
 </file>
 
 <file path=ppt/slideLayouts/slideLayout11.xml><?xml version="1.0" encoding="utf-8"?>
-<p:sldLayout xmlns:a="http://schemas.openxmlformats.org/drawingml/2006/main" xmlns:r="http://schemas.openxmlformats.org/officeDocument/2006/relationships" xmlns:mc="http://schemas.openxmlformats.org/markup-compatibility/2006" xmlns:mv="urn:schemas-microsoft-com:mac:vml" xmlns:p="http://schemas.openxmlformats.org/presentationml/2006/main" xmlns:c="http://schemas.openxmlformats.org/drawingml/2006/chart" xmlns:dgm="http://schemas.openxmlformats.org/drawingml/2006/diagram" xmlns:o="urn:schemas-microsoft-com:office:office" xmlns:v="urn:schemas-microsoft-com:vml" xmlns:pvml="urn:schemas-microsoft-com:office:powerpoint" xmlns:com="http://schemas.openxmlformats.org/drawingml/2006/compatibility" xmlns:p14="http://schemas.microsoft.com/office/powerpoint/2010/main" xmlns:p15="http://schemas.microsoft.com/office/powerpoint/2012/main" xmlns:ahyp="http://schemas.microsoft.com/office/drawing/2018/hyperlinkcolor" matchingName="Blank" type="blank">
+<p:sldLayout xmlns:a="http://schemas.openxmlformats.org/drawingml/2006/main" xmlns:r="http://schemas.openxmlformats.org/officeDocument/2006/relationships" xmlns:p="http://schemas.openxmlformats.org/presentationml/2006/main" matchingName="Blank" type="blank">
   <p:cSld name="BLANK">
     <p:spTree>
       <p:nvGrpSpPr>
-        <p:cNvPr id="48" name="Shape 48"/>
+        <p:cNvPr id="1" name="Shape 48"/>
         <p:cNvGrpSpPr/>
         <p:nvPr/>
       </p:nvGrpSpPr>
@@ -1687,9 +2061,11 @@
       <p:sp>
         <p:nvSpPr>
           <p:cNvPr id="49" name="Google Shape;49;p12"/>
-          <p:cNvSpPr txBox="1"/>
+          <p:cNvSpPr txBox="1">
+            <a:spLocks noGrp="1"/>
+          </p:cNvSpPr>
           <p:nvPr>
-            <p:ph idx="12" type="sldNum"/>
+            <p:ph type="sldNum" idx="12"/>
           </p:nvPr>
         </p:nvSpPr>
         <p:spPr>
@@ -1702,7 +2078,7 @@
           </a:prstGeom>
         </p:spPr>
         <p:txBody>
-          <a:bodyPr anchorCtr="0" anchor="ctr" bIns="91425" lIns="91425" spcFirstLastPara="1" rIns="91425" wrap="square" tIns="91425">
+          <a:bodyPr spcFirstLastPara="1" wrap="square" lIns="91425" tIns="91425" rIns="91425" bIns="91425" anchor="ctr" anchorCtr="0">
             <a:normAutofit/>
           </a:bodyPr>
           <a:lstStyle>
@@ -1744,7 +2120,7 @@
             </a:lvl9pPr>
           </a:lstStyle>
           <a:p>
-            <a:pPr indent="0" lvl="0" marL="0" rtl="0" algn="r">
+            <a:pPr marL="0" lvl="0" indent="0" algn="r" rtl="0">
               <a:spcBef>
                 <a:spcPts val="0"/>
               </a:spcBef>
@@ -1770,11 +2146,11 @@
 </file>
 
 <file path=ppt/slideLayouts/slideLayout2.xml><?xml version="1.0" encoding="utf-8"?>
-<p:sldLayout xmlns:a="http://schemas.openxmlformats.org/drawingml/2006/main" xmlns:r="http://schemas.openxmlformats.org/officeDocument/2006/relationships" xmlns:mc="http://schemas.openxmlformats.org/markup-compatibility/2006" xmlns:mv="urn:schemas-microsoft-com:mac:vml" xmlns:p="http://schemas.openxmlformats.org/presentationml/2006/main" xmlns:c="http://schemas.openxmlformats.org/drawingml/2006/chart" xmlns:dgm="http://schemas.openxmlformats.org/drawingml/2006/diagram" xmlns:o="urn:schemas-microsoft-com:office:office" xmlns:v="urn:schemas-microsoft-com:vml" xmlns:pvml="urn:schemas-microsoft-com:office:powerpoint" xmlns:com="http://schemas.openxmlformats.org/drawingml/2006/compatibility" xmlns:p14="http://schemas.microsoft.com/office/powerpoint/2010/main" xmlns:p15="http://schemas.microsoft.com/office/powerpoint/2012/main" xmlns:ahyp="http://schemas.microsoft.com/office/drawing/2018/hyperlinkcolor" matchingName="Section header" type="secHead">
+<p:sldLayout xmlns:a="http://schemas.openxmlformats.org/drawingml/2006/main" xmlns:r="http://schemas.openxmlformats.org/officeDocument/2006/relationships" xmlns:p="http://schemas.openxmlformats.org/presentationml/2006/main" matchingName="Section header" type="secHead">
   <p:cSld name="SECTION_HEADER">
     <p:spTree>
       <p:nvGrpSpPr>
-        <p:cNvPr id="13" name="Shape 13"/>
+        <p:cNvPr id="1" name="Shape 13"/>
         <p:cNvGrpSpPr/>
         <p:nvPr/>
       </p:nvGrpSpPr>
@@ -1789,7 +2165,9 @@
       <p:sp>
         <p:nvSpPr>
           <p:cNvPr id="14" name="Google Shape;14;p3"/>
-          <p:cNvSpPr txBox="1"/>
+          <p:cNvSpPr txBox="1">
+            <a:spLocks noGrp="1"/>
+          </p:cNvSpPr>
           <p:nvPr>
             <p:ph type="title"/>
           </p:nvPr>
@@ -1804,7 +2182,7 @@
           </a:prstGeom>
         </p:spPr>
         <p:txBody>
-          <a:bodyPr anchorCtr="0" anchor="ctr" bIns="91425" lIns="91425" spcFirstLastPara="1" rIns="91425" wrap="square" tIns="91425">
+          <a:bodyPr spcFirstLastPara="1" wrap="square" lIns="91425" tIns="91425" rIns="91425" bIns="91425" anchor="ctr" anchorCtr="0">
             <a:normAutofit/>
           </a:bodyPr>
           <a:lstStyle>
@@ -1908,15 +2286,19 @@
               <a:defRPr sz="3600"/>
             </a:lvl9pPr>
           </a:lstStyle>
-          <a:p/>
+          <a:p>
+            <a:endParaRPr/>
+          </a:p>
         </p:txBody>
       </p:sp>
       <p:sp>
         <p:nvSpPr>
           <p:cNvPr id="15" name="Google Shape;15;p3"/>
-          <p:cNvSpPr txBox="1"/>
+          <p:cNvSpPr txBox="1">
+            <a:spLocks noGrp="1"/>
+          </p:cNvSpPr>
           <p:nvPr>
-            <p:ph idx="12" type="sldNum"/>
+            <p:ph type="sldNum" idx="12"/>
           </p:nvPr>
         </p:nvSpPr>
         <p:spPr>
@@ -1929,7 +2311,7 @@
           </a:prstGeom>
         </p:spPr>
         <p:txBody>
-          <a:bodyPr anchorCtr="0" anchor="ctr" bIns="91425" lIns="91425" spcFirstLastPara="1" rIns="91425" wrap="square" tIns="91425">
+          <a:bodyPr spcFirstLastPara="1" wrap="square" lIns="91425" tIns="91425" rIns="91425" bIns="91425" anchor="ctr" anchorCtr="0">
             <a:normAutofit/>
           </a:bodyPr>
           <a:lstStyle>
@@ -1971,7 +2353,7 @@
             </a:lvl9pPr>
           </a:lstStyle>
           <a:p>
-            <a:pPr indent="0" lvl="0" marL="0" rtl="0" algn="r">
+            <a:pPr marL="0" lvl="0" indent="0" algn="r" rtl="0">
               <a:spcBef>
                 <a:spcPts val="0"/>
               </a:spcBef>
@@ -1997,7 +2379,7 @@
 </file>
 
 <file path=ppt/slideLayouts/slideLayout3.xml><?xml version="1.0" encoding="utf-8"?>
-<p:sldLayout xmlns:a="http://schemas.openxmlformats.org/drawingml/2006/main" xmlns:r="http://schemas.openxmlformats.org/officeDocument/2006/relationships" xmlns:mc="http://schemas.openxmlformats.org/markup-compatibility/2006" xmlns:mv="urn:schemas-microsoft-com:mac:vml" xmlns:p="http://schemas.openxmlformats.org/presentationml/2006/main" xmlns:c="http://schemas.openxmlformats.org/drawingml/2006/chart" xmlns:dgm="http://schemas.openxmlformats.org/drawingml/2006/diagram" xmlns:o="urn:schemas-microsoft-com:office:office" xmlns:v="urn:schemas-microsoft-com:vml" xmlns:pvml="urn:schemas-microsoft-com:office:powerpoint" xmlns:com="http://schemas.openxmlformats.org/drawingml/2006/compatibility" xmlns:p14="http://schemas.microsoft.com/office/powerpoint/2010/main" xmlns:p15="http://schemas.microsoft.com/office/powerpoint/2012/main" xmlns:ahyp="http://schemas.microsoft.com/office/drawing/2018/hyperlinkcolor" matchingName="Title and body" type="tx">
+<p:sldLayout xmlns:a="http://schemas.openxmlformats.org/drawingml/2006/main" xmlns:r="http://schemas.openxmlformats.org/officeDocument/2006/relationships" xmlns:p="http://schemas.openxmlformats.org/presentationml/2006/main" matchingName="Title and body" type="tx">
   <p:cSld name="TITLE_AND_BODY">
     <p:bg>
       <p:bgPr>
@@ -2009,11 +2391,12 @@
             <a:fillRect/>
           </a:stretch>
         </a:blipFill>
+        <a:effectLst/>
       </p:bgPr>
     </p:bg>
     <p:spTree>
       <p:nvGrpSpPr>
-        <p:cNvPr id="16" name="Shape 16"/>
+        <p:cNvPr id="1" name="Shape 16"/>
         <p:cNvGrpSpPr/>
         <p:nvPr/>
       </p:nvGrpSpPr>
@@ -2028,7 +2411,9 @@
       <p:sp>
         <p:nvSpPr>
           <p:cNvPr id="17" name="Google Shape;17;p4"/>
-          <p:cNvSpPr txBox="1"/>
+          <p:cNvSpPr txBox="1">
+            <a:spLocks noGrp="1"/>
+          </p:cNvSpPr>
           <p:nvPr>
             <p:ph type="title"/>
           </p:nvPr>
@@ -2043,7 +2428,7 @@
           </a:prstGeom>
         </p:spPr>
         <p:txBody>
-          <a:bodyPr anchorCtr="0" anchor="t" bIns="91425" lIns="91425" spcFirstLastPara="1" rIns="91425" wrap="square" tIns="91425">
+          <a:bodyPr spcFirstLastPara="1" wrap="square" lIns="91425" tIns="91425" rIns="91425" bIns="91425" anchor="t" anchorCtr="0">
             <a:normAutofit/>
           </a:bodyPr>
           <a:lstStyle>
@@ -2210,15 +2595,19 @@
               </a:defRPr>
             </a:lvl9pPr>
           </a:lstStyle>
-          <a:p/>
+          <a:p>
+            <a:endParaRPr/>
+          </a:p>
         </p:txBody>
       </p:sp>
       <p:sp>
         <p:nvSpPr>
           <p:cNvPr id="18" name="Google Shape;18;p4"/>
-          <p:cNvSpPr txBox="1"/>
+          <p:cNvSpPr txBox="1">
+            <a:spLocks noGrp="1"/>
+          </p:cNvSpPr>
           <p:nvPr>
-            <p:ph idx="1" type="body"/>
+            <p:ph type="body" idx="1"/>
           </p:nvPr>
         </p:nvSpPr>
         <p:spPr>
@@ -2231,11 +2620,11 @@
           </a:prstGeom>
         </p:spPr>
         <p:txBody>
-          <a:bodyPr anchorCtr="0" anchor="t" bIns="91425" lIns="91425" spcFirstLastPara="1" rIns="91425" wrap="square" tIns="91425">
+          <a:bodyPr spcFirstLastPara="1" wrap="square" lIns="91425" tIns="91425" rIns="91425" bIns="91425" anchor="t" anchorCtr="0">
             <a:normAutofit/>
           </a:bodyPr>
           <a:lstStyle>
-            <a:lvl1pPr indent="-342900" lvl="0" marL="457200">
+            <a:lvl1pPr marL="457200" lvl="0" indent="-342900">
               <a:spcBef>
                 <a:spcPts val="0"/>
               </a:spcBef>
@@ -2246,7 +2635,7 @@
               <a:buChar char="●"/>
               <a:defRPr/>
             </a:lvl1pPr>
-            <a:lvl2pPr indent="-317500" lvl="1" marL="914400">
+            <a:lvl2pPr marL="914400" lvl="1" indent="-317500">
               <a:spcBef>
                 <a:spcPts val="0"/>
               </a:spcBef>
@@ -2257,7 +2646,7 @@
               <a:buChar char="○"/>
               <a:defRPr/>
             </a:lvl2pPr>
-            <a:lvl3pPr indent="-317500" lvl="2" marL="1371600">
+            <a:lvl3pPr marL="1371600" lvl="2" indent="-317500">
               <a:spcBef>
                 <a:spcPts val="0"/>
               </a:spcBef>
@@ -2268,7 +2657,7 @@
               <a:buChar char="■"/>
               <a:defRPr/>
             </a:lvl3pPr>
-            <a:lvl4pPr indent="-317500" lvl="3" marL="1828800">
+            <a:lvl4pPr marL="1828800" lvl="3" indent="-317500">
               <a:spcBef>
                 <a:spcPts val="0"/>
               </a:spcBef>
@@ -2279,7 +2668,7 @@
               <a:buChar char="●"/>
               <a:defRPr/>
             </a:lvl4pPr>
-            <a:lvl5pPr indent="-317500" lvl="4" marL="2286000">
+            <a:lvl5pPr marL="2286000" lvl="4" indent="-317500">
               <a:spcBef>
                 <a:spcPts val="0"/>
               </a:spcBef>
@@ -2290,7 +2679,7 @@
               <a:buChar char="○"/>
               <a:defRPr/>
             </a:lvl5pPr>
-            <a:lvl6pPr indent="-317500" lvl="5" marL="2743200">
+            <a:lvl6pPr marL="2743200" lvl="5" indent="-317500">
               <a:spcBef>
                 <a:spcPts val="0"/>
               </a:spcBef>
@@ -2301,7 +2690,7 @@
               <a:buChar char="■"/>
               <a:defRPr/>
             </a:lvl6pPr>
-            <a:lvl7pPr indent="-317500" lvl="6" marL="3200400">
+            <a:lvl7pPr marL="3200400" lvl="6" indent="-317500">
               <a:spcBef>
                 <a:spcPts val="0"/>
               </a:spcBef>
@@ -2312,7 +2701,7 @@
               <a:buChar char="●"/>
               <a:defRPr/>
             </a:lvl7pPr>
-            <a:lvl8pPr indent="-317500" lvl="7" marL="3657600">
+            <a:lvl8pPr marL="3657600" lvl="7" indent="-317500">
               <a:spcBef>
                 <a:spcPts val="0"/>
               </a:spcBef>
@@ -2323,7 +2712,7 @@
               <a:buChar char="○"/>
               <a:defRPr/>
             </a:lvl8pPr>
-            <a:lvl9pPr indent="-317500" lvl="8" marL="4114800">
+            <a:lvl9pPr marL="4114800" lvl="8" indent="-317500">
               <a:spcBef>
                 <a:spcPts val="0"/>
               </a:spcBef>
@@ -2335,15 +2724,19 @@
               <a:defRPr/>
             </a:lvl9pPr>
           </a:lstStyle>
-          <a:p/>
+          <a:p>
+            <a:endParaRPr/>
+          </a:p>
         </p:txBody>
       </p:sp>
       <p:sp>
         <p:nvSpPr>
           <p:cNvPr id="19" name="Google Shape;19;p4"/>
-          <p:cNvSpPr txBox="1"/>
+          <p:cNvSpPr txBox="1">
+            <a:spLocks noGrp="1"/>
+          </p:cNvSpPr>
           <p:nvPr>
-            <p:ph idx="12" type="sldNum"/>
+            <p:ph type="sldNum" idx="12"/>
           </p:nvPr>
         </p:nvSpPr>
         <p:spPr>
@@ -2356,7 +2749,7 @@
           </a:prstGeom>
         </p:spPr>
         <p:txBody>
-          <a:bodyPr anchorCtr="0" anchor="ctr" bIns="91425" lIns="91425" spcFirstLastPara="1" rIns="91425" wrap="square" tIns="91425">
+          <a:bodyPr spcFirstLastPara="1" wrap="square" lIns="91425" tIns="91425" rIns="91425" bIns="91425" anchor="ctr" anchorCtr="0">
             <a:normAutofit/>
           </a:bodyPr>
           <a:lstStyle>
@@ -2398,7 +2791,7 @@
             </a:lvl9pPr>
           </a:lstStyle>
           <a:p>
-            <a:pPr indent="0" lvl="0" marL="0" rtl="0" algn="r">
+            <a:pPr marL="0" lvl="0" indent="0" algn="r" rtl="0">
               <a:spcBef>
                 <a:spcPts val="0"/>
               </a:spcBef>
@@ -2424,11 +2817,11 @@
 </file>
 
 <file path=ppt/slideLayouts/slideLayout4.xml><?xml version="1.0" encoding="utf-8"?>
-<p:sldLayout xmlns:a="http://schemas.openxmlformats.org/drawingml/2006/main" xmlns:r="http://schemas.openxmlformats.org/officeDocument/2006/relationships" xmlns:mc="http://schemas.openxmlformats.org/markup-compatibility/2006" xmlns:mv="urn:schemas-microsoft-com:mac:vml" xmlns:p="http://schemas.openxmlformats.org/presentationml/2006/main" xmlns:c="http://schemas.openxmlformats.org/drawingml/2006/chart" xmlns:dgm="http://schemas.openxmlformats.org/drawingml/2006/diagram" xmlns:o="urn:schemas-microsoft-com:office:office" xmlns:v="urn:schemas-microsoft-com:vml" xmlns:pvml="urn:schemas-microsoft-com:office:powerpoint" xmlns:com="http://schemas.openxmlformats.org/drawingml/2006/compatibility" xmlns:p14="http://schemas.microsoft.com/office/powerpoint/2010/main" xmlns:p15="http://schemas.microsoft.com/office/powerpoint/2012/main" xmlns:ahyp="http://schemas.microsoft.com/office/drawing/2018/hyperlinkcolor" matchingName="Title and two columns" type="twoColTx">
+<p:sldLayout xmlns:a="http://schemas.openxmlformats.org/drawingml/2006/main" xmlns:r="http://schemas.openxmlformats.org/officeDocument/2006/relationships" xmlns:p="http://schemas.openxmlformats.org/presentationml/2006/main" matchingName="Title and two columns" type="twoColTx">
   <p:cSld name="TITLE_AND_TWO_COLUMNS">
     <p:spTree>
       <p:nvGrpSpPr>
-        <p:cNvPr id="20" name="Shape 20"/>
+        <p:cNvPr id="1" name="Shape 20"/>
         <p:cNvGrpSpPr/>
         <p:nvPr/>
       </p:nvGrpSpPr>
@@ -2443,7 +2836,9 @@
       <p:sp>
         <p:nvSpPr>
           <p:cNvPr id="21" name="Google Shape;21;p5"/>
-          <p:cNvSpPr txBox="1"/>
+          <p:cNvSpPr txBox="1">
+            <a:spLocks noGrp="1"/>
+          </p:cNvSpPr>
           <p:nvPr>
             <p:ph type="title"/>
           </p:nvPr>
@@ -2458,7 +2853,7 @@
           </a:prstGeom>
         </p:spPr>
         <p:txBody>
-          <a:bodyPr anchorCtr="0" anchor="t" bIns="91425" lIns="91425" spcFirstLastPara="1" rIns="91425" wrap="square" tIns="91425">
+          <a:bodyPr spcFirstLastPara="1" wrap="square" lIns="91425" tIns="91425" rIns="91425" bIns="91425" anchor="t" anchorCtr="0">
             <a:normAutofit/>
           </a:bodyPr>
           <a:lstStyle>
@@ -2562,15 +2957,19 @@
               <a:defRPr/>
             </a:lvl9pPr>
           </a:lstStyle>
-          <a:p/>
+          <a:p>
+            <a:endParaRPr/>
+          </a:p>
         </p:txBody>
       </p:sp>
       <p:sp>
         <p:nvSpPr>
           <p:cNvPr id="22" name="Google Shape;22;p5"/>
-          <p:cNvSpPr txBox="1"/>
+          <p:cNvSpPr txBox="1">
+            <a:spLocks noGrp="1"/>
+          </p:cNvSpPr>
           <p:nvPr>
-            <p:ph idx="1" type="body"/>
+            <p:ph type="body" idx="1"/>
           </p:nvPr>
         </p:nvSpPr>
         <p:spPr>
@@ -2583,11 +2982,11 @@
           </a:prstGeom>
         </p:spPr>
         <p:txBody>
-          <a:bodyPr anchorCtr="0" anchor="t" bIns="91425" lIns="91425" spcFirstLastPara="1" rIns="91425" wrap="square" tIns="91425">
+          <a:bodyPr spcFirstLastPara="1" wrap="square" lIns="91425" tIns="91425" rIns="91425" bIns="91425" anchor="t" anchorCtr="0">
             <a:normAutofit/>
           </a:bodyPr>
           <a:lstStyle>
-            <a:lvl1pPr indent="-317500" lvl="0" marL="457200">
+            <a:lvl1pPr marL="457200" lvl="0" indent="-317500">
               <a:spcBef>
                 <a:spcPts val="0"/>
               </a:spcBef>
@@ -2598,7 +2997,7 @@
               <a:buChar char="●"/>
               <a:defRPr sz="1400"/>
             </a:lvl1pPr>
-            <a:lvl2pPr indent="-304800" lvl="1" marL="914400">
+            <a:lvl2pPr marL="914400" lvl="1" indent="-304800">
               <a:spcBef>
                 <a:spcPts val="0"/>
               </a:spcBef>
@@ -2609,7 +3008,7 @@
               <a:buChar char="○"/>
               <a:defRPr sz="1200"/>
             </a:lvl2pPr>
-            <a:lvl3pPr indent="-304800" lvl="2" marL="1371600">
+            <a:lvl3pPr marL="1371600" lvl="2" indent="-304800">
               <a:spcBef>
                 <a:spcPts val="0"/>
               </a:spcBef>
@@ -2620,7 +3019,7 @@
               <a:buChar char="■"/>
               <a:defRPr sz="1200"/>
             </a:lvl3pPr>
-            <a:lvl4pPr indent="-304800" lvl="3" marL="1828800">
+            <a:lvl4pPr marL="1828800" lvl="3" indent="-304800">
               <a:spcBef>
                 <a:spcPts val="0"/>
               </a:spcBef>
@@ -2631,7 +3030,7 @@
               <a:buChar char="●"/>
               <a:defRPr sz="1200"/>
             </a:lvl4pPr>
-            <a:lvl5pPr indent="-304800" lvl="4" marL="2286000">
+            <a:lvl5pPr marL="2286000" lvl="4" indent="-304800">
               <a:spcBef>
                 <a:spcPts val="0"/>
               </a:spcBef>
@@ -2642,7 +3041,7 @@
               <a:buChar char="○"/>
               <a:defRPr sz="1200"/>
             </a:lvl5pPr>
-            <a:lvl6pPr indent="-304800" lvl="5" marL="2743200">
+            <a:lvl6pPr marL="2743200" lvl="5" indent="-304800">
               <a:spcBef>
                 <a:spcPts val="0"/>
               </a:spcBef>
@@ -2653,7 +3052,7 @@
               <a:buChar char="■"/>
               <a:defRPr sz="1200"/>
             </a:lvl6pPr>
-            <a:lvl7pPr indent="-304800" lvl="6" marL="3200400">
+            <a:lvl7pPr marL="3200400" lvl="6" indent="-304800">
               <a:spcBef>
                 <a:spcPts val="0"/>
               </a:spcBef>
@@ -2664,7 +3063,7 @@
               <a:buChar char="●"/>
               <a:defRPr sz="1200"/>
             </a:lvl7pPr>
-            <a:lvl8pPr indent="-304800" lvl="7" marL="3657600">
+            <a:lvl8pPr marL="3657600" lvl="7" indent="-304800">
               <a:spcBef>
                 <a:spcPts val="0"/>
               </a:spcBef>
@@ -2675,7 +3074,7 @@
               <a:buChar char="○"/>
               <a:defRPr sz="1200"/>
             </a:lvl8pPr>
-            <a:lvl9pPr indent="-304800" lvl="8" marL="4114800">
+            <a:lvl9pPr marL="4114800" lvl="8" indent="-304800">
               <a:spcBef>
                 <a:spcPts val="0"/>
               </a:spcBef>
@@ -2687,15 +3086,19 @@
               <a:defRPr sz="1200"/>
             </a:lvl9pPr>
           </a:lstStyle>
-          <a:p/>
+          <a:p>
+            <a:endParaRPr/>
+          </a:p>
         </p:txBody>
       </p:sp>
       <p:sp>
         <p:nvSpPr>
           <p:cNvPr id="23" name="Google Shape;23;p5"/>
-          <p:cNvSpPr txBox="1"/>
+          <p:cNvSpPr txBox="1">
+            <a:spLocks noGrp="1"/>
+          </p:cNvSpPr>
           <p:nvPr>
-            <p:ph idx="2" type="body"/>
+            <p:ph type="body" idx="2"/>
           </p:nvPr>
         </p:nvSpPr>
         <p:spPr>
@@ -2708,11 +3111,11 @@
           </a:prstGeom>
         </p:spPr>
         <p:txBody>
-          <a:bodyPr anchorCtr="0" anchor="t" bIns="91425" lIns="91425" spcFirstLastPara="1" rIns="91425" wrap="square" tIns="91425">
+          <a:bodyPr spcFirstLastPara="1" wrap="square" lIns="91425" tIns="91425" rIns="91425" bIns="91425" anchor="t" anchorCtr="0">
             <a:normAutofit/>
           </a:bodyPr>
           <a:lstStyle>
-            <a:lvl1pPr indent="-317500" lvl="0" marL="457200">
+            <a:lvl1pPr marL="457200" lvl="0" indent="-317500">
               <a:spcBef>
                 <a:spcPts val="0"/>
               </a:spcBef>
@@ -2723,7 +3126,7 @@
               <a:buChar char="●"/>
               <a:defRPr sz="1400"/>
             </a:lvl1pPr>
-            <a:lvl2pPr indent="-304800" lvl="1" marL="914400">
+            <a:lvl2pPr marL="914400" lvl="1" indent="-304800">
               <a:spcBef>
                 <a:spcPts val="0"/>
               </a:spcBef>
@@ -2734,7 +3137,7 @@
               <a:buChar char="○"/>
               <a:defRPr sz="1200"/>
             </a:lvl2pPr>
-            <a:lvl3pPr indent="-304800" lvl="2" marL="1371600">
+            <a:lvl3pPr marL="1371600" lvl="2" indent="-304800">
               <a:spcBef>
                 <a:spcPts val="0"/>
               </a:spcBef>
@@ -2745,7 +3148,7 @@
               <a:buChar char="■"/>
               <a:defRPr sz="1200"/>
             </a:lvl3pPr>
-            <a:lvl4pPr indent="-304800" lvl="3" marL="1828800">
+            <a:lvl4pPr marL="1828800" lvl="3" indent="-304800">
               <a:spcBef>
                 <a:spcPts val="0"/>
               </a:spcBef>
@@ -2756,7 +3159,7 @@
               <a:buChar char="●"/>
               <a:defRPr sz="1200"/>
             </a:lvl4pPr>
-            <a:lvl5pPr indent="-304800" lvl="4" marL="2286000">
+            <a:lvl5pPr marL="2286000" lvl="4" indent="-304800">
               <a:spcBef>
                 <a:spcPts val="0"/>
               </a:spcBef>
@@ -2767,7 +3170,7 @@
               <a:buChar char="○"/>
               <a:defRPr sz="1200"/>
             </a:lvl5pPr>
-            <a:lvl6pPr indent="-304800" lvl="5" marL="2743200">
+            <a:lvl6pPr marL="2743200" lvl="5" indent="-304800">
               <a:spcBef>
                 <a:spcPts val="0"/>
               </a:spcBef>
@@ -2778,7 +3181,7 @@
               <a:buChar char="■"/>
               <a:defRPr sz="1200"/>
             </a:lvl6pPr>
-            <a:lvl7pPr indent="-304800" lvl="6" marL="3200400">
+            <a:lvl7pPr marL="3200400" lvl="6" indent="-304800">
               <a:spcBef>
                 <a:spcPts val="0"/>
               </a:spcBef>
@@ -2789,7 +3192,7 @@
               <a:buChar char="●"/>
               <a:defRPr sz="1200"/>
             </a:lvl7pPr>
-            <a:lvl8pPr indent="-304800" lvl="7" marL="3657600">
+            <a:lvl8pPr marL="3657600" lvl="7" indent="-304800">
               <a:spcBef>
                 <a:spcPts val="0"/>
               </a:spcBef>
@@ -2800,7 +3203,7 @@
               <a:buChar char="○"/>
               <a:defRPr sz="1200"/>
             </a:lvl8pPr>
-            <a:lvl9pPr indent="-304800" lvl="8" marL="4114800">
+            <a:lvl9pPr marL="4114800" lvl="8" indent="-304800">
               <a:spcBef>
                 <a:spcPts val="0"/>
               </a:spcBef>
@@ -2812,15 +3215,19 @@
               <a:defRPr sz="1200"/>
             </a:lvl9pPr>
           </a:lstStyle>
-          <a:p/>
+          <a:p>
+            <a:endParaRPr/>
+          </a:p>
         </p:txBody>
       </p:sp>
       <p:sp>
         <p:nvSpPr>
           <p:cNvPr id="24" name="Google Shape;24;p5"/>
-          <p:cNvSpPr txBox="1"/>
+          <p:cNvSpPr txBox="1">
+            <a:spLocks noGrp="1"/>
+          </p:cNvSpPr>
           <p:nvPr>
-            <p:ph idx="12" type="sldNum"/>
+            <p:ph type="sldNum" idx="12"/>
           </p:nvPr>
         </p:nvSpPr>
         <p:spPr>
@@ -2833,7 +3240,7 @@
           </a:prstGeom>
         </p:spPr>
         <p:txBody>
-          <a:bodyPr anchorCtr="0" anchor="ctr" bIns="91425" lIns="91425" spcFirstLastPara="1" rIns="91425" wrap="square" tIns="91425">
+          <a:bodyPr spcFirstLastPara="1" wrap="square" lIns="91425" tIns="91425" rIns="91425" bIns="91425" anchor="ctr" anchorCtr="0">
             <a:normAutofit/>
           </a:bodyPr>
           <a:lstStyle>
@@ -2875,7 +3282,7 @@
             </a:lvl9pPr>
           </a:lstStyle>
           <a:p>
-            <a:pPr indent="0" lvl="0" marL="0" rtl="0" algn="r">
+            <a:pPr marL="0" lvl="0" indent="0" algn="r" rtl="0">
               <a:spcBef>
                 <a:spcPts val="0"/>
               </a:spcBef>
@@ -2901,11 +3308,11 @@
 </file>
 
 <file path=ppt/slideLayouts/slideLayout5.xml><?xml version="1.0" encoding="utf-8"?>
-<p:sldLayout xmlns:a="http://schemas.openxmlformats.org/drawingml/2006/main" xmlns:r="http://schemas.openxmlformats.org/officeDocument/2006/relationships" xmlns:mc="http://schemas.openxmlformats.org/markup-compatibility/2006" xmlns:mv="urn:schemas-microsoft-com:mac:vml" xmlns:p="http://schemas.openxmlformats.org/presentationml/2006/main" xmlns:c="http://schemas.openxmlformats.org/drawingml/2006/chart" xmlns:dgm="http://schemas.openxmlformats.org/drawingml/2006/diagram" xmlns:o="urn:schemas-microsoft-com:office:office" xmlns:v="urn:schemas-microsoft-com:vml" xmlns:pvml="urn:schemas-microsoft-com:office:powerpoint" xmlns:com="http://schemas.openxmlformats.org/drawingml/2006/compatibility" xmlns:p14="http://schemas.microsoft.com/office/powerpoint/2010/main" xmlns:p15="http://schemas.microsoft.com/office/powerpoint/2012/main" xmlns:ahyp="http://schemas.microsoft.com/office/drawing/2018/hyperlinkcolor" matchingName="Title only" type="titleOnly">
+<p:sldLayout xmlns:a="http://schemas.openxmlformats.org/drawingml/2006/main" xmlns:r="http://schemas.openxmlformats.org/officeDocument/2006/relationships" xmlns:p="http://schemas.openxmlformats.org/presentationml/2006/main" matchingName="Title only" type="titleOnly">
   <p:cSld name="TITLE_ONLY">
     <p:spTree>
       <p:nvGrpSpPr>
-        <p:cNvPr id="25" name="Shape 25"/>
+        <p:cNvPr id="1" name="Shape 25"/>
         <p:cNvGrpSpPr/>
         <p:nvPr/>
       </p:nvGrpSpPr>
@@ -2920,7 +3327,9 @@
       <p:sp>
         <p:nvSpPr>
           <p:cNvPr id="26" name="Google Shape;26;p6"/>
-          <p:cNvSpPr txBox="1"/>
+          <p:cNvSpPr txBox="1">
+            <a:spLocks noGrp="1"/>
+          </p:cNvSpPr>
           <p:nvPr>
             <p:ph type="title"/>
           </p:nvPr>
@@ -2935,7 +3344,7 @@
           </a:prstGeom>
         </p:spPr>
         <p:txBody>
-          <a:bodyPr anchorCtr="0" anchor="t" bIns="91425" lIns="91425" spcFirstLastPara="1" rIns="91425" wrap="square" tIns="91425">
+          <a:bodyPr spcFirstLastPara="1" wrap="square" lIns="91425" tIns="91425" rIns="91425" bIns="91425" anchor="t" anchorCtr="0">
             <a:normAutofit/>
           </a:bodyPr>
           <a:lstStyle>
@@ -3039,15 +3448,19 @@
               <a:defRPr/>
             </a:lvl9pPr>
           </a:lstStyle>
-          <a:p/>
+          <a:p>
+            <a:endParaRPr/>
+          </a:p>
         </p:txBody>
       </p:sp>
       <p:sp>
         <p:nvSpPr>
           <p:cNvPr id="27" name="Google Shape;27;p6"/>
-          <p:cNvSpPr txBox="1"/>
+          <p:cNvSpPr txBox="1">
+            <a:spLocks noGrp="1"/>
+          </p:cNvSpPr>
           <p:nvPr>
-            <p:ph idx="12" type="sldNum"/>
+            <p:ph type="sldNum" idx="12"/>
           </p:nvPr>
         </p:nvSpPr>
         <p:spPr>
@@ -3060,7 +3473,7 @@
           </a:prstGeom>
         </p:spPr>
         <p:txBody>
-          <a:bodyPr anchorCtr="0" anchor="ctr" bIns="91425" lIns="91425" spcFirstLastPara="1" rIns="91425" wrap="square" tIns="91425">
+          <a:bodyPr spcFirstLastPara="1" wrap="square" lIns="91425" tIns="91425" rIns="91425" bIns="91425" anchor="ctr" anchorCtr="0">
             <a:normAutofit/>
           </a:bodyPr>
           <a:lstStyle>
@@ -3102,7 +3515,7 @@
             </a:lvl9pPr>
           </a:lstStyle>
           <a:p>
-            <a:pPr indent="0" lvl="0" marL="0" rtl="0" algn="r">
+            <a:pPr marL="0" lvl="0" indent="0" algn="r" rtl="0">
               <a:spcBef>
                 <a:spcPts val="0"/>
               </a:spcBef>
@@ -3128,11 +3541,11 @@
 </file>
 
 <file path=ppt/slideLayouts/slideLayout6.xml><?xml version="1.0" encoding="utf-8"?>
-<p:sldLayout xmlns:a="http://schemas.openxmlformats.org/drawingml/2006/main" xmlns:r="http://schemas.openxmlformats.org/officeDocument/2006/relationships" xmlns:mc="http://schemas.openxmlformats.org/markup-compatibility/2006" xmlns:mv="urn:schemas-microsoft-com:mac:vml" xmlns:p="http://schemas.openxmlformats.org/presentationml/2006/main" xmlns:c="http://schemas.openxmlformats.org/drawingml/2006/chart" xmlns:dgm="http://schemas.openxmlformats.org/drawingml/2006/diagram" xmlns:o="urn:schemas-microsoft-com:office:office" xmlns:v="urn:schemas-microsoft-com:vml" xmlns:pvml="urn:schemas-microsoft-com:office:powerpoint" xmlns:com="http://schemas.openxmlformats.org/drawingml/2006/compatibility" xmlns:p14="http://schemas.microsoft.com/office/powerpoint/2010/main" xmlns:p15="http://schemas.microsoft.com/office/powerpoint/2012/main" xmlns:ahyp="http://schemas.microsoft.com/office/drawing/2018/hyperlinkcolor" matchingName="One column text">
+<p:sldLayout xmlns:a="http://schemas.openxmlformats.org/drawingml/2006/main" xmlns:r="http://schemas.openxmlformats.org/officeDocument/2006/relationships" xmlns:p="http://schemas.openxmlformats.org/presentationml/2006/main" matchingName="One column text">
   <p:cSld name="ONE_COLUMN_TEXT">
     <p:spTree>
       <p:nvGrpSpPr>
-        <p:cNvPr id="28" name="Shape 28"/>
+        <p:cNvPr id="1" name="Shape 28"/>
         <p:cNvGrpSpPr/>
         <p:nvPr/>
       </p:nvGrpSpPr>
@@ -3147,7 +3560,9 @@
       <p:sp>
         <p:nvSpPr>
           <p:cNvPr id="29" name="Google Shape;29;p7"/>
-          <p:cNvSpPr txBox="1"/>
+          <p:cNvSpPr txBox="1">
+            <a:spLocks noGrp="1"/>
+          </p:cNvSpPr>
           <p:nvPr>
             <p:ph type="title"/>
           </p:nvPr>
@@ -3162,7 +3577,7 @@
           </a:prstGeom>
         </p:spPr>
         <p:txBody>
-          <a:bodyPr anchorCtr="0" anchor="b" bIns="91425" lIns="91425" spcFirstLastPara="1" rIns="91425" wrap="square" tIns="91425">
+          <a:bodyPr spcFirstLastPara="1" wrap="square" lIns="91425" tIns="91425" rIns="91425" bIns="91425" anchor="b" anchorCtr="0">
             <a:normAutofit/>
           </a:bodyPr>
           <a:lstStyle>
@@ -3266,15 +3681,19 @@
               <a:defRPr sz="2400"/>
             </a:lvl9pPr>
           </a:lstStyle>
-          <a:p/>
+          <a:p>
+            <a:endParaRPr/>
+          </a:p>
         </p:txBody>
       </p:sp>
       <p:sp>
         <p:nvSpPr>
           <p:cNvPr id="30" name="Google Shape;30;p7"/>
-          <p:cNvSpPr txBox="1"/>
+          <p:cNvSpPr txBox="1">
+            <a:spLocks noGrp="1"/>
+          </p:cNvSpPr>
           <p:nvPr>
-            <p:ph idx="1" type="body"/>
+            <p:ph type="body" idx="1"/>
           </p:nvPr>
         </p:nvSpPr>
         <p:spPr>
@@ -3287,11 +3706,11 @@
           </a:prstGeom>
         </p:spPr>
         <p:txBody>
-          <a:bodyPr anchorCtr="0" anchor="t" bIns="91425" lIns="91425" spcFirstLastPara="1" rIns="91425" wrap="square" tIns="91425">
+          <a:bodyPr spcFirstLastPara="1" wrap="square" lIns="91425" tIns="91425" rIns="91425" bIns="91425" anchor="t" anchorCtr="0">
             <a:normAutofit/>
           </a:bodyPr>
           <a:lstStyle>
-            <a:lvl1pPr indent="-304800" lvl="0" marL="457200">
+            <a:lvl1pPr marL="457200" lvl="0" indent="-304800">
               <a:spcBef>
                 <a:spcPts val="0"/>
               </a:spcBef>
@@ -3302,7 +3721,7 @@
               <a:buChar char="●"/>
               <a:defRPr sz="1200"/>
             </a:lvl1pPr>
-            <a:lvl2pPr indent="-304800" lvl="1" marL="914400">
+            <a:lvl2pPr marL="914400" lvl="1" indent="-304800">
               <a:spcBef>
                 <a:spcPts val="0"/>
               </a:spcBef>
@@ -3313,7 +3732,7 @@
               <a:buChar char="○"/>
               <a:defRPr sz="1200"/>
             </a:lvl2pPr>
-            <a:lvl3pPr indent="-304800" lvl="2" marL="1371600">
+            <a:lvl3pPr marL="1371600" lvl="2" indent="-304800">
               <a:spcBef>
                 <a:spcPts val="0"/>
               </a:spcBef>
@@ -3324,7 +3743,7 @@
               <a:buChar char="■"/>
               <a:defRPr sz="1200"/>
             </a:lvl3pPr>
-            <a:lvl4pPr indent="-304800" lvl="3" marL="1828800">
+            <a:lvl4pPr marL="1828800" lvl="3" indent="-304800">
               <a:spcBef>
                 <a:spcPts val="0"/>
               </a:spcBef>
@@ -3335,7 +3754,7 @@
               <a:buChar char="●"/>
               <a:defRPr sz="1200"/>
             </a:lvl4pPr>
-            <a:lvl5pPr indent="-304800" lvl="4" marL="2286000">
+            <a:lvl5pPr marL="2286000" lvl="4" indent="-304800">
               <a:spcBef>
                 <a:spcPts val="0"/>
               </a:spcBef>
@@ -3346,7 +3765,7 @@
               <a:buChar char="○"/>
               <a:defRPr sz="1200"/>
             </a:lvl5pPr>
-            <a:lvl6pPr indent="-304800" lvl="5" marL="2743200">
+            <a:lvl6pPr marL="2743200" lvl="5" indent="-304800">
               <a:spcBef>
                 <a:spcPts val="0"/>
               </a:spcBef>
@@ -3357,7 +3776,7 @@
               <a:buChar char="■"/>
               <a:defRPr sz="1200"/>
             </a:lvl6pPr>
-            <a:lvl7pPr indent="-304800" lvl="6" marL="3200400">
+            <a:lvl7pPr marL="3200400" lvl="6" indent="-304800">
               <a:spcBef>
                 <a:spcPts val="0"/>
               </a:spcBef>
@@ -3368,7 +3787,7 @@
               <a:buChar char="●"/>
               <a:defRPr sz="1200"/>
             </a:lvl7pPr>
-            <a:lvl8pPr indent="-304800" lvl="7" marL="3657600">
+            <a:lvl8pPr marL="3657600" lvl="7" indent="-304800">
               <a:spcBef>
                 <a:spcPts val="0"/>
               </a:spcBef>
@@ -3379,7 +3798,7 @@
               <a:buChar char="○"/>
               <a:defRPr sz="1200"/>
             </a:lvl8pPr>
-            <a:lvl9pPr indent="-304800" lvl="8" marL="4114800">
+            <a:lvl9pPr marL="4114800" lvl="8" indent="-304800">
               <a:spcBef>
                 <a:spcPts val="0"/>
               </a:spcBef>
@@ -3391,15 +3810,19 @@
               <a:defRPr sz="1200"/>
             </a:lvl9pPr>
           </a:lstStyle>
-          <a:p/>
+          <a:p>
+            <a:endParaRPr/>
+          </a:p>
         </p:txBody>
       </p:sp>
       <p:sp>
         <p:nvSpPr>
           <p:cNvPr id="31" name="Google Shape;31;p7"/>
-          <p:cNvSpPr txBox="1"/>
+          <p:cNvSpPr txBox="1">
+            <a:spLocks noGrp="1"/>
+          </p:cNvSpPr>
           <p:nvPr>
-            <p:ph idx="12" type="sldNum"/>
+            <p:ph type="sldNum" idx="12"/>
           </p:nvPr>
         </p:nvSpPr>
         <p:spPr>
@@ -3412,7 +3835,7 @@
           </a:prstGeom>
         </p:spPr>
         <p:txBody>
-          <a:bodyPr anchorCtr="0" anchor="ctr" bIns="91425" lIns="91425" spcFirstLastPara="1" rIns="91425" wrap="square" tIns="91425">
+          <a:bodyPr spcFirstLastPara="1" wrap="square" lIns="91425" tIns="91425" rIns="91425" bIns="91425" anchor="ctr" anchorCtr="0">
             <a:normAutofit/>
           </a:bodyPr>
           <a:lstStyle>
@@ -3454,7 +3877,7 @@
             </a:lvl9pPr>
           </a:lstStyle>
           <a:p>
-            <a:pPr indent="0" lvl="0" marL="0" rtl="0" algn="r">
+            <a:pPr marL="0" lvl="0" indent="0" algn="r" rtl="0">
               <a:spcBef>
                 <a:spcPts val="0"/>
               </a:spcBef>
@@ -3480,11 +3903,11 @@
 </file>
 
 <file path=ppt/slideLayouts/slideLayout7.xml><?xml version="1.0" encoding="utf-8"?>
-<p:sldLayout xmlns:a="http://schemas.openxmlformats.org/drawingml/2006/main" xmlns:r="http://schemas.openxmlformats.org/officeDocument/2006/relationships" xmlns:mc="http://schemas.openxmlformats.org/markup-compatibility/2006" xmlns:mv="urn:schemas-microsoft-com:mac:vml" xmlns:p="http://schemas.openxmlformats.org/presentationml/2006/main" xmlns:c="http://schemas.openxmlformats.org/drawingml/2006/chart" xmlns:dgm="http://schemas.openxmlformats.org/drawingml/2006/diagram" xmlns:o="urn:schemas-microsoft-com:office:office" xmlns:v="urn:schemas-microsoft-com:vml" xmlns:pvml="urn:schemas-microsoft-com:office:powerpoint" xmlns:com="http://schemas.openxmlformats.org/drawingml/2006/compatibility" xmlns:p14="http://schemas.microsoft.com/office/powerpoint/2010/main" xmlns:p15="http://schemas.microsoft.com/office/powerpoint/2012/main" xmlns:ahyp="http://schemas.microsoft.com/office/drawing/2018/hyperlinkcolor" matchingName="Main point">
+<p:sldLayout xmlns:a="http://schemas.openxmlformats.org/drawingml/2006/main" xmlns:r="http://schemas.openxmlformats.org/officeDocument/2006/relationships" xmlns:p="http://schemas.openxmlformats.org/presentationml/2006/main" matchingName="Main point">
   <p:cSld name="MAIN_POINT">
     <p:spTree>
       <p:nvGrpSpPr>
-        <p:cNvPr id="32" name="Shape 32"/>
+        <p:cNvPr id="1" name="Shape 32"/>
         <p:cNvGrpSpPr/>
         <p:nvPr/>
       </p:nvGrpSpPr>
@@ -3499,7 +3922,9 @@
       <p:sp>
         <p:nvSpPr>
           <p:cNvPr id="33" name="Google Shape;33;p8"/>
-          <p:cNvSpPr txBox="1"/>
+          <p:cNvSpPr txBox="1">
+            <a:spLocks noGrp="1"/>
+          </p:cNvSpPr>
           <p:nvPr>
             <p:ph type="title"/>
           </p:nvPr>
@@ -3514,7 +3939,7 @@
           </a:prstGeom>
         </p:spPr>
         <p:txBody>
-          <a:bodyPr anchorCtr="0" anchor="ctr" bIns="91425" lIns="91425" spcFirstLastPara="1" rIns="91425" wrap="square" tIns="91425">
+          <a:bodyPr spcFirstLastPara="1" wrap="square" lIns="91425" tIns="91425" rIns="91425" bIns="91425" anchor="ctr" anchorCtr="0">
             <a:normAutofit/>
           </a:bodyPr>
           <a:lstStyle>
@@ -3618,15 +4043,19 @@
               <a:defRPr sz="4800"/>
             </a:lvl9pPr>
           </a:lstStyle>
-          <a:p/>
+          <a:p>
+            <a:endParaRPr/>
+          </a:p>
         </p:txBody>
       </p:sp>
       <p:sp>
         <p:nvSpPr>
           <p:cNvPr id="34" name="Google Shape;34;p8"/>
-          <p:cNvSpPr txBox="1"/>
+          <p:cNvSpPr txBox="1">
+            <a:spLocks noGrp="1"/>
+          </p:cNvSpPr>
           <p:nvPr>
-            <p:ph idx="12" type="sldNum"/>
+            <p:ph type="sldNum" idx="12"/>
           </p:nvPr>
         </p:nvSpPr>
         <p:spPr>
@@ -3639,7 +4068,7 @@
           </a:prstGeom>
         </p:spPr>
         <p:txBody>
-          <a:bodyPr anchorCtr="0" anchor="ctr" bIns="91425" lIns="91425" spcFirstLastPara="1" rIns="91425" wrap="square" tIns="91425">
+          <a:bodyPr spcFirstLastPara="1" wrap="square" lIns="91425" tIns="91425" rIns="91425" bIns="91425" anchor="ctr" anchorCtr="0">
             <a:normAutofit/>
           </a:bodyPr>
           <a:lstStyle>
@@ -3681,7 +4110,7 @@
             </a:lvl9pPr>
           </a:lstStyle>
           <a:p>
-            <a:pPr indent="0" lvl="0" marL="0" rtl="0" algn="r">
+            <a:pPr marL="0" lvl="0" indent="0" algn="r" rtl="0">
               <a:spcBef>
                 <a:spcPts val="0"/>
               </a:spcBef>
@@ -3707,11 +4136,11 @@
 </file>
 
 <file path=ppt/slideLayouts/slideLayout8.xml><?xml version="1.0" encoding="utf-8"?>
-<p:sldLayout xmlns:a="http://schemas.openxmlformats.org/drawingml/2006/main" xmlns:r="http://schemas.openxmlformats.org/officeDocument/2006/relationships" xmlns:mc="http://schemas.openxmlformats.org/markup-compatibility/2006" xmlns:mv="urn:schemas-microsoft-com:mac:vml" xmlns:p="http://schemas.openxmlformats.org/presentationml/2006/main" xmlns:c="http://schemas.openxmlformats.org/drawingml/2006/chart" xmlns:dgm="http://schemas.openxmlformats.org/drawingml/2006/diagram" xmlns:o="urn:schemas-microsoft-com:office:office" xmlns:v="urn:schemas-microsoft-com:vml" xmlns:pvml="urn:schemas-microsoft-com:office:powerpoint" xmlns:com="http://schemas.openxmlformats.org/drawingml/2006/compatibility" xmlns:p14="http://schemas.microsoft.com/office/powerpoint/2010/main" xmlns:p15="http://schemas.microsoft.com/office/powerpoint/2012/main" xmlns:ahyp="http://schemas.microsoft.com/office/drawing/2018/hyperlinkcolor" matchingName="Section title and description">
+<p:sldLayout xmlns:a="http://schemas.openxmlformats.org/drawingml/2006/main" xmlns:r="http://schemas.openxmlformats.org/officeDocument/2006/relationships" xmlns:p="http://schemas.openxmlformats.org/presentationml/2006/main" matchingName="Section title and description">
   <p:cSld name="SECTION_TITLE_AND_DESCRIPTION">
     <p:spTree>
       <p:nvGrpSpPr>
-        <p:cNvPr id="35" name="Shape 35"/>
+        <p:cNvPr id="1" name="Shape 35"/>
         <p:cNvGrpSpPr/>
         <p:nvPr/>
       </p:nvGrpSpPr>
@@ -3745,12 +4174,12 @@
           </a:ln>
         </p:spPr>
         <p:txBody>
-          <a:bodyPr anchorCtr="0" anchor="ctr" bIns="91425" lIns="91425" spcFirstLastPara="1" rIns="91425" wrap="square" tIns="91425">
+          <a:bodyPr spcFirstLastPara="1" wrap="square" lIns="91425" tIns="91425" rIns="91425" bIns="91425" anchor="ctr" anchorCtr="0">
             <a:noAutofit/>
           </a:bodyPr>
           <a:lstStyle/>
           <a:p>
-            <a:pPr indent="0" lvl="0" marL="0" rtl="0" algn="l">
+            <a:pPr marL="0" lvl="0" indent="0" algn="l" rtl="0">
               <a:spcBef>
                 <a:spcPts val="0"/>
               </a:spcBef>
@@ -3759,9 +4188,6 @@
               </a:spcAft>
               <a:buNone/>
             </a:pPr>
-            <a:r>
-              <a:t/>
-            </a:r>
             <a:endParaRPr/>
           </a:p>
         </p:txBody>
@@ -3769,7 +4195,9 @@
       <p:sp>
         <p:nvSpPr>
           <p:cNvPr id="37" name="Google Shape;37;p9"/>
-          <p:cNvSpPr txBox="1"/>
+          <p:cNvSpPr txBox="1">
+            <a:spLocks noGrp="1"/>
+          </p:cNvSpPr>
           <p:nvPr>
             <p:ph type="title"/>
           </p:nvPr>
@@ -3784,7 +4212,7 @@
           </a:prstGeom>
         </p:spPr>
         <p:txBody>
-          <a:bodyPr anchorCtr="0" anchor="b" bIns="91425" lIns="91425" spcFirstLastPara="1" rIns="91425" wrap="square" tIns="91425">
+          <a:bodyPr spcFirstLastPara="1" wrap="square" lIns="91425" tIns="91425" rIns="91425" bIns="91425" anchor="b" anchorCtr="0">
             <a:normAutofit/>
           </a:bodyPr>
           <a:lstStyle>
@@ -3888,15 +4316,19 @@
               <a:defRPr sz="4200"/>
             </a:lvl9pPr>
           </a:lstStyle>
-          <a:p/>
+          <a:p>
+            <a:endParaRPr/>
+          </a:p>
         </p:txBody>
       </p:sp>
       <p:sp>
         <p:nvSpPr>
           <p:cNvPr id="38" name="Google Shape;38;p9"/>
-          <p:cNvSpPr txBox="1"/>
+          <p:cNvSpPr txBox="1">
+            <a:spLocks noGrp="1"/>
+          </p:cNvSpPr>
           <p:nvPr>
-            <p:ph idx="1" type="subTitle"/>
+            <p:ph type="subTitle" idx="1"/>
           </p:nvPr>
         </p:nvSpPr>
         <p:spPr>
@@ -3909,7 +4341,7 @@
           </a:prstGeom>
         </p:spPr>
         <p:txBody>
-          <a:bodyPr anchorCtr="0" anchor="t" bIns="91425" lIns="91425" spcFirstLastPara="1" rIns="91425" wrap="square" tIns="91425">
+          <a:bodyPr spcFirstLastPara="1" wrap="square" lIns="91425" tIns="91425" rIns="91425" bIns="91425" anchor="t" anchorCtr="0">
             <a:normAutofit/>
           </a:bodyPr>
           <a:lstStyle>
@@ -4040,15 +4472,19 @@
               <a:defRPr sz="2100"/>
             </a:lvl9pPr>
           </a:lstStyle>
-          <a:p/>
+          <a:p>
+            <a:endParaRPr/>
+          </a:p>
         </p:txBody>
       </p:sp>
       <p:sp>
         <p:nvSpPr>
           <p:cNvPr id="39" name="Google Shape;39;p9"/>
-          <p:cNvSpPr txBox="1"/>
+          <p:cNvSpPr txBox="1">
+            <a:spLocks noGrp="1"/>
+          </p:cNvSpPr>
           <p:nvPr>
-            <p:ph idx="2" type="body"/>
+            <p:ph type="body" idx="2"/>
           </p:nvPr>
         </p:nvSpPr>
         <p:spPr>
@@ -4061,11 +4497,11 @@
           </a:prstGeom>
         </p:spPr>
         <p:txBody>
-          <a:bodyPr anchorCtr="0" anchor="ctr" bIns="91425" lIns="91425" spcFirstLastPara="1" rIns="91425" wrap="square" tIns="91425">
+          <a:bodyPr spcFirstLastPara="1" wrap="square" lIns="91425" tIns="91425" rIns="91425" bIns="91425" anchor="ctr" anchorCtr="0">
             <a:normAutofit/>
           </a:bodyPr>
           <a:lstStyle>
-            <a:lvl1pPr indent="-342900" lvl="0" marL="457200">
+            <a:lvl1pPr marL="457200" lvl="0" indent="-342900">
               <a:spcBef>
                 <a:spcPts val="0"/>
               </a:spcBef>
@@ -4076,7 +4512,7 @@
               <a:buChar char="●"/>
               <a:defRPr/>
             </a:lvl1pPr>
-            <a:lvl2pPr indent="-317500" lvl="1" marL="914400">
+            <a:lvl2pPr marL="914400" lvl="1" indent="-317500">
               <a:spcBef>
                 <a:spcPts val="0"/>
               </a:spcBef>
@@ -4087,7 +4523,7 @@
               <a:buChar char="○"/>
               <a:defRPr/>
             </a:lvl2pPr>
-            <a:lvl3pPr indent="-317500" lvl="2" marL="1371600">
+            <a:lvl3pPr marL="1371600" lvl="2" indent="-317500">
               <a:spcBef>
                 <a:spcPts val="0"/>
               </a:spcBef>
@@ -4098,7 +4534,7 @@
               <a:buChar char="■"/>
               <a:defRPr/>
             </a:lvl3pPr>
-            <a:lvl4pPr indent="-317500" lvl="3" marL="1828800">
+            <a:lvl4pPr marL="1828800" lvl="3" indent="-317500">
               <a:spcBef>
                 <a:spcPts val="0"/>
               </a:spcBef>
@@ -4109,7 +4545,7 @@
               <a:buChar char="●"/>
               <a:defRPr/>
             </a:lvl4pPr>
-            <a:lvl5pPr indent="-317500" lvl="4" marL="2286000">
+            <a:lvl5pPr marL="2286000" lvl="4" indent="-317500">
               <a:spcBef>
                 <a:spcPts val="0"/>
               </a:spcBef>
@@ -4120,7 +4556,7 @@
               <a:buChar char="○"/>
               <a:defRPr/>
             </a:lvl5pPr>
-            <a:lvl6pPr indent="-317500" lvl="5" marL="2743200">
+            <a:lvl6pPr marL="2743200" lvl="5" indent="-317500">
               <a:spcBef>
                 <a:spcPts val="0"/>
               </a:spcBef>
@@ -4131,7 +4567,7 @@
               <a:buChar char="■"/>
               <a:defRPr/>
             </a:lvl6pPr>
-            <a:lvl7pPr indent="-317500" lvl="6" marL="3200400">
+            <a:lvl7pPr marL="3200400" lvl="6" indent="-317500">
               <a:spcBef>
                 <a:spcPts val="0"/>
               </a:spcBef>
@@ -4142,7 +4578,7 @@
               <a:buChar char="●"/>
               <a:defRPr/>
             </a:lvl7pPr>
-            <a:lvl8pPr indent="-317500" lvl="7" marL="3657600">
+            <a:lvl8pPr marL="3657600" lvl="7" indent="-317500">
               <a:spcBef>
                 <a:spcPts val="0"/>
               </a:spcBef>
@@ -4153,7 +4589,7 @@
               <a:buChar char="○"/>
               <a:defRPr/>
             </a:lvl8pPr>
-            <a:lvl9pPr indent="-317500" lvl="8" marL="4114800">
+            <a:lvl9pPr marL="4114800" lvl="8" indent="-317500">
               <a:spcBef>
                 <a:spcPts val="0"/>
               </a:spcBef>
@@ -4165,15 +4601,19 @@
               <a:defRPr/>
             </a:lvl9pPr>
           </a:lstStyle>
-          <a:p/>
+          <a:p>
+            <a:endParaRPr/>
+          </a:p>
         </p:txBody>
       </p:sp>
       <p:sp>
         <p:nvSpPr>
           <p:cNvPr id="40" name="Google Shape;40;p9"/>
-          <p:cNvSpPr txBox="1"/>
+          <p:cNvSpPr txBox="1">
+            <a:spLocks noGrp="1"/>
+          </p:cNvSpPr>
           <p:nvPr>
-            <p:ph idx="12" type="sldNum"/>
+            <p:ph type="sldNum" idx="12"/>
           </p:nvPr>
         </p:nvSpPr>
         <p:spPr>
@@ -4186,7 +4626,7 @@
           </a:prstGeom>
         </p:spPr>
         <p:txBody>
-          <a:bodyPr anchorCtr="0" anchor="ctr" bIns="91425" lIns="91425" spcFirstLastPara="1" rIns="91425" wrap="square" tIns="91425">
+          <a:bodyPr spcFirstLastPara="1" wrap="square" lIns="91425" tIns="91425" rIns="91425" bIns="91425" anchor="ctr" anchorCtr="0">
             <a:normAutofit/>
           </a:bodyPr>
           <a:lstStyle>
@@ -4228,7 +4668,7 @@
             </a:lvl9pPr>
           </a:lstStyle>
           <a:p>
-            <a:pPr indent="0" lvl="0" marL="0" rtl="0" algn="r">
+            <a:pPr marL="0" lvl="0" indent="0" algn="r" rtl="0">
               <a:spcBef>
                 <a:spcPts val="0"/>
               </a:spcBef>
@@ -4254,11 +4694,11 @@
 </file>
 
 <file path=ppt/slideLayouts/slideLayout9.xml><?xml version="1.0" encoding="utf-8"?>
-<p:sldLayout xmlns:a="http://schemas.openxmlformats.org/drawingml/2006/main" xmlns:r="http://schemas.openxmlformats.org/officeDocument/2006/relationships" xmlns:mc="http://schemas.openxmlformats.org/markup-compatibility/2006" xmlns:mv="urn:schemas-microsoft-com:mac:vml" xmlns:p="http://schemas.openxmlformats.org/presentationml/2006/main" xmlns:c="http://schemas.openxmlformats.org/drawingml/2006/chart" xmlns:dgm="http://schemas.openxmlformats.org/drawingml/2006/diagram" xmlns:o="urn:schemas-microsoft-com:office:office" xmlns:v="urn:schemas-microsoft-com:vml" xmlns:pvml="urn:schemas-microsoft-com:office:powerpoint" xmlns:com="http://schemas.openxmlformats.org/drawingml/2006/compatibility" xmlns:p14="http://schemas.microsoft.com/office/powerpoint/2010/main" xmlns:p15="http://schemas.microsoft.com/office/powerpoint/2012/main" xmlns:ahyp="http://schemas.microsoft.com/office/drawing/2018/hyperlinkcolor" matchingName="Caption">
+<p:sldLayout xmlns:a="http://schemas.openxmlformats.org/drawingml/2006/main" xmlns:r="http://schemas.openxmlformats.org/officeDocument/2006/relationships" xmlns:p="http://schemas.openxmlformats.org/presentationml/2006/main" matchingName="Caption">
   <p:cSld name="CAPTION_ONLY">
     <p:spTree>
       <p:nvGrpSpPr>
-        <p:cNvPr id="41" name="Shape 41"/>
+        <p:cNvPr id="1" name="Shape 41"/>
         <p:cNvGrpSpPr/>
         <p:nvPr/>
       </p:nvGrpSpPr>
@@ -4273,9 +4713,11 @@
       <p:sp>
         <p:nvSpPr>
           <p:cNvPr id="42" name="Google Shape;42;p10"/>
-          <p:cNvSpPr txBox="1"/>
+          <p:cNvSpPr txBox="1">
+            <a:spLocks noGrp="1"/>
+          </p:cNvSpPr>
           <p:nvPr>
-            <p:ph idx="1" type="body"/>
+            <p:ph type="body" idx="1"/>
           </p:nvPr>
         </p:nvSpPr>
         <p:spPr>
@@ -4288,11 +4730,11 @@
           </a:prstGeom>
         </p:spPr>
         <p:txBody>
-          <a:bodyPr anchorCtr="0" anchor="ctr" bIns="91425" lIns="91425" spcFirstLastPara="1" rIns="91425" wrap="square" tIns="91425">
+          <a:bodyPr spcFirstLastPara="1" wrap="square" lIns="91425" tIns="91425" rIns="91425" bIns="91425" anchor="ctr" anchorCtr="0">
             <a:normAutofit/>
           </a:bodyPr>
           <a:lstStyle>
-            <a:lvl1pPr indent="-228600" lvl="0" marL="457200">
+            <a:lvl1pPr marL="457200" lvl="0" indent="-228600">
               <a:lnSpc>
                 <a:spcPct val="100000"/>
               </a:lnSpc>
@@ -4307,15 +4749,19 @@
               <a:defRPr/>
             </a:lvl1pPr>
           </a:lstStyle>
-          <a:p/>
+          <a:p>
+            <a:endParaRPr/>
+          </a:p>
         </p:txBody>
       </p:sp>
       <p:sp>
         <p:nvSpPr>
           <p:cNvPr id="43" name="Google Shape;43;p10"/>
-          <p:cNvSpPr txBox="1"/>
+          <p:cNvSpPr txBox="1">
+            <a:spLocks noGrp="1"/>
+          </p:cNvSpPr>
           <p:nvPr>
-            <p:ph idx="12" type="sldNum"/>
+            <p:ph type="sldNum" idx="12"/>
           </p:nvPr>
         </p:nvSpPr>
         <p:spPr>
@@ -4328,7 +4774,7 @@
           </a:prstGeom>
         </p:spPr>
         <p:txBody>
-          <a:bodyPr anchorCtr="0" anchor="ctr" bIns="91425" lIns="91425" spcFirstLastPara="1" rIns="91425" wrap="square" tIns="91425">
+          <a:bodyPr spcFirstLastPara="1" wrap="square" lIns="91425" tIns="91425" rIns="91425" bIns="91425" anchor="ctr" anchorCtr="0">
             <a:normAutofit/>
           </a:bodyPr>
           <a:lstStyle>
@@ -4370,7 +4816,7 @@
             </a:lvl9pPr>
           </a:lstStyle>
           <a:p>
-            <a:pPr indent="0" lvl="0" marL="0" rtl="0" algn="r">
+            <a:pPr marL="0" lvl="0" indent="0" algn="r" rtl="0">
               <a:spcBef>
                 <a:spcPts val="0"/>
               </a:spcBef>
@@ -4396,23 +4842,24 @@
 </file>
 
 <file path=ppt/slideMasters/slideMaster1.xml><?xml version="1.0" encoding="utf-8"?>
-<p:sldMaster xmlns:a="http://schemas.openxmlformats.org/drawingml/2006/main" xmlns:r="http://schemas.openxmlformats.org/officeDocument/2006/relationships" xmlns:mc="http://schemas.openxmlformats.org/markup-compatibility/2006" xmlns:mv="urn:schemas-microsoft-com:mac:vml" xmlns:p="http://schemas.openxmlformats.org/presentationml/2006/main" xmlns:c="http://schemas.openxmlformats.org/drawingml/2006/chart" xmlns:dgm="http://schemas.openxmlformats.org/drawingml/2006/diagram" xmlns:o="urn:schemas-microsoft-com:office:office" xmlns:v="urn:schemas-microsoft-com:vml" xmlns:pvml="urn:schemas-microsoft-com:office:powerpoint" xmlns:com="http://schemas.openxmlformats.org/drawingml/2006/compatibility" xmlns:p14="http://schemas.microsoft.com/office/powerpoint/2010/main" xmlns:p15="http://schemas.microsoft.com/office/powerpoint/2012/main" xmlns:ahyp="http://schemas.microsoft.com/office/drawing/2018/hyperlinkcolor">
+<p:sldMaster xmlns:a="http://schemas.openxmlformats.org/drawingml/2006/main" xmlns:r="http://schemas.openxmlformats.org/officeDocument/2006/relationships" xmlns:p="http://schemas.openxmlformats.org/presentationml/2006/main">
   <p:cSld name="simple-light-2">
     <p:bg>
       <p:bgPr>
         <a:blipFill>
-          <a:blip r:embed="rId1">
+          <a:blip r:embed="rId13">
             <a:alphaModFix/>
           </a:blip>
           <a:stretch>
             <a:fillRect/>
           </a:stretch>
         </a:blipFill>
+        <a:effectLst/>
       </p:bgPr>
     </p:bg>
     <p:spTree>
       <p:nvGrpSpPr>
-        <p:cNvPr id="5" name="Shape 5"/>
+        <p:cNvPr id="1" name="Shape 5"/>
         <p:cNvGrpSpPr/>
         <p:nvPr/>
       </p:nvGrpSpPr>
@@ -4427,7 +4874,9 @@
       <p:sp>
         <p:nvSpPr>
           <p:cNvPr id="6" name="Google Shape;6;p1"/>
-          <p:cNvSpPr txBox="1"/>
+          <p:cNvSpPr txBox="1">
+            <a:spLocks noGrp="1"/>
+          </p:cNvSpPr>
           <p:nvPr>
             <p:ph type="title"/>
           </p:nvPr>
@@ -4446,7 +4895,7 @@
           </a:ln>
         </p:spPr>
         <p:txBody>
-          <a:bodyPr anchorCtr="0" anchor="t" bIns="91425" lIns="91425" spcFirstLastPara="1" rIns="91425" wrap="square" tIns="91425">
+          <a:bodyPr spcFirstLastPara="1" wrap="square" lIns="91425" tIns="91425" rIns="91425" bIns="91425" anchor="t" anchorCtr="0">
             <a:normAutofit/>
           </a:bodyPr>
           <a:lstStyle>
@@ -4613,15 +5062,19 @@
               </a:defRPr>
             </a:lvl9pPr>
           </a:lstStyle>
-          <a:p/>
+          <a:p>
+            <a:endParaRPr/>
+          </a:p>
         </p:txBody>
       </p:sp>
       <p:sp>
         <p:nvSpPr>
           <p:cNvPr id="7" name="Google Shape;7;p1"/>
-          <p:cNvSpPr txBox="1"/>
+          <p:cNvSpPr txBox="1">
+            <a:spLocks noGrp="1"/>
+          </p:cNvSpPr>
           <p:nvPr>
-            <p:ph idx="1" type="body"/>
+            <p:ph type="body" idx="1"/>
           </p:nvPr>
         </p:nvSpPr>
         <p:spPr>
@@ -4638,11 +5091,11 @@
           </a:ln>
         </p:spPr>
         <p:txBody>
-          <a:bodyPr anchorCtr="0" anchor="t" bIns="91425" lIns="91425" spcFirstLastPara="1" rIns="91425" wrap="square" tIns="91425">
+          <a:bodyPr spcFirstLastPara="1" wrap="square" lIns="91425" tIns="91425" rIns="91425" bIns="91425" anchor="t" anchorCtr="0">
             <a:normAutofit/>
           </a:bodyPr>
           <a:lstStyle>
-            <a:lvl1pPr indent="-342900" lvl="0" marL="457200">
+            <a:lvl1pPr marL="457200" lvl="0" indent="-342900">
               <a:lnSpc>
                 <a:spcPct val="115000"/>
               </a:lnSpc>
@@ -4663,7 +5116,7 @@
                 </a:solidFill>
               </a:defRPr>
             </a:lvl1pPr>
-            <a:lvl2pPr indent="-317500" lvl="1" marL="914400">
+            <a:lvl2pPr marL="914400" lvl="1" indent="-317500">
               <a:lnSpc>
                 <a:spcPct val="115000"/>
               </a:lnSpc>
@@ -4684,7 +5137,7 @@
                 </a:solidFill>
               </a:defRPr>
             </a:lvl2pPr>
-            <a:lvl3pPr indent="-317500" lvl="2" marL="1371600">
+            <a:lvl3pPr marL="1371600" lvl="2" indent="-317500">
               <a:lnSpc>
                 <a:spcPct val="115000"/>
               </a:lnSpc>
@@ -4705,7 +5158,7 @@
                 </a:solidFill>
               </a:defRPr>
             </a:lvl3pPr>
-            <a:lvl4pPr indent="-317500" lvl="3" marL="1828800">
+            <a:lvl4pPr marL="1828800" lvl="3" indent="-317500">
               <a:lnSpc>
                 <a:spcPct val="115000"/>
               </a:lnSpc>
@@ -4726,7 +5179,7 @@
                 </a:solidFill>
               </a:defRPr>
             </a:lvl4pPr>
-            <a:lvl5pPr indent="-317500" lvl="4" marL="2286000">
+            <a:lvl5pPr marL="2286000" lvl="4" indent="-317500">
               <a:lnSpc>
                 <a:spcPct val="115000"/>
               </a:lnSpc>
@@ -4747,7 +5200,7 @@
                 </a:solidFill>
               </a:defRPr>
             </a:lvl5pPr>
-            <a:lvl6pPr indent="-317500" lvl="5" marL="2743200">
+            <a:lvl6pPr marL="2743200" lvl="5" indent="-317500">
               <a:lnSpc>
                 <a:spcPct val="115000"/>
               </a:lnSpc>
@@ -4768,7 +5221,7 @@
                 </a:solidFill>
               </a:defRPr>
             </a:lvl6pPr>
-            <a:lvl7pPr indent="-317500" lvl="6" marL="3200400">
+            <a:lvl7pPr marL="3200400" lvl="6" indent="-317500">
               <a:lnSpc>
                 <a:spcPct val="115000"/>
               </a:lnSpc>
@@ -4789,7 +5242,7 @@
                 </a:solidFill>
               </a:defRPr>
             </a:lvl7pPr>
-            <a:lvl8pPr indent="-317500" lvl="7" marL="3657600">
+            <a:lvl8pPr marL="3657600" lvl="7" indent="-317500">
               <a:lnSpc>
                 <a:spcPct val="115000"/>
               </a:lnSpc>
@@ -4810,7 +5263,7 @@
                 </a:solidFill>
               </a:defRPr>
             </a:lvl8pPr>
-            <a:lvl9pPr indent="-317500" lvl="8" marL="4114800">
+            <a:lvl9pPr marL="4114800" lvl="8" indent="-317500">
               <a:lnSpc>
                 <a:spcPct val="115000"/>
               </a:lnSpc>
@@ -4832,15 +5285,19 @@
               </a:defRPr>
             </a:lvl9pPr>
           </a:lstStyle>
-          <a:p/>
+          <a:p>
+            <a:endParaRPr/>
+          </a:p>
         </p:txBody>
       </p:sp>
       <p:sp>
         <p:nvSpPr>
           <p:cNvPr id="8" name="Google Shape;8;p1"/>
-          <p:cNvSpPr txBox="1"/>
+          <p:cNvSpPr txBox="1">
+            <a:spLocks noGrp="1"/>
+          </p:cNvSpPr>
           <p:nvPr>
-            <p:ph idx="12" type="sldNum"/>
+            <p:ph type="sldNum" idx="12"/>
           </p:nvPr>
         </p:nvSpPr>
         <p:spPr>
@@ -4857,7 +5314,7 @@
           </a:ln>
         </p:spPr>
         <p:txBody>
-          <a:bodyPr anchorCtr="0" anchor="ctr" bIns="91425" lIns="91425" spcFirstLastPara="1" rIns="91425" wrap="square" tIns="91425">
+          <a:bodyPr spcFirstLastPara="1" wrap="square" lIns="91425" tIns="91425" rIns="91425" bIns="91425" anchor="ctr" anchorCtr="0">
             <a:normAutofit/>
           </a:bodyPr>
           <a:lstStyle>
@@ -4935,7 +5392,7 @@
             </a:lvl9pPr>
           </a:lstStyle>
           <a:p>
-            <a:pPr indent="0" lvl="0" marL="0" rtl="0" algn="r">
+            <a:pPr marL="0" lvl="0" indent="0" algn="r" rtl="0">
               <a:spcBef>
                 <a:spcPts val="0"/>
               </a:spcBef>
@@ -4954,24 +5411,24 @@
       </p:sp>
     </p:spTree>
   </p:cSld>
-  <p:clrMap accent1="accent1" accent2="accent2" accent3="accent3" accent4="accent4" accent5="accent5" accent6="accent6" bg1="lt1" bg2="dk2" tx1="dk1" tx2="lt2" folHlink="folHlink" hlink="hlink"/>
+  <p:clrMap bg1="lt1" tx1="dk1" bg2="dk2" tx2="lt2" accent1="accent1" accent2="accent2" accent3="accent3" accent4="accent4" accent5="accent5" accent6="accent6" hlink="hlink" folHlink="folHlink"/>
   <p:sldLayoutIdLst>
-    <p:sldLayoutId id="2147483648" r:id="rId2"/>
-    <p:sldLayoutId id="2147483649" r:id="rId3"/>
-    <p:sldLayoutId id="2147483650" r:id="rId4"/>
-    <p:sldLayoutId id="2147483651" r:id="rId5"/>
-    <p:sldLayoutId id="2147483652" r:id="rId6"/>
-    <p:sldLayoutId id="2147483653" r:id="rId7"/>
-    <p:sldLayoutId id="2147483654" r:id="rId8"/>
-    <p:sldLayoutId id="2147483655" r:id="rId9"/>
-    <p:sldLayoutId id="2147483656" r:id="rId10"/>
-    <p:sldLayoutId id="2147483657" r:id="rId11"/>
-    <p:sldLayoutId id="2147483658" r:id="rId12"/>
+    <p:sldLayoutId id="2147483648" r:id="rId1"/>
+    <p:sldLayoutId id="2147483649" r:id="rId2"/>
+    <p:sldLayoutId id="2147483650" r:id="rId3"/>
+    <p:sldLayoutId id="2147483651" r:id="rId4"/>
+    <p:sldLayoutId id="2147483652" r:id="rId5"/>
+    <p:sldLayoutId id="2147483653" r:id="rId6"/>
+    <p:sldLayoutId id="2147483654" r:id="rId7"/>
+    <p:sldLayoutId id="2147483655" r:id="rId8"/>
+    <p:sldLayoutId id="2147483656" r:id="rId9"/>
+    <p:sldLayoutId id="2147483657" r:id="rId10"/>
+    <p:sldLayoutId id="2147483658" r:id="rId11"/>
   </p:sldLayoutIdLst>
-  <p:hf dt="0" ftr="0" hdr="0" sldNum="0"/>
+  <p:hf sldNum="0" hdr="0" ftr="0" dt="0"/>
   <p:txStyles>
     <p:titleStyle>
-      <a:defPPr lvl="0" marR="0" rtl="0" algn="l">
+      <a:defPPr marR="0" lvl="0" algn="l" rtl="0">
         <a:lnSpc>
           <a:spcPct val="100000"/>
         </a:lnSpc>
@@ -4982,7 +5439,7 @@
           <a:spcPts val="0"/>
         </a:spcAft>
       </a:defPPr>
-      <a:lvl1pPr lvl="0" marR="0" rtl="0" algn="l">
+      <a:lvl1pPr marR="0" lvl="0" algn="l" rtl="0">
         <a:lnSpc>
           <a:spcPct val="100000"/>
         </a:lnSpc>
@@ -4996,7 +5453,7 @@
           <a:srgbClr val="000000"/>
         </a:buClr>
         <a:buFont typeface="Arial"/>
-        <a:defRPr b="0" i="0" sz="1400" u="none" cap="none" strike="noStrike">
+        <a:defRPr sz="1400" b="0" i="0" u="none" strike="noStrike" cap="none">
           <a:solidFill>
             <a:srgbClr val="000000"/>
           </a:solidFill>
@@ -5006,7 +5463,7 @@
           <a:sym typeface="Arial"/>
         </a:defRPr>
       </a:lvl1pPr>
-      <a:lvl2pPr lvl="1" marR="0" rtl="0" algn="l">
+      <a:lvl2pPr marR="0" lvl="1" algn="l" rtl="0">
         <a:lnSpc>
           <a:spcPct val="100000"/>
         </a:lnSpc>
@@ -5020,7 +5477,7 @@
           <a:srgbClr val="000000"/>
         </a:buClr>
         <a:buFont typeface="Arial"/>
-        <a:defRPr b="0" i="0" sz="1400" u="none" cap="none" strike="noStrike">
+        <a:defRPr sz="1400" b="0" i="0" u="none" strike="noStrike" cap="none">
           <a:solidFill>
             <a:srgbClr val="000000"/>
           </a:solidFill>
@@ -5030,7 +5487,7 @@
           <a:sym typeface="Arial"/>
         </a:defRPr>
       </a:lvl2pPr>
-      <a:lvl3pPr lvl="2" marR="0" rtl="0" algn="l">
+      <a:lvl3pPr marR="0" lvl="2" algn="l" rtl="0">
         <a:lnSpc>
           <a:spcPct val="100000"/>
         </a:lnSpc>
@@ -5044,7 +5501,7 @@
           <a:srgbClr val="000000"/>
         </a:buClr>
         <a:buFont typeface="Arial"/>
-        <a:defRPr b="0" i="0" sz="1400" u="none" cap="none" strike="noStrike">
+        <a:defRPr sz="1400" b="0" i="0" u="none" strike="noStrike" cap="none">
           <a:solidFill>
             <a:srgbClr val="000000"/>
           </a:solidFill>
@@ -5054,7 +5511,7 @@
           <a:sym typeface="Arial"/>
         </a:defRPr>
       </a:lvl3pPr>
-      <a:lvl4pPr lvl="3" marR="0" rtl="0" algn="l">
+      <a:lvl4pPr marR="0" lvl="3" algn="l" rtl="0">
         <a:lnSpc>
           <a:spcPct val="100000"/>
         </a:lnSpc>
@@ -5068,7 +5525,7 @@
           <a:srgbClr val="000000"/>
         </a:buClr>
         <a:buFont typeface="Arial"/>
-        <a:defRPr b="0" i="0" sz="1400" u="none" cap="none" strike="noStrike">
+        <a:defRPr sz="1400" b="0" i="0" u="none" strike="noStrike" cap="none">
           <a:solidFill>
             <a:srgbClr val="000000"/>
           </a:solidFill>
@@ -5078,7 +5535,7 @@
           <a:sym typeface="Arial"/>
         </a:defRPr>
       </a:lvl4pPr>
-      <a:lvl5pPr lvl="4" marR="0" rtl="0" algn="l">
+      <a:lvl5pPr marR="0" lvl="4" algn="l" rtl="0">
         <a:lnSpc>
           <a:spcPct val="100000"/>
         </a:lnSpc>
@@ -5092,7 +5549,7 @@
           <a:srgbClr val="000000"/>
         </a:buClr>
         <a:buFont typeface="Arial"/>
-        <a:defRPr b="0" i="0" sz="1400" u="none" cap="none" strike="noStrike">
+        <a:defRPr sz="1400" b="0" i="0" u="none" strike="noStrike" cap="none">
           <a:solidFill>
             <a:srgbClr val="000000"/>
           </a:solidFill>
@@ -5102,7 +5559,7 @@
           <a:sym typeface="Arial"/>
         </a:defRPr>
       </a:lvl5pPr>
-      <a:lvl6pPr lvl="5" marR="0" rtl="0" algn="l">
+      <a:lvl6pPr marR="0" lvl="5" algn="l" rtl="0">
         <a:lnSpc>
           <a:spcPct val="100000"/>
         </a:lnSpc>
@@ -5116,7 +5573,7 @@
           <a:srgbClr val="000000"/>
         </a:buClr>
         <a:buFont typeface="Arial"/>
-        <a:defRPr b="0" i="0" sz="1400" u="none" cap="none" strike="noStrike">
+        <a:defRPr sz="1400" b="0" i="0" u="none" strike="noStrike" cap="none">
           <a:solidFill>
             <a:srgbClr val="000000"/>
           </a:solidFill>
@@ -5126,7 +5583,7 @@
           <a:sym typeface="Arial"/>
         </a:defRPr>
       </a:lvl6pPr>
-      <a:lvl7pPr lvl="6" marR="0" rtl="0" algn="l">
+      <a:lvl7pPr marR="0" lvl="6" algn="l" rtl="0">
         <a:lnSpc>
           <a:spcPct val="100000"/>
         </a:lnSpc>
@@ -5140,7 +5597,7 @@
           <a:srgbClr val="000000"/>
         </a:buClr>
         <a:buFont typeface="Arial"/>
-        <a:defRPr b="0" i="0" sz="1400" u="none" cap="none" strike="noStrike">
+        <a:defRPr sz="1400" b="0" i="0" u="none" strike="noStrike" cap="none">
           <a:solidFill>
             <a:srgbClr val="000000"/>
           </a:solidFill>
@@ -5150,7 +5607,7 @@
           <a:sym typeface="Arial"/>
         </a:defRPr>
       </a:lvl7pPr>
-      <a:lvl8pPr lvl="7" marR="0" rtl="0" algn="l">
+      <a:lvl8pPr marR="0" lvl="7" algn="l" rtl="0">
         <a:lnSpc>
           <a:spcPct val="100000"/>
         </a:lnSpc>
@@ -5164,7 +5621,7 @@
           <a:srgbClr val="000000"/>
         </a:buClr>
         <a:buFont typeface="Arial"/>
-        <a:defRPr b="0" i="0" sz="1400" u="none" cap="none" strike="noStrike">
+        <a:defRPr sz="1400" b="0" i="0" u="none" strike="noStrike" cap="none">
           <a:solidFill>
             <a:srgbClr val="000000"/>
           </a:solidFill>
@@ -5174,7 +5631,7 @@
           <a:sym typeface="Arial"/>
         </a:defRPr>
       </a:lvl8pPr>
-      <a:lvl9pPr lvl="8" marR="0" rtl="0" algn="l">
+      <a:lvl9pPr marR="0" lvl="8" algn="l" rtl="0">
         <a:lnSpc>
           <a:spcPct val="100000"/>
         </a:lnSpc>
@@ -5188,7 +5645,7 @@
           <a:srgbClr val="000000"/>
         </a:buClr>
         <a:buFont typeface="Arial"/>
-        <a:defRPr b="0" i="0" sz="1400" u="none" cap="none" strike="noStrike">
+        <a:defRPr sz="1400" b="0" i="0" u="none" strike="noStrike" cap="none">
           <a:solidFill>
             <a:srgbClr val="000000"/>
           </a:solidFill>
@@ -5200,7 +5657,7 @@
       </a:lvl9pPr>
     </p:titleStyle>
     <p:bodyStyle>
-      <a:defPPr lvl="0" marR="0" rtl="0" algn="l">
+      <a:defPPr marR="0" lvl="0" algn="l" rtl="0">
         <a:lnSpc>
           <a:spcPct val="100000"/>
         </a:lnSpc>
@@ -5211,7 +5668,7 @@
           <a:spcPts val="0"/>
         </a:spcAft>
       </a:defPPr>
-      <a:lvl1pPr lvl="0" marR="0" rtl="0" algn="l">
+      <a:lvl1pPr marR="0" lvl="0" algn="l" rtl="0">
         <a:lnSpc>
           <a:spcPct val="100000"/>
         </a:lnSpc>
@@ -5225,7 +5682,7 @@
           <a:srgbClr val="000000"/>
         </a:buClr>
         <a:buFont typeface="Arial"/>
-        <a:defRPr b="0" i="0" sz="1400" u="none" cap="none" strike="noStrike">
+        <a:defRPr sz="1400" b="0" i="0" u="none" strike="noStrike" cap="none">
           <a:solidFill>
             <a:srgbClr val="000000"/>
           </a:solidFill>
@@ -5235,7 +5692,7 @@
           <a:sym typeface="Arial"/>
         </a:defRPr>
       </a:lvl1pPr>
-      <a:lvl2pPr lvl="1" marR="0" rtl="0" algn="l">
+      <a:lvl2pPr marR="0" lvl="1" algn="l" rtl="0">
         <a:lnSpc>
           <a:spcPct val="100000"/>
         </a:lnSpc>
@@ -5249,7 +5706,7 @@
           <a:srgbClr val="000000"/>
         </a:buClr>
         <a:buFont typeface="Arial"/>
-        <a:defRPr b="0" i="0" sz="1400" u="none" cap="none" strike="noStrike">
+        <a:defRPr sz="1400" b="0" i="0" u="none" strike="noStrike" cap="none">
           <a:solidFill>
             <a:srgbClr val="000000"/>
           </a:solidFill>
@@ -5259,7 +5716,7 @@
           <a:sym typeface="Arial"/>
         </a:defRPr>
       </a:lvl2pPr>
-      <a:lvl3pPr lvl="2" marR="0" rtl="0" algn="l">
+      <a:lvl3pPr marR="0" lvl="2" algn="l" rtl="0">
         <a:lnSpc>
           <a:spcPct val="100000"/>
         </a:lnSpc>
@@ -5273,7 +5730,7 @@
           <a:srgbClr val="000000"/>
         </a:buClr>
         <a:buFont typeface="Arial"/>
-        <a:defRPr b="0" i="0" sz="1400" u="none" cap="none" strike="noStrike">
+        <a:defRPr sz="1400" b="0" i="0" u="none" strike="noStrike" cap="none">
           <a:solidFill>
             <a:srgbClr val="000000"/>
           </a:solidFill>
@@ -5283,7 +5740,7 @@
           <a:sym typeface="Arial"/>
         </a:defRPr>
       </a:lvl3pPr>
-      <a:lvl4pPr lvl="3" marR="0" rtl="0" algn="l">
+      <a:lvl4pPr marR="0" lvl="3" algn="l" rtl="0">
         <a:lnSpc>
           <a:spcPct val="100000"/>
         </a:lnSpc>
@@ -5297,7 +5754,7 @@
           <a:srgbClr val="000000"/>
         </a:buClr>
         <a:buFont typeface="Arial"/>
-        <a:defRPr b="0" i="0" sz="1400" u="none" cap="none" strike="noStrike">
+        <a:defRPr sz="1400" b="0" i="0" u="none" strike="noStrike" cap="none">
           <a:solidFill>
             <a:srgbClr val="000000"/>
           </a:solidFill>
@@ -5307,7 +5764,7 @@
           <a:sym typeface="Arial"/>
         </a:defRPr>
       </a:lvl4pPr>
-      <a:lvl5pPr lvl="4" marR="0" rtl="0" algn="l">
+      <a:lvl5pPr marR="0" lvl="4" algn="l" rtl="0">
         <a:lnSpc>
           <a:spcPct val="100000"/>
         </a:lnSpc>
@@ -5321,7 +5778,7 @@
           <a:srgbClr val="000000"/>
         </a:buClr>
         <a:buFont typeface="Arial"/>
-        <a:defRPr b="0" i="0" sz="1400" u="none" cap="none" strike="noStrike">
+        <a:defRPr sz="1400" b="0" i="0" u="none" strike="noStrike" cap="none">
           <a:solidFill>
             <a:srgbClr val="000000"/>
           </a:solidFill>
@@ -5331,7 +5788,7 @@
           <a:sym typeface="Arial"/>
         </a:defRPr>
       </a:lvl5pPr>
-      <a:lvl6pPr lvl="5" marR="0" rtl="0" algn="l">
+      <a:lvl6pPr marR="0" lvl="5" algn="l" rtl="0">
         <a:lnSpc>
           <a:spcPct val="100000"/>
         </a:lnSpc>
@@ -5345,7 +5802,7 @@
           <a:srgbClr val="000000"/>
         </a:buClr>
         <a:buFont typeface="Arial"/>
-        <a:defRPr b="0" i="0" sz="1400" u="none" cap="none" strike="noStrike">
+        <a:defRPr sz="1400" b="0" i="0" u="none" strike="noStrike" cap="none">
           <a:solidFill>
             <a:srgbClr val="000000"/>
           </a:solidFill>
@@ -5355,7 +5812,7 @@
           <a:sym typeface="Arial"/>
         </a:defRPr>
       </a:lvl6pPr>
-      <a:lvl7pPr lvl="6" marR="0" rtl="0" algn="l">
+      <a:lvl7pPr marR="0" lvl="6" algn="l" rtl="0">
         <a:lnSpc>
           <a:spcPct val="100000"/>
         </a:lnSpc>
@@ -5369,7 +5826,7 @@
           <a:srgbClr val="000000"/>
         </a:buClr>
         <a:buFont typeface="Arial"/>
-        <a:defRPr b="0" i="0" sz="1400" u="none" cap="none" strike="noStrike">
+        <a:defRPr sz="1400" b="0" i="0" u="none" strike="noStrike" cap="none">
           <a:solidFill>
             <a:srgbClr val="000000"/>
           </a:solidFill>
@@ -5379,7 +5836,7 @@
           <a:sym typeface="Arial"/>
         </a:defRPr>
       </a:lvl7pPr>
-      <a:lvl8pPr lvl="7" marR="0" rtl="0" algn="l">
+      <a:lvl8pPr marR="0" lvl="7" algn="l" rtl="0">
         <a:lnSpc>
           <a:spcPct val="100000"/>
         </a:lnSpc>
@@ -5393,7 +5850,7 @@
           <a:srgbClr val="000000"/>
         </a:buClr>
         <a:buFont typeface="Arial"/>
-        <a:defRPr b="0" i="0" sz="1400" u="none" cap="none" strike="noStrike">
+        <a:defRPr sz="1400" b="0" i="0" u="none" strike="noStrike" cap="none">
           <a:solidFill>
             <a:srgbClr val="000000"/>
           </a:solidFill>
@@ -5403,7 +5860,7 @@
           <a:sym typeface="Arial"/>
         </a:defRPr>
       </a:lvl8pPr>
-      <a:lvl9pPr lvl="8" marR="0" rtl="0" algn="l">
+      <a:lvl9pPr marR="0" lvl="8" algn="l" rtl="0">
         <a:lnSpc>
           <a:spcPct val="100000"/>
         </a:lnSpc>
@@ -5417,7 +5874,7 @@
           <a:srgbClr val="000000"/>
         </a:buClr>
         <a:buFont typeface="Arial"/>
-        <a:defRPr b="0" i="0" sz="1400" u="none" cap="none" strike="noStrike">
+        <a:defRPr sz="1400" b="0" i="0" u="none" strike="noStrike" cap="none">
           <a:solidFill>
             <a:srgbClr val="000000"/>
           </a:solidFill>
@@ -5429,7 +5886,7 @@
       </a:lvl9pPr>
     </p:bodyStyle>
     <p:otherStyle>
-      <a:defPPr lvl="0" marR="0" rtl="0" algn="l">
+      <a:defPPr marR="0" lvl="0" algn="l" rtl="0">
         <a:lnSpc>
           <a:spcPct val="100000"/>
         </a:lnSpc>
@@ -5440,7 +5897,7 @@
           <a:spcPts val="0"/>
         </a:spcAft>
       </a:defPPr>
-      <a:lvl1pPr lvl="0" marR="0" rtl="0" algn="l">
+      <a:lvl1pPr marR="0" lvl="0" algn="l" rtl="0">
         <a:lnSpc>
           <a:spcPct val="100000"/>
         </a:lnSpc>
@@ -5454,7 +5911,7 @@
           <a:srgbClr val="000000"/>
         </a:buClr>
         <a:buFont typeface="Arial"/>
-        <a:defRPr b="0" i="0" sz="1400" u="none" cap="none" strike="noStrike">
+        <a:defRPr sz="1400" b="0" i="0" u="none" strike="noStrike" cap="none">
           <a:solidFill>
             <a:srgbClr val="000000"/>
           </a:solidFill>
@@ -5464,7 +5921,7 @@
           <a:sym typeface="Arial"/>
         </a:defRPr>
       </a:lvl1pPr>
-      <a:lvl2pPr lvl="1" marR="0" rtl="0" algn="l">
+      <a:lvl2pPr marR="0" lvl="1" algn="l" rtl="0">
         <a:lnSpc>
           <a:spcPct val="100000"/>
         </a:lnSpc>
@@ -5478,7 +5935,7 @@
           <a:srgbClr val="000000"/>
         </a:buClr>
         <a:buFont typeface="Arial"/>
-        <a:defRPr b="0" i="0" sz="1400" u="none" cap="none" strike="noStrike">
+        <a:defRPr sz="1400" b="0" i="0" u="none" strike="noStrike" cap="none">
           <a:solidFill>
             <a:srgbClr val="000000"/>
           </a:solidFill>
@@ -5488,7 +5945,7 @@
           <a:sym typeface="Arial"/>
         </a:defRPr>
       </a:lvl2pPr>
-      <a:lvl3pPr lvl="2" marR="0" rtl="0" algn="l">
+      <a:lvl3pPr marR="0" lvl="2" algn="l" rtl="0">
         <a:lnSpc>
           <a:spcPct val="100000"/>
         </a:lnSpc>
@@ -5502,7 +5959,7 @@
           <a:srgbClr val="000000"/>
         </a:buClr>
         <a:buFont typeface="Arial"/>
-        <a:defRPr b="0" i="0" sz="1400" u="none" cap="none" strike="noStrike">
+        <a:defRPr sz="1400" b="0" i="0" u="none" strike="noStrike" cap="none">
           <a:solidFill>
             <a:srgbClr val="000000"/>
           </a:solidFill>
@@ -5512,7 +5969,7 @@
           <a:sym typeface="Arial"/>
         </a:defRPr>
       </a:lvl3pPr>
-      <a:lvl4pPr lvl="3" marR="0" rtl="0" algn="l">
+      <a:lvl4pPr marR="0" lvl="3" algn="l" rtl="0">
         <a:lnSpc>
           <a:spcPct val="100000"/>
         </a:lnSpc>
@@ -5526,7 +5983,7 @@
           <a:srgbClr val="000000"/>
         </a:buClr>
         <a:buFont typeface="Arial"/>
-        <a:defRPr b="0" i="0" sz="1400" u="none" cap="none" strike="noStrike">
+        <a:defRPr sz="1400" b="0" i="0" u="none" strike="noStrike" cap="none">
           <a:solidFill>
             <a:srgbClr val="000000"/>
           </a:solidFill>
@@ -5536,7 +5993,7 @@
           <a:sym typeface="Arial"/>
         </a:defRPr>
       </a:lvl4pPr>
-      <a:lvl5pPr lvl="4" marR="0" rtl="0" algn="l">
+      <a:lvl5pPr marR="0" lvl="4" algn="l" rtl="0">
         <a:lnSpc>
           <a:spcPct val="100000"/>
         </a:lnSpc>
@@ -5550,7 +6007,7 @@
           <a:srgbClr val="000000"/>
         </a:buClr>
         <a:buFont typeface="Arial"/>
-        <a:defRPr b="0" i="0" sz="1400" u="none" cap="none" strike="noStrike">
+        <a:defRPr sz="1400" b="0" i="0" u="none" strike="noStrike" cap="none">
           <a:solidFill>
             <a:srgbClr val="000000"/>
           </a:solidFill>
@@ -5560,7 +6017,7 @@
           <a:sym typeface="Arial"/>
         </a:defRPr>
       </a:lvl5pPr>
-      <a:lvl6pPr lvl="5" marR="0" rtl="0" algn="l">
+      <a:lvl6pPr marR="0" lvl="5" algn="l" rtl="0">
         <a:lnSpc>
           <a:spcPct val="100000"/>
         </a:lnSpc>
@@ -5574,7 +6031,7 @@
           <a:srgbClr val="000000"/>
         </a:buClr>
         <a:buFont typeface="Arial"/>
-        <a:defRPr b="0" i="0" sz="1400" u="none" cap="none" strike="noStrike">
+        <a:defRPr sz="1400" b="0" i="0" u="none" strike="noStrike" cap="none">
           <a:solidFill>
             <a:srgbClr val="000000"/>
           </a:solidFill>
@@ -5584,7 +6041,7 @@
           <a:sym typeface="Arial"/>
         </a:defRPr>
       </a:lvl6pPr>
-      <a:lvl7pPr lvl="6" marR="0" rtl="0" algn="l">
+      <a:lvl7pPr marR="0" lvl="6" algn="l" rtl="0">
         <a:lnSpc>
           <a:spcPct val="100000"/>
         </a:lnSpc>
@@ -5598,7 +6055,7 @@
           <a:srgbClr val="000000"/>
         </a:buClr>
         <a:buFont typeface="Arial"/>
-        <a:defRPr b="0" i="0" sz="1400" u="none" cap="none" strike="noStrike">
+        <a:defRPr sz="1400" b="0" i="0" u="none" strike="noStrike" cap="none">
           <a:solidFill>
             <a:srgbClr val="000000"/>
           </a:solidFill>
@@ -5608,7 +6065,7 @@
           <a:sym typeface="Arial"/>
         </a:defRPr>
       </a:lvl7pPr>
-      <a:lvl8pPr lvl="7" marR="0" rtl="0" algn="l">
+      <a:lvl8pPr marR="0" lvl="7" algn="l" rtl="0">
         <a:lnSpc>
           <a:spcPct val="100000"/>
         </a:lnSpc>
@@ -5622,7 +6079,7 @@
           <a:srgbClr val="000000"/>
         </a:buClr>
         <a:buFont typeface="Arial"/>
-        <a:defRPr b="0" i="0" sz="1400" u="none" cap="none" strike="noStrike">
+        <a:defRPr sz="1400" b="0" i="0" u="none" strike="noStrike" cap="none">
           <a:solidFill>
             <a:srgbClr val="000000"/>
           </a:solidFill>
@@ -5632,7 +6089,7 @@
           <a:sym typeface="Arial"/>
         </a:defRPr>
       </a:lvl8pPr>
-      <a:lvl9pPr lvl="8" marR="0" rtl="0" algn="l">
+      <a:lvl9pPr marR="0" lvl="8" algn="l" rtl="0">
         <a:lnSpc>
           <a:spcPct val="100000"/>
         </a:lnSpc>
@@ -5646,7 +6103,7 @@
           <a:srgbClr val="000000"/>
         </a:buClr>
         <a:buFont typeface="Arial"/>
-        <a:defRPr b="0" i="0" sz="1400" u="none" cap="none" strike="noStrike">
+        <a:defRPr sz="1400" b="0" i="0" u="none" strike="noStrike" cap="none">
           <a:solidFill>
             <a:srgbClr val="000000"/>
           </a:solidFill>
@@ -5662,11 +6119,685 @@
 </file>
 
 <file path=ppt/slides/slide1.xml><?xml version="1.0" encoding="utf-8"?>
-<p:sld xmlns:a="http://schemas.openxmlformats.org/drawingml/2006/main" xmlns:r="http://schemas.openxmlformats.org/officeDocument/2006/relationships" xmlns:mc="http://schemas.openxmlformats.org/markup-compatibility/2006" xmlns:mv="urn:schemas-microsoft-com:mac:vml" xmlns:p="http://schemas.openxmlformats.org/presentationml/2006/main" xmlns:c="http://schemas.openxmlformats.org/drawingml/2006/chart" xmlns:dgm="http://schemas.openxmlformats.org/drawingml/2006/diagram" xmlns:o="urn:schemas-microsoft-com:office:office" xmlns:v="urn:schemas-microsoft-com:vml" xmlns:pvml="urn:schemas-microsoft-com:office:powerpoint" xmlns:com="http://schemas.openxmlformats.org/drawingml/2006/compatibility" xmlns:p14="http://schemas.microsoft.com/office/powerpoint/2010/main" xmlns:p15="http://schemas.microsoft.com/office/powerpoint/2012/main" xmlns:ahyp="http://schemas.microsoft.com/office/drawing/2018/hyperlinkcolor">
+<p:sld xmlns:a="http://schemas.openxmlformats.org/drawingml/2006/main" xmlns:r="http://schemas.openxmlformats.org/officeDocument/2006/relationships" xmlns:p="http://schemas.openxmlformats.org/presentationml/2006/main">
   <p:cSld>
     <p:spTree>
       <p:nvGrpSpPr>
-        <p:cNvPr id="53" name="Shape 53"/>
+        <p:cNvPr id="1" name="Shape 98"/>
+        <p:cNvGrpSpPr/>
+        <p:nvPr/>
+      </p:nvGrpSpPr>
+      <p:grpSpPr>
+        <a:xfrm>
+          <a:off x="0" y="0"/>
+          <a:ext cx="0" cy="0"/>
+          <a:chOff x="0" y="0"/>
+          <a:chExt cx="0" cy="0"/>
+        </a:xfrm>
+      </p:grpSpPr>
+      <p:sp>
+        <p:nvSpPr>
+          <p:cNvPr id="99" name="Google Shape;99;p25"/>
+          <p:cNvSpPr txBox="1">
+            <a:spLocks noGrp="1"/>
+          </p:cNvSpPr>
+          <p:nvPr>
+            <p:ph type="ctrTitle"/>
+          </p:nvPr>
+        </p:nvSpPr>
+        <p:spPr>
+          <a:xfrm>
+            <a:off x="311700" y="1450625"/>
+            <a:ext cx="3736800" cy="2007900"/>
+          </a:xfrm>
+          <a:prstGeom prst="rect">
+            <a:avLst/>
+          </a:prstGeom>
+        </p:spPr>
+        <p:txBody>
+          <a:bodyPr spcFirstLastPara="1" wrap="square" lIns="91425" tIns="91425" rIns="91425" bIns="91425" anchor="b" anchorCtr="0">
+            <a:noAutofit/>
+          </a:bodyPr>
+          <a:lstStyle/>
+          <a:p>
+            <a:pPr marL="0" lvl="0" indent="0" algn="ctr" rtl="0">
+              <a:spcBef>
+                <a:spcPts val="0"/>
+              </a:spcBef>
+              <a:spcAft>
+                <a:spcPts val="0"/>
+              </a:spcAft>
+              <a:buSzPts val="990"/>
+              <a:buNone/>
+            </a:pPr>
+            <a:r>
+              <a:rPr lang="en" sz="3180">
+                <a:latin typeface="Dosis"/>
+                <a:ea typeface="Dosis"/>
+                <a:cs typeface="Dosis"/>
+                <a:sym typeface="Dosis"/>
+              </a:rPr>
+              <a:t>Predict Customer Personality to boost marketing campaign by using Machine Learning</a:t>
+            </a:r>
+            <a:endParaRPr sz="3180">
+              <a:latin typeface="Dosis"/>
+              <a:ea typeface="Dosis"/>
+              <a:cs typeface="Dosis"/>
+              <a:sym typeface="Dosis"/>
+            </a:endParaRPr>
+          </a:p>
+        </p:txBody>
+      </p:sp>
+      <p:sp>
+        <p:nvSpPr>
+          <p:cNvPr id="7" name="Google Shape;100;p25">
+            <a:extLst>
+              <a:ext uri="{FF2B5EF4-FFF2-40B4-BE49-F238E27FC236}">
+                <a16:creationId xmlns:a16="http://schemas.microsoft.com/office/drawing/2014/main" id="{200FABBA-DE99-2045-252E-2F9223667565}"/>
+              </a:ext>
+            </a:extLst>
+          </p:cNvPr>
+          <p:cNvSpPr txBox="1"/>
+          <p:nvPr/>
+        </p:nvSpPr>
+        <p:spPr>
+          <a:xfrm>
+            <a:off x="5959950" y="908900"/>
+            <a:ext cx="2803050" cy="1051518"/>
+          </a:xfrm>
+          <a:prstGeom prst="rect">
+            <a:avLst/>
+          </a:prstGeom>
+          <a:noFill/>
+          <a:ln>
+            <a:noFill/>
+          </a:ln>
+        </p:spPr>
+        <p:txBody>
+          <a:bodyPr spcFirstLastPara="1" wrap="square" lIns="68575" tIns="34275" rIns="68575" bIns="34275" anchor="t" anchorCtr="0">
+            <a:noAutofit/>
+          </a:bodyPr>
+          <a:lstStyle/>
+          <a:p>
+            <a:pPr marL="0" marR="0" lvl="0" indent="0" algn="l" rtl="0">
+              <a:lnSpc>
+                <a:spcPct val="100000"/>
+              </a:lnSpc>
+              <a:spcBef>
+                <a:spcPts val="0"/>
+              </a:spcBef>
+              <a:spcAft>
+                <a:spcPts val="0"/>
+              </a:spcAft>
+              <a:buClr>
+                <a:srgbClr val="000000"/>
+              </a:buClr>
+              <a:buSzPts val="1100"/>
+              <a:buFont typeface="Arial"/>
+              <a:buNone/>
+            </a:pPr>
+            <a:r>
+              <a:rPr lang="en" sz="1200" b="1" dirty="0">
+                <a:latin typeface="Dosis"/>
+                <a:ea typeface="Dosis"/>
+                <a:cs typeface="Dosis"/>
+                <a:sym typeface="Dosis"/>
+              </a:rPr>
+              <a:t>Created by: </a:t>
+            </a:r>
+            <a:endParaRPr sz="1200" b="1" dirty="0">
+              <a:latin typeface="Dosis"/>
+              <a:ea typeface="Dosis"/>
+              <a:cs typeface="Dosis"/>
+              <a:sym typeface="Dosis"/>
+            </a:endParaRPr>
+          </a:p>
+          <a:p>
+            <a:pPr marL="0" marR="0" lvl="0" indent="0" algn="l" rtl="0">
+              <a:lnSpc>
+                <a:spcPct val="100000"/>
+              </a:lnSpc>
+              <a:spcBef>
+                <a:spcPts val="0"/>
+              </a:spcBef>
+              <a:spcAft>
+                <a:spcPts val="0"/>
+              </a:spcAft>
+              <a:buClr>
+                <a:srgbClr val="000000"/>
+              </a:buClr>
+              <a:buSzPts val="1100"/>
+              <a:buFont typeface="Arial"/>
+              <a:buNone/>
+            </a:pPr>
+            <a:r>
+              <a:rPr lang="en-US" sz="1200" b="1" dirty="0">
+                <a:latin typeface="Dosis"/>
+                <a:ea typeface="Dosis"/>
+                <a:cs typeface="Dosis"/>
+                <a:sym typeface="Dosis"/>
+              </a:rPr>
+              <a:t>Muhammad Cikal Merdeka</a:t>
+            </a:r>
+            <a:endParaRPr sz="1200" b="1" i="0" u="none" strike="noStrike" cap="none" dirty="0">
+              <a:solidFill>
+                <a:srgbClr val="000000"/>
+              </a:solidFill>
+              <a:latin typeface="Dosis"/>
+              <a:ea typeface="Dosis"/>
+              <a:cs typeface="Dosis"/>
+              <a:sym typeface="Dosis"/>
+            </a:endParaRPr>
+          </a:p>
+          <a:p>
+            <a:pPr marL="0" marR="0" lvl="0" indent="0" algn="l" rtl="0">
+              <a:lnSpc>
+                <a:spcPct val="100000"/>
+              </a:lnSpc>
+              <a:spcBef>
+                <a:spcPts val="0"/>
+              </a:spcBef>
+              <a:spcAft>
+                <a:spcPts val="0"/>
+              </a:spcAft>
+              <a:buClr>
+                <a:srgbClr val="000000"/>
+              </a:buClr>
+              <a:buSzPts val="1100"/>
+              <a:buFont typeface="Arial"/>
+              <a:buNone/>
+            </a:pPr>
+            <a:r>
+              <a:rPr lang="en-US" sz="1200" b="1" dirty="0">
+                <a:latin typeface="Dosis"/>
+                <a:ea typeface="Dosis"/>
+                <a:cs typeface="Dosis"/>
+                <a:sym typeface="Dosis"/>
+              </a:rPr>
+              <a:t>Email : </a:t>
+            </a:r>
+            <a:r>
+              <a:rPr lang="en-US" sz="1200" b="1" dirty="0">
+                <a:latin typeface="Dosis"/>
+                <a:ea typeface="Dosis"/>
+                <a:cs typeface="Dosis"/>
+                <a:sym typeface="Dosis"/>
+                <a:hlinkClick r:id="rId3"/>
+              </a:rPr>
+              <a:t>mcikalmerdeka@gmail.com</a:t>
+            </a:r>
+            <a:endParaRPr sz="1200" b="1" dirty="0">
+              <a:latin typeface="Dosis"/>
+              <a:ea typeface="Dosis"/>
+              <a:cs typeface="Dosis"/>
+              <a:sym typeface="Dosis"/>
+            </a:endParaRPr>
+          </a:p>
+          <a:p>
+            <a:pPr marL="0" marR="0" lvl="0" indent="0" algn="l" rtl="0">
+              <a:lnSpc>
+                <a:spcPct val="100000"/>
+              </a:lnSpc>
+              <a:spcBef>
+                <a:spcPts val="0"/>
+              </a:spcBef>
+              <a:spcAft>
+                <a:spcPts val="0"/>
+              </a:spcAft>
+              <a:buClr>
+                <a:srgbClr val="000000"/>
+              </a:buClr>
+              <a:buSzPts val="1100"/>
+              <a:buFont typeface="Arial"/>
+              <a:buNone/>
+            </a:pPr>
+            <a:r>
+              <a:rPr lang="en" sz="1200" b="1" dirty="0">
+                <a:latin typeface="Dosis"/>
+                <a:ea typeface="Dosis"/>
+                <a:cs typeface="Dosis"/>
+                <a:sym typeface="Dosis"/>
+              </a:rPr>
+              <a:t>LinkedIn : </a:t>
+            </a:r>
+            <a:r>
+              <a:rPr lang="en-ID" sz="1200" b="1" dirty="0">
+                <a:latin typeface="Dosis"/>
+                <a:ea typeface="Dosis"/>
+                <a:cs typeface="Dosis"/>
+                <a:sym typeface="Dosis"/>
+                <a:hlinkClick r:id="rId4"/>
+              </a:rPr>
+              <a:t>linkedin.com/in/</a:t>
+            </a:r>
+            <a:r>
+              <a:rPr lang="en-ID" sz="1200" b="1" dirty="0" err="1">
+                <a:latin typeface="Dosis"/>
+                <a:ea typeface="Dosis"/>
+                <a:cs typeface="Dosis"/>
+                <a:sym typeface="Dosis"/>
+                <a:hlinkClick r:id="rId4"/>
+              </a:rPr>
+              <a:t>mcikalmerdeka</a:t>
+            </a:r>
+            <a:endParaRPr lang="en" sz="1200" b="1" dirty="0">
+              <a:latin typeface="Dosis"/>
+              <a:ea typeface="Dosis"/>
+              <a:cs typeface="Dosis"/>
+              <a:sym typeface="Dosis"/>
+            </a:endParaRPr>
+          </a:p>
+          <a:p>
+            <a:pPr marL="0" marR="0" lvl="0" indent="0" algn="l" rtl="0">
+              <a:lnSpc>
+                <a:spcPct val="100000"/>
+              </a:lnSpc>
+              <a:spcBef>
+                <a:spcPts val="0"/>
+              </a:spcBef>
+              <a:spcAft>
+                <a:spcPts val="0"/>
+              </a:spcAft>
+              <a:buClr>
+                <a:srgbClr val="000000"/>
+              </a:buClr>
+              <a:buSzPts val="1100"/>
+              <a:buFont typeface="Arial"/>
+              <a:buNone/>
+            </a:pPr>
+            <a:r>
+              <a:rPr lang="en" sz="1200" b="1" dirty="0">
+                <a:latin typeface="Dosis"/>
+                <a:ea typeface="Dosis"/>
+                <a:cs typeface="Dosis"/>
+                <a:sym typeface="Dosis"/>
+              </a:rPr>
+              <a:t>Github : </a:t>
+            </a:r>
+            <a:r>
+              <a:rPr lang="en-ID" sz="1200" b="1" dirty="0">
+                <a:latin typeface="Dosis"/>
+                <a:ea typeface="Dosis"/>
+                <a:cs typeface="Dosis"/>
+                <a:sym typeface="Dosis"/>
+                <a:hlinkClick r:id="rId5"/>
+              </a:rPr>
+              <a:t>github.com/mcikalmerdeka</a:t>
+            </a:r>
+            <a:endParaRPr lang="en" sz="1200" b="1" dirty="0">
+              <a:latin typeface="Dosis"/>
+              <a:ea typeface="Dosis"/>
+              <a:cs typeface="Dosis"/>
+              <a:sym typeface="Dosis"/>
+            </a:endParaRPr>
+          </a:p>
+        </p:txBody>
+      </p:sp>
+      <p:pic>
+        <p:nvPicPr>
+          <p:cNvPr id="8" name="Google Shape;101;p25">
+            <a:extLst>
+              <a:ext uri="{FF2B5EF4-FFF2-40B4-BE49-F238E27FC236}">
+                <a16:creationId xmlns:a16="http://schemas.microsoft.com/office/drawing/2014/main" id="{663FB83B-593C-A70F-E42B-C717298BF312}"/>
+              </a:ext>
+            </a:extLst>
+          </p:cNvPr>
+          <p:cNvPicPr preferRelativeResize="0"/>
+          <p:nvPr/>
+        </p:nvPicPr>
+        <p:blipFill>
+          <a:blip r:embed="rId6"/>
+          <a:srcRect l="8110" r="8110"/>
+          <a:stretch/>
+        </p:blipFill>
+        <p:spPr>
+          <a:xfrm>
+            <a:off x="4665150" y="685600"/>
+            <a:ext cx="1218600" cy="1218600"/>
+          </a:xfrm>
+          <a:prstGeom prst="roundRect">
+            <a:avLst>
+              <a:gd name="adj" fmla="val 50000"/>
+            </a:avLst>
+          </a:prstGeom>
+          <a:noFill/>
+          <a:ln w="9525" cap="flat" cmpd="sng">
+            <a:solidFill>
+              <a:schemeClr val="dk1"/>
+            </a:solidFill>
+            <a:prstDash val="solid"/>
+            <a:round/>
+            <a:headEnd type="none" w="sm" len="sm"/>
+            <a:tailEnd type="none" w="sm" len="sm"/>
+          </a:ln>
+        </p:spPr>
+      </p:pic>
+      <p:sp>
+        <p:nvSpPr>
+          <p:cNvPr id="9" name="Google Shape;102;p25">
+            <a:extLst>
+              <a:ext uri="{FF2B5EF4-FFF2-40B4-BE49-F238E27FC236}">
+                <a16:creationId xmlns:a16="http://schemas.microsoft.com/office/drawing/2014/main" id="{05528FDA-2923-431C-CD88-8744AEEFE361}"/>
+              </a:ext>
+            </a:extLst>
+          </p:cNvPr>
+          <p:cNvSpPr txBox="1">
+            <a:spLocks/>
+          </p:cNvSpPr>
+          <p:nvPr/>
+        </p:nvSpPr>
+        <p:spPr>
+          <a:xfrm>
+            <a:off x="4665150" y="2159900"/>
+            <a:ext cx="4167000" cy="2298000"/>
+          </a:xfrm>
+          <a:prstGeom prst="rect">
+            <a:avLst/>
+          </a:prstGeom>
+          <a:noFill/>
+          <a:ln>
+            <a:noFill/>
+          </a:ln>
+        </p:spPr>
+        <p:txBody>
+          <a:bodyPr spcFirstLastPara="1" wrap="square" lIns="91425" tIns="91425" rIns="91425" bIns="91425" anchor="t" anchorCtr="0">
+            <a:noAutofit/>
+          </a:bodyPr>
+          <a:lstStyle>
+            <a:defPPr marR="0" lvl="0" algn="l" rtl="0">
+              <a:lnSpc>
+                <a:spcPct val="100000"/>
+              </a:lnSpc>
+              <a:spcBef>
+                <a:spcPts val="0"/>
+              </a:spcBef>
+              <a:spcAft>
+                <a:spcPts val="0"/>
+              </a:spcAft>
+            </a:defPPr>
+            <a:lvl1pPr marL="457200" marR="0" lvl="0" indent="-342900" algn="ctr" rtl="0">
+              <a:lnSpc>
+                <a:spcPct val="100000"/>
+              </a:lnSpc>
+              <a:spcBef>
+                <a:spcPts val="0"/>
+              </a:spcBef>
+              <a:spcAft>
+                <a:spcPts val="0"/>
+              </a:spcAft>
+              <a:buClr>
+                <a:schemeClr val="dk1"/>
+              </a:buClr>
+              <a:buSzPts val="1200"/>
+              <a:buFont typeface="Arial"/>
+              <a:buNone/>
+              <a:defRPr sz="1200" b="0" i="0" u="none" strike="noStrike" cap="none">
+                <a:solidFill>
+                  <a:schemeClr val="dk1"/>
+                </a:solidFill>
+                <a:latin typeface="Arial"/>
+                <a:ea typeface="Arial"/>
+                <a:cs typeface="Arial"/>
+                <a:sym typeface="Arial"/>
+              </a:defRPr>
+            </a:lvl1pPr>
+            <a:lvl2pPr marL="914400" marR="0" lvl="1" indent="-317500" algn="ctr" rtl="0">
+              <a:lnSpc>
+                <a:spcPct val="100000"/>
+              </a:lnSpc>
+              <a:spcBef>
+                <a:spcPts val="0"/>
+              </a:spcBef>
+              <a:spcAft>
+                <a:spcPts val="0"/>
+              </a:spcAft>
+              <a:buClr>
+                <a:schemeClr val="dk1"/>
+              </a:buClr>
+              <a:buSzPts val="1200"/>
+              <a:buFont typeface="Arial"/>
+              <a:buNone/>
+              <a:defRPr sz="1200" b="0" i="0" u="none" strike="noStrike" cap="none">
+                <a:solidFill>
+                  <a:schemeClr val="dk1"/>
+                </a:solidFill>
+                <a:latin typeface="Arial"/>
+                <a:ea typeface="Arial"/>
+                <a:cs typeface="Arial"/>
+                <a:sym typeface="Arial"/>
+              </a:defRPr>
+            </a:lvl2pPr>
+            <a:lvl3pPr marL="1371600" marR="0" lvl="2" indent="-317500" algn="ctr" rtl="0">
+              <a:lnSpc>
+                <a:spcPct val="100000"/>
+              </a:lnSpc>
+              <a:spcBef>
+                <a:spcPts val="0"/>
+              </a:spcBef>
+              <a:spcAft>
+                <a:spcPts val="0"/>
+              </a:spcAft>
+              <a:buClr>
+                <a:schemeClr val="dk1"/>
+              </a:buClr>
+              <a:buSzPts val="1200"/>
+              <a:buFont typeface="Arial"/>
+              <a:buNone/>
+              <a:defRPr sz="1200" b="0" i="0" u="none" strike="noStrike" cap="none">
+                <a:solidFill>
+                  <a:schemeClr val="dk1"/>
+                </a:solidFill>
+                <a:latin typeface="Arial"/>
+                <a:ea typeface="Arial"/>
+                <a:cs typeface="Arial"/>
+                <a:sym typeface="Arial"/>
+              </a:defRPr>
+            </a:lvl3pPr>
+            <a:lvl4pPr marL="1828800" marR="0" lvl="3" indent="-317500" algn="ctr" rtl="0">
+              <a:lnSpc>
+                <a:spcPct val="100000"/>
+              </a:lnSpc>
+              <a:spcBef>
+                <a:spcPts val="0"/>
+              </a:spcBef>
+              <a:spcAft>
+                <a:spcPts val="0"/>
+              </a:spcAft>
+              <a:buClr>
+                <a:schemeClr val="dk1"/>
+              </a:buClr>
+              <a:buSzPts val="1200"/>
+              <a:buFont typeface="Arial"/>
+              <a:buNone/>
+              <a:defRPr sz="1200" b="0" i="0" u="none" strike="noStrike" cap="none">
+                <a:solidFill>
+                  <a:schemeClr val="dk1"/>
+                </a:solidFill>
+                <a:latin typeface="Arial"/>
+                <a:ea typeface="Arial"/>
+                <a:cs typeface="Arial"/>
+                <a:sym typeface="Arial"/>
+              </a:defRPr>
+            </a:lvl4pPr>
+            <a:lvl5pPr marL="2286000" marR="0" lvl="4" indent="-317500" algn="ctr" rtl="0">
+              <a:lnSpc>
+                <a:spcPct val="100000"/>
+              </a:lnSpc>
+              <a:spcBef>
+                <a:spcPts val="0"/>
+              </a:spcBef>
+              <a:spcAft>
+                <a:spcPts val="0"/>
+              </a:spcAft>
+              <a:buClr>
+                <a:schemeClr val="dk1"/>
+              </a:buClr>
+              <a:buSzPts val="1200"/>
+              <a:buFont typeface="Arial"/>
+              <a:buNone/>
+              <a:defRPr sz="1200" b="0" i="0" u="none" strike="noStrike" cap="none">
+                <a:solidFill>
+                  <a:schemeClr val="dk1"/>
+                </a:solidFill>
+                <a:latin typeface="Arial"/>
+                <a:ea typeface="Arial"/>
+                <a:cs typeface="Arial"/>
+                <a:sym typeface="Arial"/>
+              </a:defRPr>
+            </a:lvl5pPr>
+            <a:lvl6pPr marL="2743200" marR="0" lvl="5" indent="-317500" algn="ctr" rtl="0">
+              <a:lnSpc>
+                <a:spcPct val="100000"/>
+              </a:lnSpc>
+              <a:spcBef>
+                <a:spcPts val="0"/>
+              </a:spcBef>
+              <a:spcAft>
+                <a:spcPts val="0"/>
+              </a:spcAft>
+              <a:buClr>
+                <a:schemeClr val="dk1"/>
+              </a:buClr>
+              <a:buSzPts val="1200"/>
+              <a:buFont typeface="Arial"/>
+              <a:buNone/>
+              <a:defRPr sz="1200" b="0" i="0" u="none" strike="noStrike" cap="none">
+                <a:solidFill>
+                  <a:schemeClr val="dk1"/>
+                </a:solidFill>
+                <a:latin typeface="Arial"/>
+                <a:ea typeface="Arial"/>
+                <a:cs typeface="Arial"/>
+                <a:sym typeface="Arial"/>
+              </a:defRPr>
+            </a:lvl6pPr>
+            <a:lvl7pPr marL="3200400" marR="0" lvl="6" indent="-317500" algn="ctr" rtl="0">
+              <a:lnSpc>
+                <a:spcPct val="100000"/>
+              </a:lnSpc>
+              <a:spcBef>
+                <a:spcPts val="0"/>
+              </a:spcBef>
+              <a:spcAft>
+                <a:spcPts val="0"/>
+              </a:spcAft>
+              <a:buClr>
+                <a:schemeClr val="dk1"/>
+              </a:buClr>
+              <a:buSzPts val="1200"/>
+              <a:buFont typeface="Arial"/>
+              <a:buNone/>
+              <a:defRPr sz="1200" b="0" i="0" u="none" strike="noStrike" cap="none">
+                <a:solidFill>
+                  <a:schemeClr val="dk1"/>
+                </a:solidFill>
+                <a:latin typeface="Arial"/>
+                <a:ea typeface="Arial"/>
+                <a:cs typeface="Arial"/>
+                <a:sym typeface="Arial"/>
+              </a:defRPr>
+            </a:lvl7pPr>
+            <a:lvl8pPr marL="3657600" marR="0" lvl="7" indent="-317500" algn="ctr" rtl="0">
+              <a:lnSpc>
+                <a:spcPct val="100000"/>
+              </a:lnSpc>
+              <a:spcBef>
+                <a:spcPts val="0"/>
+              </a:spcBef>
+              <a:spcAft>
+                <a:spcPts val="0"/>
+              </a:spcAft>
+              <a:buClr>
+                <a:schemeClr val="dk1"/>
+              </a:buClr>
+              <a:buSzPts val="1200"/>
+              <a:buFont typeface="Arial"/>
+              <a:buNone/>
+              <a:defRPr sz="1200" b="0" i="0" u="none" strike="noStrike" cap="none">
+                <a:solidFill>
+                  <a:schemeClr val="dk1"/>
+                </a:solidFill>
+                <a:latin typeface="Arial"/>
+                <a:ea typeface="Arial"/>
+                <a:cs typeface="Arial"/>
+                <a:sym typeface="Arial"/>
+              </a:defRPr>
+            </a:lvl8pPr>
+            <a:lvl9pPr marL="4114800" marR="0" lvl="8" indent="-317500" algn="ctr" rtl="0">
+              <a:lnSpc>
+                <a:spcPct val="100000"/>
+              </a:lnSpc>
+              <a:spcBef>
+                <a:spcPts val="0"/>
+              </a:spcBef>
+              <a:spcAft>
+                <a:spcPts val="0"/>
+              </a:spcAft>
+              <a:buClr>
+                <a:schemeClr val="dk1"/>
+              </a:buClr>
+              <a:buSzPts val="1200"/>
+              <a:buFont typeface="Arial"/>
+              <a:buNone/>
+              <a:defRPr sz="1200" b="0" i="0" u="none" strike="noStrike" cap="none">
+                <a:solidFill>
+                  <a:schemeClr val="dk1"/>
+                </a:solidFill>
+                <a:latin typeface="Arial"/>
+                <a:ea typeface="Arial"/>
+                <a:cs typeface="Arial"/>
+                <a:sym typeface="Arial"/>
+              </a:defRPr>
+            </a:lvl9pPr>
+          </a:lstStyle>
+          <a:p>
+            <a:pPr marL="0" indent="0" algn="just">
+              <a:lnSpc>
+                <a:spcPct val="95000"/>
+              </a:lnSpc>
+              <a:spcAft>
+                <a:spcPts val="1200"/>
+              </a:spcAft>
+              <a:buSzPts val="1018"/>
+            </a:pPr>
+            <a:r>
+              <a:rPr lang="en-US" sz="1400" dirty="0">
+                <a:latin typeface="Dosis" pitchFamily="2" charset="0"/>
+              </a:rPr>
+              <a:t>Dedicated entry-level data scientist with analytical and experimental background of Physics. My graduation 2023, a pivotal year marked by significant advancements in artificial intelligence with the introduction of GPT-4 and other generative AI models, has fueled my curiosity and excitement to delve into the field of data. I have comprehensive grasp of data science methodology from business understanding to modelling process with proficiency in </a:t>
+            </a:r>
+            <a:r>
+              <a:rPr lang="en-US" sz="1400" b="1" dirty="0">
+                <a:latin typeface="Dosis" pitchFamily="2" charset="0"/>
+              </a:rPr>
+              <a:t>Python, SQL, Tableau, Power BI, Looker Studio and other tools</a:t>
+            </a:r>
+            <a:r>
+              <a:rPr lang="en-US" sz="1400" dirty="0">
+                <a:latin typeface="Dosis" pitchFamily="2" charset="0"/>
+              </a:rPr>
+              <a:t> related to data analytics workflow from several coursework and bootcamps. </a:t>
+            </a:r>
+            <a:endParaRPr lang="en-ID" sz="1400" dirty="0">
+              <a:latin typeface="Dosis" pitchFamily="2" charset="0"/>
+            </a:endParaRPr>
+          </a:p>
+        </p:txBody>
+      </p:sp>
+    </p:spTree>
+  </p:cSld>
+  <p:clrMapOvr>
+    <a:masterClrMapping/>
+  </p:clrMapOvr>
+</p:sld>
+</file>
+
+<file path=ppt/slides/slide2.xml><?xml version="1.0" encoding="utf-8"?>
+<p:sld xmlns:a="http://schemas.openxmlformats.org/drawingml/2006/main" xmlns:r="http://schemas.openxmlformats.org/officeDocument/2006/relationships" xmlns:p="http://schemas.openxmlformats.org/presentationml/2006/main">
+  <p:cSld>
+    <p:spTree>
+      <p:nvGrpSpPr>
+        <p:cNvPr id="1" name="Shape 53"/>
         <p:cNvGrpSpPr/>
         <p:nvPr/>
       </p:nvGrpSpPr>
@@ -5681,7 +6812,9 @@
       <p:sp>
         <p:nvSpPr>
           <p:cNvPr id="54" name="Google Shape;54;p13"/>
-          <p:cNvSpPr txBox="1"/>
+          <p:cNvSpPr txBox="1">
+            <a:spLocks noGrp="1"/>
+          </p:cNvSpPr>
           <p:nvPr>
             <p:ph type="title"/>
           </p:nvPr>
@@ -5696,12 +6829,12 @@
           </a:prstGeom>
         </p:spPr>
         <p:txBody>
-          <a:bodyPr anchorCtr="0" anchor="t" bIns="91425" lIns="91425" spcFirstLastPara="1" rIns="91425" wrap="square" tIns="91425">
+          <a:bodyPr spcFirstLastPara="1" wrap="square" lIns="91425" tIns="91425" rIns="91425" bIns="91425" anchor="t" anchorCtr="0">
             <a:noAutofit/>
           </a:bodyPr>
           <a:lstStyle/>
           <a:p>
-            <a:pPr indent="0" lvl="0" marL="0" rtl="0" algn="ctr">
+            <a:pPr marL="0" lvl="0" indent="0" algn="ctr" rtl="0">
               <a:spcBef>
                 <a:spcPts val="0"/>
               </a:spcBef>
@@ -5712,7 +6845,7 @@
               <a:buNone/>
             </a:pPr>
             <a:r>
-              <a:rPr b="1" lang="en" sz="1798">
+              <a:rPr lang="en" sz="1798" b="1">
                 <a:latin typeface="Roboto"/>
                 <a:ea typeface="Roboto"/>
                 <a:cs typeface="Roboto"/>
@@ -5734,114 +6867,22 @@
       </p:sp>
       <p:sp>
         <p:nvSpPr>
-          <p:cNvPr id="55" name="Google Shape;55;p13"/>
-          <p:cNvSpPr txBox="1"/>
-          <p:nvPr>
-            <p:ph idx="1" type="body"/>
-          </p:nvPr>
-        </p:nvSpPr>
-        <p:spPr>
-          <a:xfrm>
-            <a:off x="311700" y="823775"/>
-            <a:ext cx="8520600" cy="4098600"/>
-          </a:xfrm>
-          <a:prstGeom prst="rect">
-            <a:avLst/>
-          </a:prstGeom>
-        </p:spPr>
-        <p:txBody>
-          <a:bodyPr anchorCtr="0" anchor="t" bIns="91425" lIns="91425" spcFirstLastPara="1" rIns="91425" wrap="square" tIns="91425">
-            <a:normAutofit/>
-          </a:bodyPr>
-          <a:lstStyle/>
-          <a:p>
-            <a:pPr indent="-323850" lvl="0" marL="457200" rtl="0" algn="l">
-              <a:spcBef>
-                <a:spcPts val="0"/>
-              </a:spcBef>
-              <a:spcAft>
-                <a:spcPts val="0"/>
-              </a:spcAft>
-              <a:buClr>
-                <a:schemeClr val="dk1"/>
-              </a:buClr>
-              <a:buSzPts val="1500"/>
-              <a:buChar char="●"/>
-            </a:pPr>
-            <a:r>
-              <a:rPr lang="en" sz="1500">
-                <a:solidFill>
-                  <a:schemeClr val="dk1"/>
-                </a:solidFill>
-              </a:rPr>
-              <a:t>Tunjukan visualisasi </a:t>
-            </a:r>
-            <a:r>
-              <a:rPr b="1" i="1" lang="en" sz="1500">
-                <a:solidFill>
-                  <a:schemeClr val="dk1"/>
-                </a:solidFill>
-              </a:rPr>
-              <a:t>Elbow Method</a:t>
-            </a:r>
-            <a:r>
-              <a:rPr lang="en" sz="1500">
-                <a:solidFill>
-                  <a:schemeClr val="dk1"/>
-                </a:solidFill>
-              </a:rPr>
-              <a:t> menggunakan </a:t>
-            </a:r>
-            <a:r>
-              <a:rPr b="1" i="1" lang="en" sz="1500">
-                <a:solidFill>
-                  <a:schemeClr val="dk1"/>
-                </a:solidFill>
-              </a:rPr>
-              <a:t>K-Means Clustering</a:t>
-            </a:r>
-            <a:r>
-              <a:rPr lang="en" sz="1500">
-                <a:solidFill>
-                  <a:schemeClr val="dk1"/>
-                </a:solidFill>
-              </a:rPr>
-              <a:t> dan hasil evaluasinya menggunakan </a:t>
-            </a:r>
-            <a:r>
-              <a:rPr b="1" i="1" lang="en" sz="1500">
-                <a:solidFill>
-                  <a:schemeClr val="dk1"/>
-                </a:solidFill>
-              </a:rPr>
-              <a:t>Silhouette Score</a:t>
-            </a:r>
-            <a:r>
-              <a:rPr lang="en" sz="1500">
-                <a:solidFill>
-                  <a:schemeClr val="dk1"/>
-                </a:solidFill>
-              </a:rPr>
-              <a:t>, serta buatkan lah hasil interpretasinya.</a:t>
-            </a:r>
-            <a:endParaRPr sz="1500">
-              <a:solidFill>
-                <a:schemeClr val="dk1"/>
-              </a:solidFill>
-            </a:endParaRPr>
-          </a:p>
-        </p:txBody>
-      </p:sp>
-      <p:sp>
-        <p:nvSpPr>
-          <p:cNvPr id="56" name="Google Shape;56;p13"/>
-          <p:cNvSpPr txBox="1"/>
+          <p:cNvPr id="6" name="Google Shape;55;p13">
+            <a:extLst>
+              <a:ext uri="{FF2B5EF4-FFF2-40B4-BE49-F238E27FC236}">
+                <a16:creationId xmlns:a16="http://schemas.microsoft.com/office/drawing/2014/main" id="{E7D1B0EB-1107-11F3-21B9-33A6BE5489DD}"/>
+              </a:ext>
+            </a:extLst>
+          </p:cNvPr>
+          <p:cNvSpPr txBox="1">
+            <a:spLocks/>
+          </p:cNvSpPr>
           <p:nvPr/>
         </p:nvSpPr>
         <p:spPr>
           <a:xfrm>
-            <a:off x="4656000" y="4772700"/>
-            <a:ext cx="4488000" cy="354000"/>
+            <a:off x="177315" y="603429"/>
+            <a:ext cx="8779649" cy="442590"/>
           </a:xfrm>
           <a:prstGeom prst="rect">
             <a:avLst/>
@@ -5852,12 +6893,536 @@
           </a:ln>
         </p:spPr>
         <p:txBody>
-          <a:bodyPr anchorCtr="0" anchor="t" bIns="91425" lIns="91425" spcFirstLastPara="1" rIns="91425" wrap="square" tIns="91425">
+          <a:bodyPr spcFirstLastPara="1" wrap="square" lIns="91425" tIns="91425" rIns="91425" bIns="91425" anchor="t" anchorCtr="0">
+            <a:noAutofit/>
+          </a:bodyPr>
+          <a:lstStyle>
+            <a:defPPr marR="0" lvl="0" algn="l" rtl="0">
+              <a:lnSpc>
+                <a:spcPct val="100000"/>
+              </a:lnSpc>
+              <a:spcBef>
+                <a:spcPts val="0"/>
+              </a:spcBef>
+              <a:spcAft>
+                <a:spcPts val="0"/>
+              </a:spcAft>
+            </a:defPPr>
+            <a:lvl1pPr marL="457200" marR="0" lvl="0" indent="-342900" algn="l" rtl="0">
+              <a:lnSpc>
+                <a:spcPct val="115000"/>
+              </a:lnSpc>
+              <a:spcBef>
+                <a:spcPts val="0"/>
+              </a:spcBef>
+              <a:spcAft>
+                <a:spcPts val="0"/>
+              </a:spcAft>
+              <a:buClr>
+                <a:schemeClr val="dk2"/>
+              </a:buClr>
+              <a:buSzPts val="1800"/>
+              <a:buFont typeface="Arial"/>
+              <a:buChar char="●"/>
+              <a:defRPr sz="1800" b="0" i="0" u="none" strike="noStrike" cap="none">
+                <a:solidFill>
+                  <a:schemeClr val="dk2"/>
+                </a:solidFill>
+                <a:latin typeface="Arial"/>
+                <a:ea typeface="Arial"/>
+                <a:cs typeface="Arial"/>
+                <a:sym typeface="Arial"/>
+              </a:defRPr>
+            </a:lvl1pPr>
+            <a:lvl2pPr marL="914400" marR="0" lvl="1" indent="-317500" algn="l" rtl="0">
+              <a:lnSpc>
+                <a:spcPct val="115000"/>
+              </a:lnSpc>
+              <a:spcBef>
+                <a:spcPts val="0"/>
+              </a:spcBef>
+              <a:spcAft>
+                <a:spcPts val="0"/>
+              </a:spcAft>
+              <a:buClr>
+                <a:schemeClr val="dk2"/>
+              </a:buClr>
+              <a:buSzPts val="1400"/>
+              <a:buFont typeface="Arial"/>
+              <a:buChar char="○"/>
+              <a:defRPr sz="1400" b="0" i="0" u="none" strike="noStrike" cap="none">
+                <a:solidFill>
+                  <a:schemeClr val="dk2"/>
+                </a:solidFill>
+                <a:latin typeface="Arial"/>
+                <a:ea typeface="Arial"/>
+                <a:cs typeface="Arial"/>
+                <a:sym typeface="Arial"/>
+              </a:defRPr>
+            </a:lvl2pPr>
+            <a:lvl3pPr marL="1371600" marR="0" lvl="2" indent="-317500" algn="l" rtl="0">
+              <a:lnSpc>
+                <a:spcPct val="115000"/>
+              </a:lnSpc>
+              <a:spcBef>
+                <a:spcPts val="0"/>
+              </a:spcBef>
+              <a:spcAft>
+                <a:spcPts val="0"/>
+              </a:spcAft>
+              <a:buClr>
+                <a:schemeClr val="dk2"/>
+              </a:buClr>
+              <a:buSzPts val="1400"/>
+              <a:buFont typeface="Arial"/>
+              <a:buChar char="■"/>
+              <a:defRPr sz="1400" b="0" i="0" u="none" strike="noStrike" cap="none">
+                <a:solidFill>
+                  <a:schemeClr val="dk2"/>
+                </a:solidFill>
+                <a:latin typeface="Arial"/>
+                <a:ea typeface="Arial"/>
+                <a:cs typeface="Arial"/>
+                <a:sym typeface="Arial"/>
+              </a:defRPr>
+            </a:lvl3pPr>
+            <a:lvl4pPr marL="1828800" marR="0" lvl="3" indent="-317500" algn="l" rtl="0">
+              <a:lnSpc>
+                <a:spcPct val="115000"/>
+              </a:lnSpc>
+              <a:spcBef>
+                <a:spcPts val="0"/>
+              </a:spcBef>
+              <a:spcAft>
+                <a:spcPts val="0"/>
+              </a:spcAft>
+              <a:buClr>
+                <a:schemeClr val="dk2"/>
+              </a:buClr>
+              <a:buSzPts val="1400"/>
+              <a:buFont typeface="Arial"/>
+              <a:buChar char="●"/>
+              <a:defRPr sz="1400" b="0" i="0" u="none" strike="noStrike" cap="none">
+                <a:solidFill>
+                  <a:schemeClr val="dk2"/>
+                </a:solidFill>
+                <a:latin typeface="Arial"/>
+                <a:ea typeface="Arial"/>
+                <a:cs typeface="Arial"/>
+                <a:sym typeface="Arial"/>
+              </a:defRPr>
+            </a:lvl4pPr>
+            <a:lvl5pPr marL="2286000" marR="0" lvl="4" indent="-317500" algn="l" rtl="0">
+              <a:lnSpc>
+                <a:spcPct val="115000"/>
+              </a:lnSpc>
+              <a:spcBef>
+                <a:spcPts val="0"/>
+              </a:spcBef>
+              <a:spcAft>
+                <a:spcPts val="0"/>
+              </a:spcAft>
+              <a:buClr>
+                <a:schemeClr val="dk2"/>
+              </a:buClr>
+              <a:buSzPts val="1400"/>
+              <a:buFont typeface="Arial"/>
+              <a:buChar char="○"/>
+              <a:defRPr sz="1400" b="0" i="0" u="none" strike="noStrike" cap="none">
+                <a:solidFill>
+                  <a:schemeClr val="dk2"/>
+                </a:solidFill>
+                <a:latin typeface="Arial"/>
+                <a:ea typeface="Arial"/>
+                <a:cs typeface="Arial"/>
+                <a:sym typeface="Arial"/>
+              </a:defRPr>
+            </a:lvl5pPr>
+            <a:lvl6pPr marL="2743200" marR="0" lvl="5" indent="-317500" algn="l" rtl="0">
+              <a:lnSpc>
+                <a:spcPct val="115000"/>
+              </a:lnSpc>
+              <a:spcBef>
+                <a:spcPts val="0"/>
+              </a:spcBef>
+              <a:spcAft>
+                <a:spcPts val="0"/>
+              </a:spcAft>
+              <a:buClr>
+                <a:schemeClr val="dk2"/>
+              </a:buClr>
+              <a:buSzPts val="1400"/>
+              <a:buFont typeface="Arial"/>
+              <a:buChar char="■"/>
+              <a:defRPr sz="1400" b="0" i="0" u="none" strike="noStrike" cap="none">
+                <a:solidFill>
+                  <a:schemeClr val="dk2"/>
+                </a:solidFill>
+                <a:latin typeface="Arial"/>
+                <a:ea typeface="Arial"/>
+                <a:cs typeface="Arial"/>
+                <a:sym typeface="Arial"/>
+              </a:defRPr>
+            </a:lvl6pPr>
+            <a:lvl7pPr marL="3200400" marR="0" lvl="6" indent="-317500" algn="l" rtl="0">
+              <a:lnSpc>
+                <a:spcPct val="115000"/>
+              </a:lnSpc>
+              <a:spcBef>
+                <a:spcPts val="0"/>
+              </a:spcBef>
+              <a:spcAft>
+                <a:spcPts val="0"/>
+              </a:spcAft>
+              <a:buClr>
+                <a:schemeClr val="dk2"/>
+              </a:buClr>
+              <a:buSzPts val="1400"/>
+              <a:buFont typeface="Arial"/>
+              <a:buChar char="●"/>
+              <a:defRPr sz="1400" b="0" i="0" u="none" strike="noStrike" cap="none">
+                <a:solidFill>
+                  <a:schemeClr val="dk2"/>
+                </a:solidFill>
+                <a:latin typeface="Arial"/>
+                <a:ea typeface="Arial"/>
+                <a:cs typeface="Arial"/>
+                <a:sym typeface="Arial"/>
+              </a:defRPr>
+            </a:lvl7pPr>
+            <a:lvl8pPr marL="3657600" marR="0" lvl="7" indent="-317500" algn="l" rtl="0">
+              <a:lnSpc>
+                <a:spcPct val="115000"/>
+              </a:lnSpc>
+              <a:spcBef>
+                <a:spcPts val="0"/>
+              </a:spcBef>
+              <a:spcAft>
+                <a:spcPts val="0"/>
+              </a:spcAft>
+              <a:buClr>
+                <a:schemeClr val="dk2"/>
+              </a:buClr>
+              <a:buSzPts val="1400"/>
+              <a:buFont typeface="Arial"/>
+              <a:buChar char="○"/>
+              <a:defRPr sz="1400" b="0" i="0" u="none" strike="noStrike" cap="none">
+                <a:solidFill>
+                  <a:schemeClr val="dk2"/>
+                </a:solidFill>
+                <a:latin typeface="Arial"/>
+                <a:ea typeface="Arial"/>
+                <a:cs typeface="Arial"/>
+                <a:sym typeface="Arial"/>
+              </a:defRPr>
+            </a:lvl8pPr>
+            <a:lvl9pPr marL="4114800" marR="0" lvl="8" indent="-317500" algn="l" rtl="0">
+              <a:lnSpc>
+                <a:spcPct val="115000"/>
+              </a:lnSpc>
+              <a:spcBef>
+                <a:spcPts val="0"/>
+              </a:spcBef>
+              <a:spcAft>
+                <a:spcPts val="0"/>
+              </a:spcAft>
+              <a:buClr>
+                <a:schemeClr val="dk2"/>
+              </a:buClr>
+              <a:buSzPts val="1400"/>
+              <a:buFont typeface="Arial"/>
+              <a:buChar char="■"/>
+              <a:defRPr sz="1400" b="0" i="0" u="none" strike="noStrike" cap="none">
+                <a:solidFill>
+                  <a:schemeClr val="dk2"/>
+                </a:solidFill>
+                <a:latin typeface="Arial"/>
+                <a:ea typeface="Arial"/>
+                <a:cs typeface="Arial"/>
+                <a:sym typeface="Arial"/>
+              </a:defRPr>
+            </a:lvl9pPr>
+          </a:lstStyle>
+          <a:p>
+            <a:pPr marL="114300" indent="0">
+              <a:buNone/>
+            </a:pPr>
+            <a:r>
+              <a:rPr lang="en-US" sz="1400" b="1" dirty="0">
+                <a:solidFill>
+                  <a:schemeClr val="dk1"/>
+                </a:solidFill>
+              </a:rPr>
+              <a:t>Initial Transformation with PCA Method (Optional)</a:t>
+            </a:r>
+          </a:p>
+        </p:txBody>
+      </p:sp>
+      <p:sp>
+        <p:nvSpPr>
+          <p:cNvPr id="7" name="TextBox 6">
+            <a:extLst>
+              <a:ext uri="{FF2B5EF4-FFF2-40B4-BE49-F238E27FC236}">
+                <a16:creationId xmlns:a16="http://schemas.microsoft.com/office/drawing/2014/main" id="{45B2656F-CC26-CBE8-ADBD-BDEDA85A70BC}"/>
+              </a:ext>
+            </a:extLst>
+          </p:cNvPr>
+          <p:cNvSpPr txBox="1"/>
+          <p:nvPr/>
+        </p:nvSpPr>
+        <p:spPr>
+          <a:xfrm>
+            <a:off x="293410" y="1046019"/>
+            <a:ext cx="8663554" cy="523220"/>
+          </a:xfrm>
+          <a:prstGeom prst="rect">
+            <a:avLst/>
+          </a:prstGeom>
+          <a:noFill/>
+        </p:spPr>
+        <p:txBody>
+          <a:bodyPr wrap="square" rtlCol="0">
             <a:spAutoFit/>
           </a:bodyPr>
           <a:lstStyle/>
           <a:p>
-            <a:pPr indent="0" lvl="0" marL="0" rtl="0" algn="r">
+            <a:r>
+              <a:rPr lang="en-US" dirty="0">
+                <a:latin typeface="Dosis" pitchFamily="2" charset="0"/>
+              </a:rPr>
+              <a:t>Before we evaluate how many cluster should we make, in this case since we still have a large number of features because we didn’t do the feature selection process, we need to reduce the amount of features into 2 with PCA first.</a:t>
+            </a:r>
+          </a:p>
+        </p:txBody>
+      </p:sp>
+      <p:pic>
+        <p:nvPicPr>
+          <p:cNvPr id="3" name="Picture 2">
+            <a:extLst>
+              <a:ext uri="{FF2B5EF4-FFF2-40B4-BE49-F238E27FC236}">
+                <a16:creationId xmlns:a16="http://schemas.microsoft.com/office/drawing/2014/main" id="{09885501-FA30-98FE-D34B-7662DB7CC65F}"/>
+              </a:ext>
+            </a:extLst>
+          </p:cNvPr>
+          <p:cNvPicPr>
+            <a:picLocks noChangeAspect="1"/>
+          </p:cNvPicPr>
+          <p:nvPr/>
+        </p:nvPicPr>
+        <p:blipFill>
+          <a:blip r:embed="rId3"/>
+          <a:stretch>
+            <a:fillRect/>
+          </a:stretch>
+        </p:blipFill>
+        <p:spPr>
+          <a:xfrm>
+            <a:off x="6490854" y="2214047"/>
+            <a:ext cx="1782612" cy="2859068"/>
+          </a:xfrm>
+          <a:prstGeom prst="rect">
+            <a:avLst/>
+          </a:prstGeom>
+        </p:spPr>
+      </p:pic>
+      <p:pic>
+        <p:nvPicPr>
+          <p:cNvPr id="5" name="Picture 4">
+            <a:extLst>
+              <a:ext uri="{FF2B5EF4-FFF2-40B4-BE49-F238E27FC236}">
+                <a16:creationId xmlns:a16="http://schemas.microsoft.com/office/drawing/2014/main" id="{A8F91D23-7ECE-7654-7466-8CD67B2A1FE4}"/>
+              </a:ext>
+            </a:extLst>
+          </p:cNvPr>
+          <p:cNvPicPr>
+            <a:picLocks noChangeAspect="1"/>
+          </p:cNvPicPr>
+          <p:nvPr/>
+        </p:nvPicPr>
+        <p:blipFill>
+          <a:blip r:embed="rId4"/>
+          <a:stretch>
+            <a:fillRect/>
+          </a:stretch>
+        </p:blipFill>
+        <p:spPr>
+          <a:xfrm>
+            <a:off x="500606" y="1753102"/>
+            <a:ext cx="2994776" cy="1089009"/>
+          </a:xfrm>
+          <a:prstGeom prst="rect">
+            <a:avLst/>
+          </a:prstGeom>
+        </p:spPr>
+      </p:pic>
+      <p:sp>
+        <p:nvSpPr>
+          <p:cNvPr id="8" name="TextBox 7">
+            <a:extLst>
+              <a:ext uri="{FF2B5EF4-FFF2-40B4-BE49-F238E27FC236}">
+                <a16:creationId xmlns:a16="http://schemas.microsoft.com/office/drawing/2014/main" id="{98DAAC6F-80BD-9C32-6F88-1C1C47C95A3F}"/>
+              </a:ext>
+            </a:extLst>
+          </p:cNvPr>
+          <p:cNvSpPr txBox="1"/>
+          <p:nvPr/>
+        </p:nvSpPr>
+        <p:spPr>
+          <a:xfrm>
+            <a:off x="2366333" y="3640393"/>
+            <a:ext cx="4062176" cy="523220"/>
+          </a:xfrm>
+          <a:prstGeom prst="rect">
+            <a:avLst/>
+          </a:prstGeom>
+          <a:noFill/>
+        </p:spPr>
+        <p:txBody>
+          <a:bodyPr wrap="square" rtlCol="0">
+            <a:spAutoFit/>
+          </a:bodyPr>
+          <a:lstStyle/>
+          <a:p>
+            <a:pPr algn="r"/>
+            <a:r>
+              <a:rPr lang="en-US" dirty="0">
+                <a:latin typeface="Dosis" pitchFamily="2" charset="0"/>
+              </a:rPr>
+              <a:t>The preprocessed </a:t>
+            </a:r>
+            <a:r>
+              <a:rPr lang="en-US" dirty="0" err="1">
+                <a:latin typeface="Dosis" pitchFamily="2" charset="0"/>
+              </a:rPr>
+              <a:t>dataframe</a:t>
+            </a:r>
+            <a:r>
+              <a:rPr lang="en-US" dirty="0">
+                <a:latin typeface="Dosis" pitchFamily="2" charset="0"/>
+              </a:rPr>
+              <a:t> that contains 39 features is condensed into 2 features.</a:t>
+            </a:r>
+          </a:p>
+        </p:txBody>
+      </p:sp>
+      <p:sp>
+        <p:nvSpPr>
+          <p:cNvPr id="9" name="TextBox 8">
+            <a:extLst>
+              <a:ext uri="{FF2B5EF4-FFF2-40B4-BE49-F238E27FC236}">
+                <a16:creationId xmlns:a16="http://schemas.microsoft.com/office/drawing/2014/main" id="{B485A4E9-7766-A283-6717-1ECE97EC8F6B}"/>
+              </a:ext>
+            </a:extLst>
+          </p:cNvPr>
+          <p:cNvSpPr txBox="1"/>
+          <p:nvPr/>
+        </p:nvSpPr>
+        <p:spPr>
+          <a:xfrm>
+            <a:off x="3518993" y="2011829"/>
+            <a:ext cx="1549441" cy="523220"/>
+          </a:xfrm>
+          <a:prstGeom prst="rect">
+            <a:avLst/>
+          </a:prstGeom>
+          <a:noFill/>
+        </p:spPr>
+        <p:txBody>
+          <a:bodyPr wrap="square" rtlCol="0">
+            <a:spAutoFit/>
+          </a:bodyPr>
+          <a:lstStyle/>
+          <a:p>
+            <a:r>
+              <a:rPr lang="en-US" b="1" dirty="0">
+                <a:solidFill>
+                  <a:schemeClr val="tx1"/>
+                </a:solidFill>
+              </a:rPr>
+              <a:t>PCA Implementation</a:t>
+            </a:r>
+          </a:p>
+        </p:txBody>
+      </p:sp>
+      <p:sp>
+        <p:nvSpPr>
+          <p:cNvPr id="10" name="TextBox 9">
+            <a:extLst>
+              <a:ext uri="{FF2B5EF4-FFF2-40B4-BE49-F238E27FC236}">
+                <a16:creationId xmlns:a16="http://schemas.microsoft.com/office/drawing/2014/main" id="{93B29747-4200-4237-0134-482D66E703FF}"/>
+              </a:ext>
+            </a:extLst>
+          </p:cNvPr>
+          <p:cNvSpPr txBox="1"/>
+          <p:nvPr/>
+        </p:nvSpPr>
+        <p:spPr>
+          <a:xfrm>
+            <a:off x="5310889" y="3117173"/>
+            <a:ext cx="1380856" cy="523220"/>
+          </a:xfrm>
+          <a:prstGeom prst="rect">
+            <a:avLst/>
+          </a:prstGeom>
+          <a:noFill/>
+        </p:spPr>
+        <p:txBody>
+          <a:bodyPr wrap="square" rtlCol="0">
+            <a:spAutoFit/>
+          </a:bodyPr>
+          <a:lstStyle/>
+          <a:p>
+            <a:r>
+              <a:rPr lang="en-US" b="1" dirty="0" err="1">
+                <a:solidFill>
+                  <a:schemeClr val="tx1"/>
+                </a:solidFill>
+              </a:rPr>
+              <a:t>Dataframe</a:t>
+            </a:r>
+            <a:r>
+              <a:rPr lang="en-US" b="1" dirty="0">
+                <a:solidFill>
+                  <a:schemeClr val="tx1"/>
+                </a:solidFill>
+              </a:rPr>
+              <a:t> After PCA</a:t>
+            </a:r>
+          </a:p>
+        </p:txBody>
+      </p:sp>
+      <p:sp>
+        <p:nvSpPr>
+          <p:cNvPr id="11" name="Google Shape;115;p27">
+            <a:extLst>
+              <a:ext uri="{FF2B5EF4-FFF2-40B4-BE49-F238E27FC236}">
+                <a16:creationId xmlns:a16="http://schemas.microsoft.com/office/drawing/2014/main" id="{ECDC2325-73E7-0506-1596-1671A40B0B10}"/>
+              </a:ext>
+            </a:extLst>
+          </p:cNvPr>
+          <p:cNvSpPr txBox="1"/>
+          <p:nvPr/>
+        </p:nvSpPr>
+        <p:spPr>
+          <a:xfrm>
+            <a:off x="-705709" y="4772700"/>
+            <a:ext cx="4488000" cy="353913"/>
+          </a:xfrm>
+          <a:prstGeom prst="rect">
+            <a:avLst/>
+          </a:prstGeom>
+          <a:noFill/>
+          <a:ln>
+            <a:noFill/>
+          </a:ln>
+        </p:spPr>
+        <p:txBody>
+          <a:bodyPr spcFirstLastPara="1" wrap="square" lIns="91425" tIns="91425" rIns="91425" bIns="91425" anchor="t" anchorCtr="0">
+            <a:spAutoFit/>
+          </a:bodyPr>
+          <a:lstStyle/>
+          <a:p>
+            <a:pPr marL="0" lvl="0" indent="0" algn="r" rtl="0">
               <a:lnSpc>
                 <a:spcPct val="100000"/>
               </a:lnSpc>
@@ -5870,26 +7435,1108 @@
               <a:buNone/>
             </a:pPr>
             <a:r>
-              <a:rPr lang="en" sz="1100">
+              <a:rPr lang="en-US" sz="1100" dirty="0">
                 <a:solidFill>
                   <a:srgbClr val="000000"/>
                 </a:solidFill>
               </a:rPr>
-              <a:t>Untuk selengkapnya, dapat melihat jupyter notebook </a:t>
+              <a:t>For more details, you can view the </a:t>
             </a:r>
             <a:r>
-              <a:rPr lang="en" sz="1100"/>
-              <a:t>disini</a:t>
+              <a:rPr lang="en-US" sz="1100" dirty="0" err="1">
+                <a:solidFill>
+                  <a:srgbClr val="000000"/>
+                </a:solidFill>
+              </a:rPr>
+              <a:t>Jupyter</a:t>
             </a:r>
-            <a:endParaRPr sz="1100">
+            <a:r>
+              <a:rPr lang="en-US" sz="1100" dirty="0">
+                <a:solidFill>
+                  <a:srgbClr val="000000"/>
+                </a:solidFill>
+              </a:rPr>
+              <a:t> notebook </a:t>
+            </a:r>
+            <a:r>
+              <a:rPr lang="en-US" sz="1100" dirty="0">
+                <a:solidFill>
+                  <a:srgbClr val="000000"/>
+                </a:solidFill>
+                <a:hlinkClick r:id="rId5"/>
+              </a:rPr>
+              <a:t>here</a:t>
+            </a:r>
+            <a:r>
+              <a:rPr lang="en-US" sz="1100" dirty="0">
+                <a:solidFill>
+                  <a:srgbClr val="000000"/>
+                </a:solidFill>
+              </a:rPr>
+              <a:t>.</a:t>
+            </a:r>
+          </a:p>
+        </p:txBody>
+      </p:sp>
+    </p:spTree>
+    <p:extLst>
+      <p:ext uri="{BB962C8B-B14F-4D97-AF65-F5344CB8AC3E}">
+        <p14:creationId xmlns:p14="http://schemas.microsoft.com/office/powerpoint/2010/main" val="1472097605"/>
+      </p:ext>
+    </p:extLst>
+  </p:cSld>
+  <p:clrMapOvr>
+    <a:masterClrMapping/>
+  </p:clrMapOvr>
+</p:sld>
+</file>
+
+<file path=ppt/slides/slide3.xml><?xml version="1.0" encoding="utf-8"?>
+<p:sld xmlns:a="http://schemas.openxmlformats.org/drawingml/2006/main" xmlns:r="http://schemas.openxmlformats.org/officeDocument/2006/relationships" xmlns:p="http://schemas.openxmlformats.org/presentationml/2006/main">
+  <p:cSld>
+    <p:spTree>
+      <p:nvGrpSpPr>
+        <p:cNvPr id="1" name="Shape 53"/>
+        <p:cNvGrpSpPr/>
+        <p:nvPr/>
+      </p:nvGrpSpPr>
+      <p:grpSpPr>
+        <a:xfrm>
+          <a:off x="0" y="0"/>
+          <a:ext cx="0" cy="0"/>
+          <a:chOff x="0" y="0"/>
+          <a:chExt cx="0" cy="0"/>
+        </a:xfrm>
+      </p:grpSpPr>
+      <p:sp>
+        <p:nvSpPr>
+          <p:cNvPr id="54" name="Google Shape;54;p13"/>
+          <p:cNvSpPr txBox="1">
+            <a:spLocks noGrp="1"/>
+          </p:cNvSpPr>
+          <p:nvPr>
+            <p:ph type="title"/>
+          </p:nvPr>
+        </p:nvSpPr>
+        <p:spPr>
+          <a:xfrm>
+            <a:off x="0" y="37175"/>
+            <a:ext cx="8180700" cy="523200"/>
+          </a:xfrm>
+          <a:prstGeom prst="rect">
+            <a:avLst/>
+          </a:prstGeom>
+        </p:spPr>
+        <p:txBody>
+          <a:bodyPr spcFirstLastPara="1" wrap="square" lIns="91425" tIns="91425" rIns="91425" bIns="91425" anchor="t" anchorCtr="0">
+            <a:noAutofit/>
+          </a:bodyPr>
+          <a:lstStyle/>
+          <a:p>
+            <a:pPr marL="0" lvl="0" indent="0" algn="ctr" rtl="0">
+              <a:spcBef>
+                <a:spcPts val="0"/>
+              </a:spcBef>
+              <a:spcAft>
+                <a:spcPts val="0"/>
+              </a:spcAft>
+              <a:buSzPts val="990"/>
+              <a:buNone/>
+            </a:pPr>
+            <a:r>
+              <a:rPr lang="en" sz="1798" b="1">
+                <a:latin typeface="Roboto"/>
+                <a:ea typeface="Roboto"/>
+                <a:cs typeface="Roboto"/>
+                <a:sym typeface="Roboto"/>
+              </a:rPr>
+              <a:t>Data Modeling</a:t>
+            </a:r>
+            <a:endParaRPr sz="1798">
               <a:solidFill>
-                <a:srgbClr val="000000"/>
+                <a:schemeClr val="lt1"/>
               </a:solidFill>
+              <a:latin typeface="Roboto"/>
+              <a:ea typeface="Roboto"/>
+              <a:cs typeface="Roboto"/>
+              <a:sym typeface="Roboto"/>
             </a:endParaRPr>
           </a:p>
         </p:txBody>
       </p:sp>
+      <p:sp>
+        <p:nvSpPr>
+          <p:cNvPr id="6" name="Google Shape;55;p13">
+            <a:extLst>
+              <a:ext uri="{FF2B5EF4-FFF2-40B4-BE49-F238E27FC236}">
+                <a16:creationId xmlns:a16="http://schemas.microsoft.com/office/drawing/2014/main" id="{E7D1B0EB-1107-11F3-21B9-33A6BE5489DD}"/>
+              </a:ext>
+            </a:extLst>
+          </p:cNvPr>
+          <p:cNvSpPr txBox="1">
+            <a:spLocks/>
+          </p:cNvSpPr>
+          <p:nvPr/>
+        </p:nvSpPr>
+        <p:spPr>
+          <a:xfrm>
+            <a:off x="177315" y="603429"/>
+            <a:ext cx="8779649" cy="442590"/>
+          </a:xfrm>
+          <a:prstGeom prst="rect">
+            <a:avLst/>
+          </a:prstGeom>
+          <a:noFill/>
+          <a:ln>
+            <a:noFill/>
+          </a:ln>
+        </p:spPr>
+        <p:txBody>
+          <a:bodyPr spcFirstLastPara="1" wrap="square" lIns="91425" tIns="91425" rIns="91425" bIns="91425" anchor="t" anchorCtr="0">
+            <a:noAutofit/>
+          </a:bodyPr>
+          <a:lstStyle>
+            <a:defPPr marR="0" lvl="0" algn="l" rtl="0">
+              <a:lnSpc>
+                <a:spcPct val="100000"/>
+              </a:lnSpc>
+              <a:spcBef>
+                <a:spcPts val="0"/>
+              </a:spcBef>
+              <a:spcAft>
+                <a:spcPts val="0"/>
+              </a:spcAft>
+            </a:defPPr>
+            <a:lvl1pPr marL="457200" marR="0" lvl="0" indent="-342900" algn="l" rtl="0">
+              <a:lnSpc>
+                <a:spcPct val="115000"/>
+              </a:lnSpc>
+              <a:spcBef>
+                <a:spcPts val="0"/>
+              </a:spcBef>
+              <a:spcAft>
+                <a:spcPts val="0"/>
+              </a:spcAft>
+              <a:buClr>
+                <a:schemeClr val="dk2"/>
+              </a:buClr>
+              <a:buSzPts val="1800"/>
+              <a:buFont typeface="Arial"/>
+              <a:buChar char="●"/>
+              <a:defRPr sz="1800" b="0" i="0" u="none" strike="noStrike" cap="none">
+                <a:solidFill>
+                  <a:schemeClr val="dk2"/>
+                </a:solidFill>
+                <a:latin typeface="Arial"/>
+                <a:ea typeface="Arial"/>
+                <a:cs typeface="Arial"/>
+                <a:sym typeface="Arial"/>
+              </a:defRPr>
+            </a:lvl1pPr>
+            <a:lvl2pPr marL="914400" marR="0" lvl="1" indent="-317500" algn="l" rtl="0">
+              <a:lnSpc>
+                <a:spcPct val="115000"/>
+              </a:lnSpc>
+              <a:spcBef>
+                <a:spcPts val="0"/>
+              </a:spcBef>
+              <a:spcAft>
+                <a:spcPts val="0"/>
+              </a:spcAft>
+              <a:buClr>
+                <a:schemeClr val="dk2"/>
+              </a:buClr>
+              <a:buSzPts val="1400"/>
+              <a:buFont typeface="Arial"/>
+              <a:buChar char="○"/>
+              <a:defRPr sz="1400" b="0" i="0" u="none" strike="noStrike" cap="none">
+                <a:solidFill>
+                  <a:schemeClr val="dk2"/>
+                </a:solidFill>
+                <a:latin typeface="Arial"/>
+                <a:ea typeface="Arial"/>
+                <a:cs typeface="Arial"/>
+                <a:sym typeface="Arial"/>
+              </a:defRPr>
+            </a:lvl2pPr>
+            <a:lvl3pPr marL="1371600" marR="0" lvl="2" indent="-317500" algn="l" rtl="0">
+              <a:lnSpc>
+                <a:spcPct val="115000"/>
+              </a:lnSpc>
+              <a:spcBef>
+                <a:spcPts val="0"/>
+              </a:spcBef>
+              <a:spcAft>
+                <a:spcPts val="0"/>
+              </a:spcAft>
+              <a:buClr>
+                <a:schemeClr val="dk2"/>
+              </a:buClr>
+              <a:buSzPts val="1400"/>
+              <a:buFont typeface="Arial"/>
+              <a:buChar char="■"/>
+              <a:defRPr sz="1400" b="0" i="0" u="none" strike="noStrike" cap="none">
+                <a:solidFill>
+                  <a:schemeClr val="dk2"/>
+                </a:solidFill>
+                <a:latin typeface="Arial"/>
+                <a:ea typeface="Arial"/>
+                <a:cs typeface="Arial"/>
+                <a:sym typeface="Arial"/>
+              </a:defRPr>
+            </a:lvl3pPr>
+            <a:lvl4pPr marL="1828800" marR="0" lvl="3" indent="-317500" algn="l" rtl="0">
+              <a:lnSpc>
+                <a:spcPct val="115000"/>
+              </a:lnSpc>
+              <a:spcBef>
+                <a:spcPts val="0"/>
+              </a:spcBef>
+              <a:spcAft>
+                <a:spcPts val="0"/>
+              </a:spcAft>
+              <a:buClr>
+                <a:schemeClr val="dk2"/>
+              </a:buClr>
+              <a:buSzPts val="1400"/>
+              <a:buFont typeface="Arial"/>
+              <a:buChar char="●"/>
+              <a:defRPr sz="1400" b="0" i="0" u="none" strike="noStrike" cap="none">
+                <a:solidFill>
+                  <a:schemeClr val="dk2"/>
+                </a:solidFill>
+                <a:latin typeface="Arial"/>
+                <a:ea typeface="Arial"/>
+                <a:cs typeface="Arial"/>
+                <a:sym typeface="Arial"/>
+              </a:defRPr>
+            </a:lvl4pPr>
+            <a:lvl5pPr marL="2286000" marR="0" lvl="4" indent="-317500" algn="l" rtl="0">
+              <a:lnSpc>
+                <a:spcPct val="115000"/>
+              </a:lnSpc>
+              <a:spcBef>
+                <a:spcPts val="0"/>
+              </a:spcBef>
+              <a:spcAft>
+                <a:spcPts val="0"/>
+              </a:spcAft>
+              <a:buClr>
+                <a:schemeClr val="dk2"/>
+              </a:buClr>
+              <a:buSzPts val="1400"/>
+              <a:buFont typeface="Arial"/>
+              <a:buChar char="○"/>
+              <a:defRPr sz="1400" b="0" i="0" u="none" strike="noStrike" cap="none">
+                <a:solidFill>
+                  <a:schemeClr val="dk2"/>
+                </a:solidFill>
+                <a:latin typeface="Arial"/>
+                <a:ea typeface="Arial"/>
+                <a:cs typeface="Arial"/>
+                <a:sym typeface="Arial"/>
+              </a:defRPr>
+            </a:lvl5pPr>
+            <a:lvl6pPr marL="2743200" marR="0" lvl="5" indent="-317500" algn="l" rtl="0">
+              <a:lnSpc>
+                <a:spcPct val="115000"/>
+              </a:lnSpc>
+              <a:spcBef>
+                <a:spcPts val="0"/>
+              </a:spcBef>
+              <a:spcAft>
+                <a:spcPts val="0"/>
+              </a:spcAft>
+              <a:buClr>
+                <a:schemeClr val="dk2"/>
+              </a:buClr>
+              <a:buSzPts val="1400"/>
+              <a:buFont typeface="Arial"/>
+              <a:buChar char="■"/>
+              <a:defRPr sz="1400" b="0" i="0" u="none" strike="noStrike" cap="none">
+                <a:solidFill>
+                  <a:schemeClr val="dk2"/>
+                </a:solidFill>
+                <a:latin typeface="Arial"/>
+                <a:ea typeface="Arial"/>
+                <a:cs typeface="Arial"/>
+                <a:sym typeface="Arial"/>
+              </a:defRPr>
+            </a:lvl6pPr>
+            <a:lvl7pPr marL="3200400" marR="0" lvl="6" indent="-317500" algn="l" rtl="0">
+              <a:lnSpc>
+                <a:spcPct val="115000"/>
+              </a:lnSpc>
+              <a:spcBef>
+                <a:spcPts val="0"/>
+              </a:spcBef>
+              <a:spcAft>
+                <a:spcPts val="0"/>
+              </a:spcAft>
+              <a:buClr>
+                <a:schemeClr val="dk2"/>
+              </a:buClr>
+              <a:buSzPts val="1400"/>
+              <a:buFont typeface="Arial"/>
+              <a:buChar char="●"/>
+              <a:defRPr sz="1400" b="0" i="0" u="none" strike="noStrike" cap="none">
+                <a:solidFill>
+                  <a:schemeClr val="dk2"/>
+                </a:solidFill>
+                <a:latin typeface="Arial"/>
+                <a:ea typeface="Arial"/>
+                <a:cs typeface="Arial"/>
+                <a:sym typeface="Arial"/>
+              </a:defRPr>
+            </a:lvl7pPr>
+            <a:lvl8pPr marL="3657600" marR="0" lvl="7" indent="-317500" algn="l" rtl="0">
+              <a:lnSpc>
+                <a:spcPct val="115000"/>
+              </a:lnSpc>
+              <a:spcBef>
+                <a:spcPts val="0"/>
+              </a:spcBef>
+              <a:spcAft>
+                <a:spcPts val="0"/>
+              </a:spcAft>
+              <a:buClr>
+                <a:schemeClr val="dk2"/>
+              </a:buClr>
+              <a:buSzPts val="1400"/>
+              <a:buFont typeface="Arial"/>
+              <a:buChar char="○"/>
+              <a:defRPr sz="1400" b="0" i="0" u="none" strike="noStrike" cap="none">
+                <a:solidFill>
+                  <a:schemeClr val="dk2"/>
+                </a:solidFill>
+                <a:latin typeface="Arial"/>
+                <a:ea typeface="Arial"/>
+                <a:cs typeface="Arial"/>
+                <a:sym typeface="Arial"/>
+              </a:defRPr>
+            </a:lvl8pPr>
+            <a:lvl9pPr marL="4114800" marR="0" lvl="8" indent="-317500" algn="l" rtl="0">
+              <a:lnSpc>
+                <a:spcPct val="115000"/>
+              </a:lnSpc>
+              <a:spcBef>
+                <a:spcPts val="0"/>
+              </a:spcBef>
+              <a:spcAft>
+                <a:spcPts val="0"/>
+              </a:spcAft>
+              <a:buClr>
+                <a:schemeClr val="dk2"/>
+              </a:buClr>
+              <a:buSzPts val="1400"/>
+              <a:buFont typeface="Arial"/>
+              <a:buChar char="■"/>
+              <a:defRPr sz="1400" b="0" i="0" u="none" strike="noStrike" cap="none">
+                <a:solidFill>
+                  <a:schemeClr val="dk2"/>
+                </a:solidFill>
+                <a:latin typeface="Arial"/>
+                <a:ea typeface="Arial"/>
+                <a:cs typeface="Arial"/>
+                <a:sym typeface="Arial"/>
+              </a:defRPr>
+            </a:lvl9pPr>
+          </a:lstStyle>
+          <a:p>
+            <a:pPr marL="114300" indent="0">
+              <a:buNone/>
+            </a:pPr>
+            <a:r>
+              <a:rPr lang="en-US" sz="1400" b="1" dirty="0">
+                <a:solidFill>
+                  <a:schemeClr val="dk1"/>
+                </a:solidFill>
+              </a:rPr>
+              <a:t>Elbow Method</a:t>
+            </a:r>
+          </a:p>
+        </p:txBody>
+      </p:sp>
+      <p:sp>
+        <p:nvSpPr>
+          <p:cNvPr id="7" name="TextBox 6">
+            <a:extLst>
+              <a:ext uri="{FF2B5EF4-FFF2-40B4-BE49-F238E27FC236}">
+                <a16:creationId xmlns:a16="http://schemas.microsoft.com/office/drawing/2014/main" id="{45B2656F-CC26-CBE8-ADBD-BDEDA85A70BC}"/>
+              </a:ext>
+            </a:extLst>
+          </p:cNvPr>
+          <p:cNvSpPr txBox="1"/>
+          <p:nvPr/>
+        </p:nvSpPr>
+        <p:spPr>
+          <a:xfrm>
+            <a:off x="293410" y="3707140"/>
+            <a:ext cx="8615063" cy="1169551"/>
+          </a:xfrm>
+          <a:prstGeom prst="rect">
+            <a:avLst/>
+          </a:prstGeom>
+          <a:noFill/>
+        </p:spPr>
+        <p:txBody>
+          <a:bodyPr wrap="square" rtlCol="0">
+            <a:spAutoFit/>
+          </a:bodyPr>
+          <a:lstStyle/>
+          <a:p>
+            <a:pPr marL="285750" indent="-285750">
+              <a:buFont typeface="Arial" panose="020B0604020202020204" pitchFamily="34" charset="0"/>
+              <a:buChar char="•"/>
+            </a:pPr>
+            <a:r>
+              <a:rPr lang="en-US" dirty="0">
+                <a:latin typeface="Dosis" pitchFamily="2" charset="0"/>
+              </a:rPr>
+              <a:t>Evaluating the elbow method we could see that </a:t>
+            </a:r>
+            <a:r>
+              <a:rPr lang="en-US" b="1" dirty="0">
+                <a:latin typeface="Dosis" pitchFamily="2" charset="0"/>
+              </a:rPr>
+              <a:t>the optimal number of cluster is 4</a:t>
+            </a:r>
+            <a:r>
+              <a:rPr lang="en-US" dirty="0">
+                <a:latin typeface="Dosis" pitchFamily="2" charset="0"/>
+              </a:rPr>
+              <a:t>. This is obtained by observing the inertia score, which begins to show similarity in subsequent clusters starting from the 4th cluster.</a:t>
+            </a:r>
+          </a:p>
+          <a:p>
+            <a:pPr marL="285750" indent="-285750">
+              <a:buFont typeface="Arial" panose="020B0604020202020204" pitchFamily="34" charset="0"/>
+              <a:buChar char="•"/>
+            </a:pPr>
+            <a:endParaRPr lang="en-US" dirty="0">
+              <a:latin typeface="Dosis" pitchFamily="2" charset="0"/>
+            </a:endParaRPr>
+          </a:p>
+          <a:p>
+            <a:pPr marL="285750" indent="-285750">
+              <a:buFont typeface="Arial" panose="020B0604020202020204" pitchFamily="34" charset="0"/>
+              <a:buChar char="•"/>
+            </a:pPr>
+            <a:r>
+              <a:rPr lang="en-US" dirty="0">
+                <a:latin typeface="Dosis" pitchFamily="2" charset="0"/>
+              </a:rPr>
+              <a:t>Inertia is a metric that measures the sum of squared distances between each data point and its nearest centroid. It reflects how compact the clusters are, with lower values indicating tighter, more cohesive clusters.</a:t>
+            </a:r>
+            <a:endParaRPr lang="en-ID" dirty="0">
+              <a:latin typeface="Dosis" pitchFamily="2" charset="0"/>
+            </a:endParaRPr>
+          </a:p>
+        </p:txBody>
+      </p:sp>
+      <p:pic>
+        <p:nvPicPr>
+          <p:cNvPr id="11" name="Picture 10">
+            <a:extLst>
+              <a:ext uri="{FF2B5EF4-FFF2-40B4-BE49-F238E27FC236}">
+                <a16:creationId xmlns:a16="http://schemas.microsoft.com/office/drawing/2014/main" id="{0B02C13A-70B3-BFA1-B21B-8FA64B4124B0}"/>
+              </a:ext>
+            </a:extLst>
+          </p:cNvPr>
+          <p:cNvPicPr>
+            <a:picLocks noChangeAspect="1"/>
+          </p:cNvPicPr>
+          <p:nvPr/>
+        </p:nvPicPr>
+        <p:blipFill>
+          <a:blip r:embed="rId3"/>
+          <a:stretch>
+            <a:fillRect/>
+          </a:stretch>
+        </p:blipFill>
+        <p:spPr>
+          <a:xfrm>
+            <a:off x="1315724" y="1143486"/>
+            <a:ext cx="4609436" cy="2400396"/>
+          </a:xfrm>
+          <a:prstGeom prst="rect">
+            <a:avLst/>
+          </a:prstGeom>
+        </p:spPr>
+      </p:pic>
+      <p:pic>
+        <p:nvPicPr>
+          <p:cNvPr id="13" name="Picture 12">
+            <a:extLst>
+              <a:ext uri="{FF2B5EF4-FFF2-40B4-BE49-F238E27FC236}">
+                <a16:creationId xmlns:a16="http://schemas.microsoft.com/office/drawing/2014/main" id="{941D7D1B-C4C1-28A6-1DE1-3531358D8DD2}"/>
+              </a:ext>
+            </a:extLst>
+          </p:cNvPr>
+          <p:cNvPicPr>
+            <a:picLocks noChangeAspect="1"/>
+          </p:cNvPicPr>
+          <p:nvPr/>
+        </p:nvPicPr>
+        <p:blipFill>
+          <a:blip r:embed="rId4"/>
+          <a:stretch>
+            <a:fillRect/>
+          </a:stretch>
+        </p:blipFill>
+        <p:spPr>
+          <a:xfrm>
+            <a:off x="6412902" y="1205289"/>
+            <a:ext cx="1112365" cy="2338593"/>
+          </a:xfrm>
+          <a:prstGeom prst="rect">
+            <a:avLst/>
+          </a:prstGeom>
+        </p:spPr>
+      </p:pic>
     </p:spTree>
+    <p:extLst>
+      <p:ext uri="{BB962C8B-B14F-4D97-AF65-F5344CB8AC3E}">
+        <p14:creationId xmlns:p14="http://schemas.microsoft.com/office/powerpoint/2010/main" val="4164274315"/>
+      </p:ext>
+    </p:extLst>
+  </p:cSld>
+  <p:clrMapOvr>
+    <a:masterClrMapping/>
+  </p:clrMapOvr>
+</p:sld>
+</file>
+
+<file path=ppt/slides/slide4.xml><?xml version="1.0" encoding="utf-8"?>
+<p:sld xmlns:a="http://schemas.openxmlformats.org/drawingml/2006/main" xmlns:r="http://schemas.openxmlformats.org/officeDocument/2006/relationships" xmlns:p="http://schemas.openxmlformats.org/presentationml/2006/main">
+  <p:cSld>
+    <p:spTree>
+      <p:nvGrpSpPr>
+        <p:cNvPr id="1" name="Shape 53"/>
+        <p:cNvGrpSpPr/>
+        <p:nvPr/>
+      </p:nvGrpSpPr>
+      <p:grpSpPr>
+        <a:xfrm>
+          <a:off x="0" y="0"/>
+          <a:ext cx="0" cy="0"/>
+          <a:chOff x="0" y="0"/>
+          <a:chExt cx="0" cy="0"/>
+        </a:xfrm>
+      </p:grpSpPr>
+      <p:sp>
+        <p:nvSpPr>
+          <p:cNvPr id="54" name="Google Shape;54;p13"/>
+          <p:cNvSpPr txBox="1">
+            <a:spLocks noGrp="1"/>
+          </p:cNvSpPr>
+          <p:nvPr>
+            <p:ph type="title"/>
+          </p:nvPr>
+        </p:nvSpPr>
+        <p:spPr>
+          <a:xfrm>
+            <a:off x="0" y="37175"/>
+            <a:ext cx="8180700" cy="523200"/>
+          </a:xfrm>
+          <a:prstGeom prst="rect">
+            <a:avLst/>
+          </a:prstGeom>
+        </p:spPr>
+        <p:txBody>
+          <a:bodyPr spcFirstLastPara="1" wrap="square" lIns="91425" tIns="91425" rIns="91425" bIns="91425" anchor="t" anchorCtr="0">
+            <a:noAutofit/>
+          </a:bodyPr>
+          <a:lstStyle/>
+          <a:p>
+            <a:pPr marL="0" lvl="0" indent="0" algn="ctr" rtl="0">
+              <a:spcBef>
+                <a:spcPts val="0"/>
+              </a:spcBef>
+              <a:spcAft>
+                <a:spcPts val="0"/>
+              </a:spcAft>
+              <a:buSzPts val="990"/>
+              <a:buNone/>
+            </a:pPr>
+            <a:r>
+              <a:rPr lang="en" sz="1798" b="1">
+                <a:latin typeface="Roboto"/>
+                <a:ea typeface="Roboto"/>
+                <a:cs typeface="Roboto"/>
+                <a:sym typeface="Roboto"/>
+              </a:rPr>
+              <a:t>Data Modeling</a:t>
+            </a:r>
+            <a:endParaRPr sz="1798">
+              <a:solidFill>
+                <a:schemeClr val="lt1"/>
+              </a:solidFill>
+              <a:latin typeface="Roboto"/>
+              <a:ea typeface="Roboto"/>
+              <a:cs typeface="Roboto"/>
+              <a:sym typeface="Roboto"/>
+            </a:endParaRPr>
+          </a:p>
+        </p:txBody>
+      </p:sp>
+      <p:sp>
+        <p:nvSpPr>
+          <p:cNvPr id="6" name="Google Shape;55;p13">
+            <a:extLst>
+              <a:ext uri="{FF2B5EF4-FFF2-40B4-BE49-F238E27FC236}">
+                <a16:creationId xmlns:a16="http://schemas.microsoft.com/office/drawing/2014/main" id="{E7D1B0EB-1107-11F3-21B9-33A6BE5489DD}"/>
+              </a:ext>
+            </a:extLst>
+          </p:cNvPr>
+          <p:cNvSpPr txBox="1">
+            <a:spLocks/>
+          </p:cNvSpPr>
+          <p:nvPr/>
+        </p:nvSpPr>
+        <p:spPr>
+          <a:xfrm>
+            <a:off x="177315" y="603429"/>
+            <a:ext cx="8779649" cy="442590"/>
+          </a:xfrm>
+          <a:prstGeom prst="rect">
+            <a:avLst/>
+          </a:prstGeom>
+          <a:noFill/>
+          <a:ln>
+            <a:noFill/>
+          </a:ln>
+        </p:spPr>
+        <p:txBody>
+          <a:bodyPr spcFirstLastPara="1" wrap="square" lIns="91425" tIns="91425" rIns="91425" bIns="91425" anchor="t" anchorCtr="0">
+            <a:noAutofit/>
+          </a:bodyPr>
+          <a:lstStyle>
+            <a:defPPr marR="0" lvl="0" algn="l" rtl="0">
+              <a:lnSpc>
+                <a:spcPct val="100000"/>
+              </a:lnSpc>
+              <a:spcBef>
+                <a:spcPts val="0"/>
+              </a:spcBef>
+              <a:spcAft>
+                <a:spcPts val="0"/>
+              </a:spcAft>
+            </a:defPPr>
+            <a:lvl1pPr marL="457200" marR="0" lvl="0" indent="-342900" algn="l" rtl="0">
+              <a:lnSpc>
+                <a:spcPct val="115000"/>
+              </a:lnSpc>
+              <a:spcBef>
+                <a:spcPts val="0"/>
+              </a:spcBef>
+              <a:spcAft>
+                <a:spcPts val="0"/>
+              </a:spcAft>
+              <a:buClr>
+                <a:schemeClr val="dk2"/>
+              </a:buClr>
+              <a:buSzPts val="1800"/>
+              <a:buFont typeface="Arial"/>
+              <a:buChar char="●"/>
+              <a:defRPr sz="1800" b="0" i="0" u="none" strike="noStrike" cap="none">
+                <a:solidFill>
+                  <a:schemeClr val="dk2"/>
+                </a:solidFill>
+                <a:latin typeface="Arial"/>
+                <a:ea typeface="Arial"/>
+                <a:cs typeface="Arial"/>
+                <a:sym typeface="Arial"/>
+              </a:defRPr>
+            </a:lvl1pPr>
+            <a:lvl2pPr marL="914400" marR="0" lvl="1" indent="-317500" algn="l" rtl="0">
+              <a:lnSpc>
+                <a:spcPct val="115000"/>
+              </a:lnSpc>
+              <a:spcBef>
+                <a:spcPts val="0"/>
+              </a:spcBef>
+              <a:spcAft>
+                <a:spcPts val="0"/>
+              </a:spcAft>
+              <a:buClr>
+                <a:schemeClr val="dk2"/>
+              </a:buClr>
+              <a:buSzPts val="1400"/>
+              <a:buFont typeface="Arial"/>
+              <a:buChar char="○"/>
+              <a:defRPr sz="1400" b="0" i="0" u="none" strike="noStrike" cap="none">
+                <a:solidFill>
+                  <a:schemeClr val="dk2"/>
+                </a:solidFill>
+                <a:latin typeface="Arial"/>
+                <a:ea typeface="Arial"/>
+                <a:cs typeface="Arial"/>
+                <a:sym typeface="Arial"/>
+              </a:defRPr>
+            </a:lvl2pPr>
+            <a:lvl3pPr marL="1371600" marR="0" lvl="2" indent="-317500" algn="l" rtl="0">
+              <a:lnSpc>
+                <a:spcPct val="115000"/>
+              </a:lnSpc>
+              <a:spcBef>
+                <a:spcPts val="0"/>
+              </a:spcBef>
+              <a:spcAft>
+                <a:spcPts val="0"/>
+              </a:spcAft>
+              <a:buClr>
+                <a:schemeClr val="dk2"/>
+              </a:buClr>
+              <a:buSzPts val="1400"/>
+              <a:buFont typeface="Arial"/>
+              <a:buChar char="■"/>
+              <a:defRPr sz="1400" b="0" i="0" u="none" strike="noStrike" cap="none">
+                <a:solidFill>
+                  <a:schemeClr val="dk2"/>
+                </a:solidFill>
+                <a:latin typeface="Arial"/>
+                <a:ea typeface="Arial"/>
+                <a:cs typeface="Arial"/>
+                <a:sym typeface="Arial"/>
+              </a:defRPr>
+            </a:lvl3pPr>
+            <a:lvl4pPr marL="1828800" marR="0" lvl="3" indent="-317500" algn="l" rtl="0">
+              <a:lnSpc>
+                <a:spcPct val="115000"/>
+              </a:lnSpc>
+              <a:spcBef>
+                <a:spcPts val="0"/>
+              </a:spcBef>
+              <a:spcAft>
+                <a:spcPts val="0"/>
+              </a:spcAft>
+              <a:buClr>
+                <a:schemeClr val="dk2"/>
+              </a:buClr>
+              <a:buSzPts val="1400"/>
+              <a:buFont typeface="Arial"/>
+              <a:buChar char="●"/>
+              <a:defRPr sz="1400" b="0" i="0" u="none" strike="noStrike" cap="none">
+                <a:solidFill>
+                  <a:schemeClr val="dk2"/>
+                </a:solidFill>
+                <a:latin typeface="Arial"/>
+                <a:ea typeface="Arial"/>
+                <a:cs typeface="Arial"/>
+                <a:sym typeface="Arial"/>
+              </a:defRPr>
+            </a:lvl4pPr>
+            <a:lvl5pPr marL="2286000" marR="0" lvl="4" indent="-317500" algn="l" rtl="0">
+              <a:lnSpc>
+                <a:spcPct val="115000"/>
+              </a:lnSpc>
+              <a:spcBef>
+                <a:spcPts val="0"/>
+              </a:spcBef>
+              <a:spcAft>
+                <a:spcPts val="0"/>
+              </a:spcAft>
+              <a:buClr>
+                <a:schemeClr val="dk2"/>
+              </a:buClr>
+              <a:buSzPts val="1400"/>
+              <a:buFont typeface="Arial"/>
+              <a:buChar char="○"/>
+              <a:defRPr sz="1400" b="0" i="0" u="none" strike="noStrike" cap="none">
+                <a:solidFill>
+                  <a:schemeClr val="dk2"/>
+                </a:solidFill>
+                <a:latin typeface="Arial"/>
+                <a:ea typeface="Arial"/>
+                <a:cs typeface="Arial"/>
+                <a:sym typeface="Arial"/>
+              </a:defRPr>
+            </a:lvl5pPr>
+            <a:lvl6pPr marL="2743200" marR="0" lvl="5" indent="-317500" algn="l" rtl="0">
+              <a:lnSpc>
+                <a:spcPct val="115000"/>
+              </a:lnSpc>
+              <a:spcBef>
+                <a:spcPts val="0"/>
+              </a:spcBef>
+              <a:spcAft>
+                <a:spcPts val="0"/>
+              </a:spcAft>
+              <a:buClr>
+                <a:schemeClr val="dk2"/>
+              </a:buClr>
+              <a:buSzPts val="1400"/>
+              <a:buFont typeface="Arial"/>
+              <a:buChar char="■"/>
+              <a:defRPr sz="1400" b="0" i="0" u="none" strike="noStrike" cap="none">
+                <a:solidFill>
+                  <a:schemeClr val="dk2"/>
+                </a:solidFill>
+                <a:latin typeface="Arial"/>
+                <a:ea typeface="Arial"/>
+                <a:cs typeface="Arial"/>
+                <a:sym typeface="Arial"/>
+              </a:defRPr>
+            </a:lvl6pPr>
+            <a:lvl7pPr marL="3200400" marR="0" lvl="6" indent="-317500" algn="l" rtl="0">
+              <a:lnSpc>
+                <a:spcPct val="115000"/>
+              </a:lnSpc>
+              <a:spcBef>
+                <a:spcPts val="0"/>
+              </a:spcBef>
+              <a:spcAft>
+                <a:spcPts val="0"/>
+              </a:spcAft>
+              <a:buClr>
+                <a:schemeClr val="dk2"/>
+              </a:buClr>
+              <a:buSzPts val="1400"/>
+              <a:buFont typeface="Arial"/>
+              <a:buChar char="●"/>
+              <a:defRPr sz="1400" b="0" i="0" u="none" strike="noStrike" cap="none">
+                <a:solidFill>
+                  <a:schemeClr val="dk2"/>
+                </a:solidFill>
+                <a:latin typeface="Arial"/>
+                <a:ea typeface="Arial"/>
+                <a:cs typeface="Arial"/>
+                <a:sym typeface="Arial"/>
+              </a:defRPr>
+            </a:lvl7pPr>
+            <a:lvl8pPr marL="3657600" marR="0" lvl="7" indent="-317500" algn="l" rtl="0">
+              <a:lnSpc>
+                <a:spcPct val="115000"/>
+              </a:lnSpc>
+              <a:spcBef>
+                <a:spcPts val="0"/>
+              </a:spcBef>
+              <a:spcAft>
+                <a:spcPts val="0"/>
+              </a:spcAft>
+              <a:buClr>
+                <a:schemeClr val="dk2"/>
+              </a:buClr>
+              <a:buSzPts val="1400"/>
+              <a:buFont typeface="Arial"/>
+              <a:buChar char="○"/>
+              <a:defRPr sz="1400" b="0" i="0" u="none" strike="noStrike" cap="none">
+                <a:solidFill>
+                  <a:schemeClr val="dk2"/>
+                </a:solidFill>
+                <a:latin typeface="Arial"/>
+                <a:ea typeface="Arial"/>
+                <a:cs typeface="Arial"/>
+                <a:sym typeface="Arial"/>
+              </a:defRPr>
+            </a:lvl8pPr>
+            <a:lvl9pPr marL="4114800" marR="0" lvl="8" indent="-317500" algn="l" rtl="0">
+              <a:lnSpc>
+                <a:spcPct val="115000"/>
+              </a:lnSpc>
+              <a:spcBef>
+                <a:spcPts val="0"/>
+              </a:spcBef>
+              <a:spcAft>
+                <a:spcPts val="0"/>
+              </a:spcAft>
+              <a:buClr>
+                <a:schemeClr val="dk2"/>
+              </a:buClr>
+              <a:buSzPts val="1400"/>
+              <a:buFont typeface="Arial"/>
+              <a:buChar char="■"/>
+              <a:defRPr sz="1400" b="0" i="0" u="none" strike="noStrike" cap="none">
+                <a:solidFill>
+                  <a:schemeClr val="dk2"/>
+                </a:solidFill>
+                <a:latin typeface="Arial"/>
+                <a:ea typeface="Arial"/>
+                <a:cs typeface="Arial"/>
+                <a:sym typeface="Arial"/>
+              </a:defRPr>
+            </a:lvl9pPr>
+          </a:lstStyle>
+          <a:p>
+            <a:pPr marL="114300" indent="0">
+              <a:buNone/>
+            </a:pPr>
+            <a:r>
+              <a:rPr lang="en-US" sz="1400" b="1" dirty="0">
+                <a:solidFill>
+                  <a:schemeClr val="dk1"/>
+                </a:solidFill>
+              </a:rPr>
+              <a:t>Silhouette Score</a:t>
+            </a:r>
+          </a:p>
+        </p:txBody>
+      </p:sp>
+      <p:sp>
+        <p:nvSpPr>
+          <p:cNvPr id="7" name="TextBox 6">
+            <a:extLst>
+              <a:ext uri="{FF2B5EF4-FFF2-40B4-BE49-F238E27FC236}">
+                <a16:creationId xmlns:a16="http://schemas.microsoft.com/office/drawing/2014/main" id="{45B2656F-CC26-CBE8-ADBD-BDEDA85A70BC}"/>
+              </a:ext>
+            </a:extLst>
+          </p:cNvPr>
+          <p:cNvSpPr txBox="1"/>
+          <p:nvPr/>
+        </p:nvSpPr>
+        <p:spPr>
+          <a:xfrm>
+            <a:off x="293410" y="3462128"/>
+            <a:ext cx="8615063" cy="1600438"/>
+          </a:xfrm>
+          <a:prstGeom prst="rect">
+            <a:avLst/>
+          </a:prstGeom>
+          <a:noFill/>
+        </p:spPr>
+        <p:txBody>
+          <a:bodyPr wrap="square" rtlCol="0">
+            <a:spAutoFit/>
+          </a:bodyPr>
+          <a:lstStyle/>
+          <a:p>
+            <a:pPr marL="285750" indent="-285750">
+              <a:buFont typeface="Arial" panose="020B0604020202020204" pitchFamily="34" charset="0"/>
+              <a:buChar char="•"/>
+            </a:pPr>
+            <a:r>
+              <a:rPr lang="en-US" dirty="0">
+                <a:latin typeface="Dosis" pitchFamily="2" charset="0"/>
+              </a:rPr>
+              <a:t>Based on the Silhouette Score, </a:t>
+            </a:r>
+            <a:r>
+              <a:rPr lang="en-US" b="1" dirty="0">
+                <a:latin typeface="Dosis" pitchFamily="2" charset="0"/>
+              </a:rPr>
+              <a:t>the recommended optimal number of clusters is 4</a:t>
+            </a:r>
+            <a:r>
+              <a:rPr lang="en-US" dirty="0">
+                <a:latin typeface="Dosis" pitchFamily="2" charset="0"/>
+              </a:rPr>
+              <a:t>.</a:t>
+            </a:r>
+          </a:p>
+          <a:p>
+            <a:pPr marL="285750" indent="-285750">
+              <a:buFont typeface="Arial" panose="020B0604020202020204" pitchFamily="34" charset="0"/>
+              <a:buChar char="•"/>
+            </a:pPr>
+            <a:endParaRPr lang="en-US" dirty="0">
+              <a:latin typeface="Dosis" pitchFamily="2" charset="0"/>
+            </a:endParaRPr>
+          </a:p>
+          <a:p>
+            <a:pPr marL="285750" indent="-285750">
+              <a:buFont typeface="Arial" panose="020B0604020202020204" pitchFamily="34" charset="0"/>
+              <a:buChar char="•"/>
+            </a:pPr>
+            <a:r>
+              <a:rPr lang="en-US" dirty="0">
+                <a:latin typeface="Dosis" pitchFamily="2" charset="0"/>
+              </a:rPr>
+              <a:t>The Silhouette Score for this number of clusters is higher compared to other numbers of clusters, indicating better clustering quality.</a:t>
+            </a:r>
+          </a:p>
+          <a:p>
+            <a:pPr marL="285750" indent="-285750">
+              <a:buFont typeface="Arial" panose="020B0604020202020204" pitchFamily="34" charset="0"/>
+              <a:buChar char="•"/>
+            </a:pPr>
+            <a:endParaRPr lang="en-US" dirty="0">
+              <a:latin typeface="Dosis" pitchFamily="2" charset="0"/>
+            </a:endParaRPr>
+          </a:p>
+          <a:p>
+            <a:pPr marL="285750" indent="-285750">
+              <a:buFont typeface="Arial" panose="020B0604020202020204" pitchFamily="34" charset="0"/>
+              <a:buChar char="•"/>
+            </a:pPr>
+            <a:r>
+              <a:rPr lang="en-US" dirty="0">
+                <a:latin typeface="Dosis" pitchFamily="2" charset="0"/>
+              </a:rPr>
+              <a:t>Silhouette Score is an evaluation metric that describes how well objects within one cluster are grouped within their own data compared to other clusters. The higher the Silhouette Score, the better the separation of clusters.</a:t>
+            </a:r>
+            <a:endParaRPr lang="en-ID" dirty="0">
+              <a:latin typeface="Dosis" pitchFamily="2" charset="0"/>
+            </a:endParaRPr>
+          </a:p>
+        </p:txBody>
+      </p:sp>
+      <p:pic>
+        <p:nvPicPr>
+          <p:cNvPr id="3" name="Picture 2">
+            <a:extLst>
+              <a:ext uri="{FF2B5EF4-FFF2-40B4-BE49-F238E27FC236}">
+                <a16:creationId xmlns:a16="http://schemas.microsoft.com/office/drawing/2014/main" id="{4976276E-FF99-82B2-CF8F-4BE1AC330FC8}"/>
+              </a:ext>
+            </a:extLst>
+          </p:cNvPr>
+          <p:cNvPicPr>
+            <a:picLocks noChangeAspect="1"/>
+          </p:cNvPicPr>
+          <p:nvPr/>
+        </p:nvPicPr>
+        <p:blipFill>
+          <a:blip r:embed="rId3"/>
+          <a:stretch>
+            <a:fillRect/>
+          </a:stretch>
+        </p:blipFill>
+        <p:spPr>
+          <a:xfrm>
+            <a:off x="4298115" y="1169202"/>
+            <a:ext cx="2935786" cy="2169743"/>
+          </a:xfrm>
+          <a:prstGeom prst="rect">
+            <a:avLst/>
+          </a:prstGeom>
+        </p:spPr>
+      </p:pic>
+      <p:pic>
+        <p:nvPicPr>
+          <p:cNvPr id="5" name="Picture 4">
+            <a:extLst>
+              <a:ext uri="{FF2B5EF4-FFF2-40B4-BE49-F238E27FC236}">
+                <a16:creationId xmlns:a16="http://schemas.microsoft.com/office/drawing/2014/main" id="{D5FBA83D-E829-A90A-D883-E5278D9B187E}"/>
+              </a:ext>
+            </a:extLst>
+          </p:cNvPr>
+          <p:cNvPicPr>
+            <a:picLocks noChangeAspect="1"/>
+          </p:cNvPicPr>
+          <p:nvPr/>
+        </p:nvPicPr>
+        <p:blipFill>
+          <a:blip r:embed="rId4"/>
+          <a:stretch>
+            <a:fillRect/>
+          </a:stretch>
+        </p:blipFill>
+        <p:spPr>
+          <a:xfrm>
+            <a:off x="1169802" y="1117058"/>
+            <a:ext cx="2606868" cy="2221887"/>
+          </a:xfrm>
+          <a:prstGeom prst="rect">
+            <a:avLst/>
+          </a:prstGeom>
+        </p:spPr>
+      </p:pic>
+    </p:spTree>
+    <p:extLst>
+      <p:ext uri="{BB962C8B-B14F-4D97-AF65-F5344CB8AC3E}">
+        <p14:creationId xmlns:p14="http://schemas.microsoft.com/office/powerpoint/2010/main" val="2537271298"/>
+      </p:ext>
+    </p:extLst>
   </p:cSld>
   <p:clrMapOvr>
     <a:masterClrMapping/>
@@ -5898,7 +8545,7 @@
 </file>
 
 <file path=ppt/theme/theme1.xml><?xml version="1.0" encoding="utf-8"?>
-<a:theme xmlns:a="http://schemas.openxmlformats.org/drawingml/2006/main" xmlns:r="http://schemas.openxmlformats.org/officeDocument/2006/relationships" name="Simple Light">
+<a:theme xmlns:a="http://schemas.openxmlformats.org/drawingml/2006/main" name="Simple Light">
   <a:themeElements>
     <a:clrScheme name="Simple Light">
       <a:dk1>
@@ -6173,11 +8820,13 @@
       </a:bgFillStyleLst>
     </a:fmtScheme>
   </a:themeElements>
+  <a:objectDefaults/>
+  <a:extraClrSchemeLst/>
 </a:theme>
 </file>
 
 <file path=ppt/theme/theme2.xml><?xml version="1.0" encoding="utf-8"?>
-<a:theme xmlns:a="http://schemas.openxmlformats.org/drawingml/2006/main" xmlns:r="http://schemas.openxmlformats.org/officeDocument/2006/relationships">
+<a:theme xmlns:a="http://schemas.openxmlformats.org/drawingml/2006/main">
   <a:themeElements>
     <a:clrScheme name="Default">
       <a:dk1>
@@ -6452,5 +9101,7 @@
       </a:bgFillStyleLst>
     </a:fmtScheme>
   </a:themeElements>
+  <a:objectDefaults/>
+  <a:extraClrSchemeLst/>
 </a:theme>
 </file>